--- a/lectures/3.2FunctionsNPrintf/lecture.pptx
+++ b/lectures/3.2FunctionsNPrintf/lecture.pptx
@@ -7653,8 +7653,13 @@
           <a:p>
             <a:r>
               <a:rPr lang="da-DK" dirty="0"/>
-              <a:t>3.1: Præcedens, association og funktioner</a:t>
-            </a:r>
+              <a:t>3.1: Funktioner, dokumentation </a:t>
+            </a:r>
+            <a:r>
+              <a:rPr lang="da-DK"/>
+              <a:t>og løkker</a:t>
+            </a:r>
+            <a:endParaRPr lang="da-DK" dirty="0"/>
           </a:p>
         </p:txBody>
       </p:sp>

--- a/lectures/3.2FunctionsNPrintf/lecture.pptx
+++ b/lectures/3.2FunctionsNPrintf/lecture.pptx
@@ -4099,7 +4099,7 @@
           <a:p>
             <a:fld id="{248031C6-E4B0-0444-A4A8-9CCE96EC2C9C}" type="datetimeFigureOut">
               <a:rPr lang="en-GB" smtClean="0"/>
-              <a:t>17/09/2018</a:t>
+              <a:t>18/09/2018</a:t>
             </a:fld>
             <a:endParaRPr lang="en-GB"/>
           </a:p>
@@ -4516,7 +4516,7 @@
           <a:p>
             <a:fld id="{66665395-52C5-5E4B-BB20-CD4E0BBC9899}" type="datetimeFigureOut">
               <a:rPr lang="en-GB" smtClean="0"/>
-              <a:t>17/09/2018</a:t>
+              <a:t>18/09/2018</a:t>
             </a:fld>
             <a:endParaRPr lang="en-GB"/>
           </a:p>
@@ -4716,7 +4716,7 @@
           <a:p>
             <a:fld id="{66665395-52C5-5E4B-BB20-CD4E0BBC9899}" type="datetimeFigureOut">
               <a:rPr lang="en-GB" smtClean="0"/>
-              <a:t>17/09/2018</a:t>
+              <a:t>18/09/2018</a:t>
             </a:fld>
             <a:endParaRPr lang="en-GB"/>
           </a:p>
@@ -4926,7 +4926,7 @@
           <a:p>
             <a:fld id="{66665395-52C5-5E4B-BB20-CD4E0BBC9899}" type="datetimeFigureOut">
               <a:rPr lang="en-GB" smtClean="0"/>
-              <a:t>17/09/2018</a:t>
+              <a:t>18/09/2018</a:t>
             </a:fld>
             <a:endParaRPr lang="en-GB"/>
           </a:p>
@@ -5126,7 +5126,7 @@
           <a:p>
             <a:fld id="{66665395-52C5-5E4B-BB20-CD4E0BBC9899}" type="datetimeFigureOut">
               <a:rPr lang="en-GB" smtClean="0"/>
-              <a:t>17/09/2018</a:t>
+              <a:t>18/09/2018</a:t>
             </a:fld>
             <a:endParaRPr lang="en-GB"/>
           </a:p>
@@ -5402,7 +5402,7 @@
           <a:p>
             <a:fld id="{66665395-52C5-5E4B-BB20-CD4E0BBC9899}" type="datetimeFigureOut">
               <a:rPr lang="en-GB" smtClean="0"/>
-              <a:t>17/09/2018</a:t>
+              <a:t>18/09/2018</a:t>
             </a:fld>
             <a:endParaRPr lang="en-GB"/>
           </a:p>
@@ -5670,7 +5670,7 @@
           <a:p>
             <a:fld id="{66665395-52C5-5E4B-BB20-CD4E0BBC9899}" type="datetimeFigureOut">
               <a:rPr lang="en-GB" smtClean="0"/>
-              <a:t>17/09/2018</a:t>
+              <a:t>18/09/2018</a:t>
             </a:fld>
             <a:endParaRPr lang="en-GB"/>
           </a:p>
@@ -6085,7 +6085,7 @@
           <a:p>
             <a:fld id="{66665395-52C5-5E4B-BB20-CD4E0BBC9899}" type="datetimeFigureOut">
               <a:rPr lang="en-GB" smtClean="0"/>
-              <a:t>17/09/2018</a:t>
+              <a:t>18/09/2018</a:t>
             </a:fld>
             <a:endParaRPr lang="en-GB"/>
           </a:p>
@@ -6227,7 +6227,7 @@
           <a:p>
             <a:fld id="{66665395-52C5-5E4B-BB20-CD4E0BBC9899}" type="datetimeFigureOut">
               <a:rPr lang="en-GB" smtClean="0"/>
-              <a:t>17/09/2018</a:t>
+              <a:t>18/09/2018</a:t>
             </a:fld>
             <a:endParaRPr lang="en-GB"/>
           </a:p>
@@ -6340,7 +6340,7 @@
           <a:p>
             <a:fld id="{66665395-52C5-5E4B-BB20-CD4E0BBC9899}" type="datetimeFigureOut">
               <a:rPr lang="en-GB" smtClean="0"/>
-              <a:t>17/09/2018</a:t>
+              <a:t>18/09/2018</a:t>
             </a:fld>
             <a:endParaRPr lang="en-GB"/>
           </a:p>
@@ -6653,7 +6653,7 @@
           <a:p>
             <a:fld id="{66665395-52C5-5E4B-BB20-CD4E0BBC9899}" type="datetimeFigureOut">
               <a:rPr lang="en-GB" smtClean="0"/>
-              <a:t>17/09/2018</a:t>
+              <a:t>18/09/2018</a:t>
             </a:fld>
             <a:endParaRPr lang="en-GB"/>
           </a:p>
@@ -6942,7 +6942,7 @@
           <a:p>
             <a:fld id="{66665395-52C5-5E4B-BB20-CD4E0BBC9899}" type="datetimeFigureOut">
               <a:rPr lang="en-GB" smtClean="0"/>
-              <a:t>17/09/2018</a:t>
+              <a:t>18/09/2018</a:t>
             </a:fld>
             <a:endParaRPr lang="en-GB"/>
           </a:p>
@@ -7185,7 +7185,7 @@
           <a:p>
             <a:fld id="{66665395-52C5-5E4B-BB20-CD4E0BBC9899}" type="datetimeFigureOut">
               <a:rPr lang="en-GB" smtClean="0"/>
-              <a:t>17/09/2018</a:t>
+              <a:t>18/09/2018</a:t>
             </a:fld>
             <a:endParaRPr lang="en-GB"/>
           </a:p>
@@ -8673,7 +8673,7 @@
         </p:nvCxnSpPr>
         <p:spPr>
           <a:xfrm>
-            <a:off x="1175654" y="3853594"/>
+            <a:off x="1175654" y="3826604"/>
             <a:ext cx="4854650" cy="0"/>
           </a:xfrm>
           <a:prstGeom prst="line">
@@ -8711,7 +8711,7 @@
         </p:nvCxnSpPr>
         <p:spPr>
           <a:xfrm>
-            <a:off x="6030304" y="3857757"/>
+            <a:off x="6030304" y="3826604"/>
             <a:ext cx="4854650" cy="0"/>
           </a:xfrm>
           <a:prstGeom prst="line">
@@ -9383,7 +9383,7 @@
         </p:blipFill>
         <p:spPr>
           <a:xfrm>
-            <a:off x="5775364" y="3898667"/>
+            <a:off x="5775364" y="3491341"/>
             <a:ext cx="5963159" cy="2481231"/>
           </a:xfrm>
           <a:prstGeom prst="rect">
@@ -9465,6 +9465,54 @@
           </a:fontRef>
         </p:style>
       </p:cxnSp>
+      <p:sp>
+        <p:nvSpPr>
+          <p:cNvPr id="4" name="TextBox 3">
+            <a:extLst>
+              <a:ext uri="{FF2B5EF4-FFF2-40B4-BE49-F238E27FC236}">
+                <a16:creationId xmlns:a16="http://schemas.microsoft.com/office/drawing/2014/main" id="{DE219C4B-716A-E34C-BD60-349CC37F942C}"/>
+              </a:ext>
+            </a:extLst>
+          </p:cNvPr>
+          <p:cNvSpPr txBox="1"/>
+          <p:nvPr/>
+        </p:nvSpPr>
+        <p:spPr>
+          <a:xfrm>
+            <a:off x="6570920" y="6278598"/>
+            <a:ext cx="3908762" cy="461665"/>
+          </a:xfrm>
+          <a:prstGeom prst="rect">
+            <a:avLst/>
+          </a:prstGeom>
+          <a:noFill/>
+        </p:spPr>
+        <p:txBody>
+          <a:bodyPr wrap="none" rtlCol="0">
+            <a:spAutoFit/>
+          </a:bodyPr>
+          <a:lstStyle/>
+          <a:p>
+            <a:r>
+              <a:rPr lang="da-DK" sz="2400" b="1" dirty="0" err="1"/>
+              <a:t>https</a:t>
+            </a:r>
+            <a:r>
+              <a:rPr lang="da-DK" sz="2400" b="1" dirty="0"/>
+              <a:t>://</a:t>
+            </a:r>
+            <a:r>
+              <a:rPr lang="da-DK" sz="2400" b="1" dirty="0" err="1"/>
+              <a:t>tinyurl.com</a:t>
+            </a:r>
+            <a:r>
+              <a:rPr lang="da-DK" sz="2400" b="1" dirty="0"/>
+              <a:t>/yc3or9fh</a:t>
+            </a:r>
+            <a:endParaRPr lang="en-GB" sz="3200" dirty="0"/>
+          </a:p>
+        </p:txBody>
+      </p:sp>
     </p:spTree>
     <p:extLst>
       <p:ext uri="{BB962C8B-B14F-4D97-AF65-F5344CB8AC3E}">
@@ -9475,6 +9523,84 @@
   <p:clrMapOvr>
     <a:masterClrMapping/>
   </p:clrMapOvr>
+  <p:timing>
+    <p:tnLst>
+      <p:par>
+        <p:cTn id="1" dur="indefinite" restart="never" nodeType="tmRoot">
+          <p:childTnLst>
+            <p:seq concurrent="1" nextAc="seek">
+              <p:cTn id="2" dur="indefinite" nodeType="mainSeq">
+                <p:childTnLst>
+                  <p:par>
+                    <p:cTn id="3" fill="hold">
+                      <p:stCondLst>
+                        <p:cond delay="indefinite"/>
+                      </p:stCondLst>
+                      <p:childTnLst>
+                        <p:par>
+                          <p:cTn id="4" fill="hold">
+                            <p:stCondLst>
+                              <p:cond delay="0"/>
+                            </p:stCondLst>
+                            <p:childTnLst>
+                              <p:par>
+                                <p:cTn id="5" presetID="1" presetClass="entr" presetSubtype="0" fill="hold" grpId="0" nodeType="clickEffect">
+                                  <p:stCondLst>
+                                    <p:cond delay="0"/>
+                                  </p:stCondLst>
+                                  <p:childTnLst>
+                                    <p:set>
+                                      <p:cBhvr>
+                                        <p:cTn id="6" dur="1" fill="hold">
+                                          <p:stCondLst>
+                                            <p:cond delay="0"/>
+                                          </p:stCondLst>
+                                        </p:cTn>
+                                        <p:tgtEl>
+                                          <p:spTgt spid="4"/>
+                                        </p:tgtEl>
+                                        <p:attrNameLst>
+                                          <p:attrName>style.visibility</p:attrName>
+                                        </p:attrNameLst>
+                                      </p:cBhvr>
+                                      <p:to>
+                                        <p:strVal val="visible"/>
+                                      </p:to>
+                                    </p:set>
+                                  </p:childTnLst>
+                                </p:cTn>
+                              </p:par>
+                            </p:childTnLst>
+                          </p:cTn>
+                        </p:par>
+                      </p:childTnLst>
+                    </p:cTn>
+                  </p:par>
+                </p:childTnLst>
+              </p:cTn>
+              <p:prevCondLst>
+                <p:cond evt="onPrev" delay="0">
+                  <p:tgtEl>
+                    <p:sldTgt/>
+                  </p:tgtEl>
+                </p:cond>
+              </p:prevCondLst>
+              <p:nextCondLst>
+                <p:cond evt="onNext" delay="0">
+                  <p:tgtEl>
+                    <p:sldTgt/>
+                  </p:tgtEl>
+                </p:cond>
+              </p:nextCondLst>
+            </p:seq>
+          </p:childTnLst>
+        </p:cTn>
+      </p:par>
+    </p:tnLst>
+    <p:bldLst>
+      <p:bldP spid="4" grpId="0"/>
+    </p:bldLst>
+  </p:timing>
 </p:sld>
 </file>
 
@@ -10519,8 +10645,8 @@
         </p:nvSpPr>
         <p:spPr>
           <a:xfrm>
-            <a:off x="1447189" y="2054629"/>
-            <a:ext cx="3929153" cy="2019829"/>
+            <a:off x="1390651" y="2054629"/>
+            <a:ext cx="4381500" cy="2650721"/>
           </a:xfrm>
           <a:prstGeom prst="rect">
             <a:avLst/>
@@ -10528,7 +10654,7 @@
         </p:spPr>
         <p:txBody>
           <a:bodyPr vert="horz" lIns="91440" tIns="45720" rIns="91440" bIns="45720" rtlCol="0">
-            <a:normAutofit/>
+            <a:noAutofit/>
           </a:bodyPr>
           <a:lstStyle>
             <a:lvl1pPr marL="228600" indent="-228600" algn="l" defTabSz="914400" rtl="0" eaLnBrk="1" latinLnBrk="0" hangingPunct="1">
@@ -10702,7 +10828,7 @@
               <a:buNone/>
             </a:pPr>
             <a:r>
-              <a:rPr lang="en-GB" sz="1400" dirty="0">
+              <a:rPr lang="en-GB" sz="1600" dirty="0">
                 <a:latin typeface="DejaVu Sans Book" panose="020B0603030804020204" pitchFamily="34" charset="0"/>
                 <a:ea typeface="DejaVu Sans Book" panose="020B0603030804020204" pitchFamily="34" charset="0"/>
                 <a:cs typeface="DejaVu Sans Book" panose="020B0603030804020204" pitchFamily="34" charset="0"/>
@@ -10718,7 +10844,7 @@
               <a:buNone/>
             </a:pPr>
             <a:r>
-              <a:rPr lang="en-GB" sz="1400" dirty="0">
+              <a:rPr lang="en-GB" sz="1600" dirty="0">
                 <a:latin typeface="DejaVu Sans Book" panose="020B0603030804020204" pitchFamily="34" charset="0"/>
                 <a:ea typeface="DejaVu Sans Book" panose="020B0603030804020204" pitchFamily="34" charset="0"/>
                 <a:cs typeface="DejaVu Sans Book" panose="020B0603030804020204" pitchFamily="34" charset="0"/>
@@ -10733,7 +10859,7 @@
               </a:lnSpc>
               <a:buNone/>
             </a:pPr>
-            <a:endParaRPr lang="en-GB" sz="1400" dirty="0">
+            <a:endParaRPr lang="en-GB" sz="1600" dirty="0">
               <a:latin typeface="DejaVu Sans Book" panose="020B0603030804020204" pitchFamily="34" charset="0"/>
               <a:ea typeface="DejaVu Sans Book" panose="020B0603030804020204" pitchFamily="34" charset="0"/>
               <a:cs typeface="DejaVu Sans Book" panose="020B0603030804020204" pitchFamily="34" charset="0"/>
@@ -10747,7 +10873,7 @@
               <a:buNone/>
             </a:pPr>
             <a:r>
-              <a:rPr lang="en-GB" sz="1400" dirty="0">
+              <a:rPr lang="en-GB" sz="1600" dirty="0">
                 <a:latin typeface="DejaVu Sans Book" panose="020B0603030804020204" pitchFamily="34" charset="0"/>
                 <a:ea typeface="DejaVu Sans Book" panose="020B0603030804020204" pitchFamily="34" charset="0"/>
                 <a:cs typeface="DejaVu Sans Book" panose="020B0603030804020204" pitchFamily="34" charset="0"/>
@@ -10755,7 +10881,7 @@
               <a:t>let </a:t>
             </a:r>
             <a:r>
-              <a:rPr lang="en-GB" sz="1400" dirty="0" err="1">
+              <a:rPr lang="en-GB" sz="1600" dirty="0" err="1">
                 <a:latin typeface="DejaVu Sans Book" panose="020B0603030804020204" pitchFamily="34" charset="0"/>
                 <a:ea typeface="DejaVu Sans Book" panose="020B0603030804020204" pitchFamily="34" charset="0"/>
                 <a:cs typeface="DejaVu Sans Book" panose="020B0603030804020204" pitchFamily="34" charset="0"/>
@@ -10763,7 +10889,7 @@
               <a:t>str</a:t>
             </a:r>
             <a:r>
-              <a:rPr lang="en-GB" sz="1400" dirty="0">
+              <a:rPr lang="en-GB" sz="1600" dirty="0">
                 <a:latin typeface="DejaVu Sans Book" panose="020B0603030804020204" pitchFamily="34" charset="0"/>
                 <a:ea typeface="DejaVu Sans Book" panose="020B0603030804020204" pitchFamily="34" charset="0"/>
                 <a:cs typeface="DejaVu Sans Book" panose="020B0603030804020204" pitchFamily="34" charset="0"/>
@@ -10779,7 +10905,7 @@
               <a:buNone/>
             </a:pPr>
             <a:r>
-              <a:rPr lang="en-GB" sz="1400" dirty="0">
+              <a:rPr lang="en-GB" sz="1600" dirty="0">
                 <a:latin typeface="DejaVu Sans Book" panose="020B0603030804020204" pitchFamily="34" charset="0"/>
                 <a:ea typeface="DejaVu Sans Book" panose="020B0603030804020204" pitchFamily="34" charset="0"/>
                 <a:cs typeface="DejaVu Sans Book" panose="020B0603030804020204" pitchFamily="34" charset="0"/>
@@ -10787,7 +10913,7 @@
               <a:t>do </a:t>
             </a:r>
             <a:r>
-              <a:rPr lang="en-GB" sz="1400" dirty="0" err="1">
+              <a:rPr lang="en-GB" sz="1600" dirty="0" err="1">
                 <a:latin typeface="DejaVu Sans Book" panose="020B0603030804020204" pitchFamily="34" charset="0"/>
                 <a:ea typeface="DejaVu Sans Book" panose="020B0603030804020204" pitchFamily="34" charset="0"/>
                 <a:cs typeface="DejaVu Sans Book" panose="020B0603030804020204" pitchFamily="34" charset="0"/>
@@ -10795,7 +10921,7 @@
               <a:t>printfn</a:t>
             </a:r>
             <a:r>
-              <a:rPr lang="en-GB" sz="1400" dirty="0">
+              <a:rPr lang="en-GB" sz="1600" dirty="0">
                 <a:latin typeface="DejaVu Sans Book" panose="020B0603030804020204" pitchFamily="34" charset="0"/>
                 <a:ea typeface="DejaVu Sans Book" panose="020B0603030804020204" pitchFamily="34" charset="0"/>
                 <a:cs typeface="DejaVu Sans Book" panose="020B0603030804020204" pitchFamily="34" charset="0"/>
@@ -10803,14 +10929,14 @@
               <a:t> "%s" </a:t>
             </a:r>
             <a:r>
-              <a:rPr lang="en-GB" sz="1400" dirty="0" err="1">
+              <a:rPr lang="en-GB" sz="1600" dirty="0" err="1">
                 <a:latin typeface="DejaVu Sans Book" panose="020B0603030804020204" pitchFamily="34" charset="0"/>
                 <a:ea typeface="DejaVu Sans Book" panose="020B0603030804020204" pitchFamily="34" charset="0"/>
                 <a:cs typeface="DejaVu Sans Book" panose="020B0603030804020204" pitchFamily="34" charset="0"/>
               </a:rPr>
               <a:t>str</a:t>
             </a:r>
-            <a:endParaRPr lang="en-GB" sz="1400" dirty="0">
+            <a:endParaRPr lang="en-GB" sz="1600" dirty="0">
               <a:latin typeface="DejaVu Sans Book" panose="020B0603030804020204" pitchFamily="34" charset="0"/>
               <a:ea typeface="DejaVu Sans Book" panose="020B0603030804020204" pitchFamily="34" charset="0"/>
               <a:cs typeface="DejaVu Sans Book" panose="020B0603030804020204" pitchFamily="34" charset="0"/>
@@ -10824,7 +10950,7 @@
               <a:buNone/>
             </a:pPr>
             <a:r>
-              <a:rPr lang="en-GB" sz="1400" dirty="0">
+              <a:rPr lang="en-GB" sz="1600" dirty="0">
                 <a:latin typeface="DejaVu Sans Book" panose="020B0603030804020204" pitchFamily="34" charset="0"/>
                 <a:ea typeface="DejaVu Sans Book" panose="020B0603030804020204" pitchFamily="34" charset="0"/>
                 <a:cs typeface="DejaVu Sans Book" panose="020B0603030804020204" pitchFamily="34" charset="0"/>
@@ -10832,7 +10958,7 @@
               <a:t>do </a:t>
             </a:r>
             <a:r>
-              <a:rPr lang="en-GB" sz="1400" dirty="0" err="1">
+              <a:rPr lang="en-GB" sz="1600" dirty="0" err="1">
                 <a:latin typeface="DejaVu Sans Book" panose="020B0603030804020204" pitchFamily="34" charset="0"/>
                 <a:ea typeface="DejaVu Sans Book" panose="020B0603030804020204" pitchFamily="34" charset="0"/>
                 <a:cs typeface="DejaVu Sans Book" panose="020B0603030804020204" pitchFamily="34" charset="0"/>
@@ -10840,7 +10966,7 @@
               <a:t>printfn</a:t>
             </a:r>
             <a:r>
-              <a:rPr lang="en-GB" sz="1400" dirty="0">
+              <a:rPr lang="en-GB" sz="1600" dirty="0">
                 <a:latin typeface="DejaVu Sans Book" panose="020B0603030804020204" pitchFamily="34" charset="0"/>
                 <a:ea typeface="DejaVu Sans Book" panose="020B0603030804020204" pitchFamily="34" charset="0"/>
                 <a:cs typeface="DejaVu Sans Book" panose="020B0603030804020204" pitchFamily="34" charset="0"/>
@@ -10934,8 +11060,8 @@
         </p:nvSpPr>
         <p:spPr>
           <a:xfrm>
-            <a:off x="6458193" y="2054637"/>
-            <a:ext cx="3929154" cy="2019829"/>
+            <a:off x="6458192" y="2054637"/>
+            <a:ext cx="4076457" cy="2650713"/>
           </a:xfrm>
           <a:prstGeom prst="rect">
             <a:avLst/>
@@ -10943,7 +11069,7 @@
         </p:spPr>
         <p:txBody>
           <a:bodyPr vert="horz" lIns="91440" tIns="45720" rIns="91440" bIns="45720" rtlCol="0">
-            <a:normAutofit/>
+            <a:noAutofit/>
           </a:bodyPr>
           <a:lstStyle>
             <a:lvl1pPr marL="228600" indent="-228600" algn="l" defTabSz="914400" rtl="0" eaLnBrk="1" latinLnBrk="0" hangingPunct="1">
@@ -11117,7 +11243,7 @@
               <a:buNone/>
             </a:pPr>
             <a:r>
-              <a:rPr lang="en-GB" sz="1400" dirty="0">
+              <a:rPr lang="en-GB" sz="1600" dirty="0">
                 <a:latin typeface="DejaVu Sans Book" panose="020B0603030804020204" pitchFamily="34" charset="0"/>
                 <a:ea typeface="DejaVu Sans Book" panose="020B0603030804020204" pitchFamily="34" charset="0"/>
                 <a:cs typeface="DejaVu Sans Book" panose="020B0603030804020204" pitchFamily="34" charset="0"/>
@@ -11133,7 +11259,7 @@
               <a:buNone/>
             </a:pPr>
             <a:r>
-              <a:rPr lang="en-GB" sz="1400" dirty="0">
+              <a:rPr lang="en-GB" sz="1600" dirty="0">
                 <a:latin typeface="DejaVu Sans Book" panose="020B0603030804020204" pitchFamily="34" charset="0"/>
                 <a:ea typeface="DejaVu Sans Book" panose="020B0603030804020204" pitchFamily="34" charset="0"/>
                 <a:cs typeface="DejaVu Sans Book" panose="020B0603030804020204" pitchFamily="34" charset="0"/>
@@ -11148,7 +11274,7 @@
               </a:lnSpc>
               <a:buNone/>
             </a:pPr>
-            <a:endParaRPr lang="en-GB" sz="1400" dirty="0">
+            <a:endParaRPr lang="en-GB" sz="1600" dirty="0">
               <a:latin typeface="DejaVu Sans Book" panose="020B0603030804020204" pitchFamily="34" charset="0"/>
               <a:ea typeface="DejaVu Sans Book" panose="020B0603030804020204" pitchFamily="34" charset="0"/>
               <a:cs typeface="DejaVu Sans Book" panose="020B0603030804020204" pitchFamily="34" charset="0"/>
@@ -11162,7 +11288,7 @@
               <a:buNone/>
             </a:pPr>
             <a:r>
-              <a:rPr lang="en-GB" sz="1400" dirty="0">
+              <a:rPr lang="en-GB" sz="1600" dirty="0">
                 <a:latin typeface="DejaVu Sans Book" panose="020B0603030804020204" pitchFamily="34" charset="0"/>
                 <a:ea typeface="DejaVu Sans Book" panose="020B0603030804020204" pitchFamily="34" charset="0"/>
                 <a:cs typeface="DejaVu Sans Book" panose="020B0603030804020204" pitchFamily="34" charset="0"/>
@@ -11170,7 +11296,7 @@
               <a:t>let </a:t>
             </a:r>
             <a:r>
-              <a:rPr lang="en-GB" sz="1400" dirty="0" err="1">
+              <a:rPr lang="en-GB" sz="1600" dirty="0" err="1">
                 <a:latin typeface="DejaVu Sans Book" panose="020B0603030804020204" pitchFamily="34" charset="0"/>
                 <a:ea typeface="DejaVu Sans Book" panose="020B0603030804020204" pitchFamily="34" charset="0"/>
                 <a:cs typeface="DejaVu Sans Book" panose="020B0603030804020204" pitchFamily="34" charset="0"/>
@@ -11178,7 +11304,7 @@
               <a:t>str</a:t>
             </a:r>
             <a:r>
-              <a:rPr lang="en-GB" sz="1400" dirty="0">
+              <a:rPr lang="en-GB" sz="1600" dirty="0">
                 <a:latin typeface="DejaVu Sans Book" panose="020B0603030804020204" pitchFamily="34" charset="0"/>
                 <a:ea typeface="DejaVu Sans Book" panose="020B0603030804020204" pitchFamily="34" charset="0"/>
                 <a:cs typeface="DejaVu Sans Book" panose="020B0603030804020204" pitchFamily="34" charset="0"/>
@@ -11194,7 +11320,7 @@
               <a:buNone/>
             </a:pPr>
             <a:r>
-              <a:rPr lang="en-GB" sz="1400" dirty="0">
+              <a:rPr lang="en-GB" sz="1600" dirty="0">
                 <a:latin typeface="DejaVu Sans Book" panose="020B0603030804020204" pitchFamily="34" charset="0"/>
                 <a:ea typeface="DejaVu Sans Book" panose="020B0603030804020204" pitchFamily="34" charset="0"/>
                 <a:cs typeface="DejaVu Sans Book" panose="020B0603030804020204" pitchFamily="34" charset="0"/>
@@ -11202,7 +11328,7 @@
               <a:t>do </a:t>
             </a:r>
             <a:r>
-              <a:rPr lang="en-GB" sz="1400" dirty="0" err="1">
+              <a:rPr lang="en-GB" sz="1600" dirty="0" err="1">
                 <a:latin typeface="DejaVu Sans Book" panose="020B0603030804020204" pitchFamily="34" charset="0"/>
                 <a:ea typeface="DejaVu Sans Book" panose="020B0603030804020204" pitchFamily="34" charset="0"/>
                 <a:cs typeface="DejaVu Sans Book" panose="020B0603030804020204" pitchFamily="34" charset="0"/>
@@ -11210,7 +11336,7 @@
               <a:t>printfn</a:t>
             </a:r>
             <a:r>
-              <a:rPr lang="en-GB" sz="1400" dirty="0">
+              <a:rPr lang="en-GB" sz="1600" dirty="0">
                 <a:latin typeface="DejaVu Sans Book" panose="020B0603030804020204" pitchFamily="34" charset="0"/>
                 <a:ea typeface="DejaVu Sans Book" panose="020B0603030804020204" pitchFamily="34" charset="0"/>
                 <a:cs typeface="DejaVu Sans Book" panose="020B0603030804020204" pitchFamily="34" charset="0"/>
@@ -11218,14 +11344,14 @@
               <a:t> "%s" </a:t>
             </a:r>
             <a:r>
-              <a:rPr lang="en-GB" sz="1400" dirty="0" err="1">
+              <a:rPr lang="en-GB" sz="1600" dirty="0" err="1">
                 <a:latin typeface="DejaVu Sans Book" panose="020B0603030804020204" pitchFamily="34" charset="0"/>
                 <a:ea typeface="DejaVu Sans Book" panose="020B0603030804020204" pitchFamily="34" charset="0"/>
                 <a:cs typeface="DejaVu Sans Book" panose="020B0603030804020204" pitchFamily="34" charset="0"/>
               </a:rPr>
               <a:t>str</a:t>
             </a:r>
-            <a:endParaRPr lang="en-GB" sz="1400" dirty="0">
+            <a:endParaRPr lang="en-GB" sz="1600" dirty="0">
               <a:latin typeface="DejaVu Sans Book" panose="020B0603030804020204" pitchFamily="34" charset="0"/>
               <a:ea typeface="DejaVu Sans Book" panose="020B0603030804020204" pitchFamily="34" charset="0"/>
               <a:cs typeface="DejaVu Sans Book" panose="020B0603030804020204" pitchFamily="34" charset="0"/>
@@ -11239,7 +11365,7 @@
               <a:buNone/>
             </a:pPr>
             <a:r>
-              <a:rPr lang="en-GB" sz="1400" dirty="0">
+              <a:rPr lang="en-GB" sz="1600" dirty="0">
                 <a:latin typeface="DejaVu Sans Book" panose="020B0603030804020204" pitchFamily="34" charset="0"/>
                 <a:ea typeface="DejaVu Sans Book" panose="020B0603030804020204" pitchFamily="34" charset="0"/>
                 <a:cs typeface="DejaVu Sans Book" panose="020B0603030804020204" pitchFamily="34" charset="0"/>
@@ -11247,7 +11373,7 @@
               <a:t>do </a:t>
             </a:r>
             <a:r>
-              <a:rPr lang="en-GB" sz="1400" dirty="0" err="1">
+              <a:rPr lang="en-GB" sz="1600" dirty="0" err="1">
                 <a:latin typeface="DejaVu Sans Book" panose="020B0603030804020204" pitchFamily="34" charset="0"/>
                 <a:ea typeface="DejaVu Sans Book" panose="020B0603030804020204" pitchFamily="34" charset="0"/>
                 <a:cs typeface="DejaVu Sans Book" panose="020B0603030804020204" pitchFamily="34" charset="0"/>
@@ -11255,7 +11381,7 @@
               <a:t>printfn</a:t>
             </a:r>
             <a:r>
-              <a:rPr lang="en-GB" sz="1400" dirty="0">
+              <a:rPr lang="en-GB" sz="1600" dirty="0">
                 <a:latin typeface="DejaVu Sans Book" panose="020B0603030804020204" pitchFamily="34" charset="0"/>
                 <a:ea typeface="DejaVu Sans Book" panose="020B0603030804020204" pitchFamily="34" charset="0"/>
                 <a:cs typeface="DejaVu Sans Book" panose="020B0603030804020204" pitchFamily="34" charset="0"/>
@@ -11281,7 +11407,7 @@
         </p:nvCxnSpPr>
         <p:spPr>
           <a:xfrm>
-            <a:off x="5634318" y="1987398"/>
+            <a:off x="6053418" y="2054629"/>
             <a:ext cx="0" cy="2436689"/>
           </a:xfrm>
           <a:prstGeom prst="line">
@@ -11313,6 +11439,111 @@
   <p:clrMapOvr>
     <a:masterClrMapping/>
   </p:clrMapOvr>
+  <p:timing>
+    <p:tnLst>
+      <p:par>
+        <p:cTn id="1" dur="indefinite" restart="never" nodeType="tmRoot">
+          <p:childTnLst>
+            <p:seq concurrent="1" nextAc="seek">
+              <p:cTn id="2" dur="indefinite" nodeType="mainSeq">
+                <p:childTnLst>
+                  <p:par>
+                    <p:cTn id="3" fill="hold">
+                      <p:stCondLst>
+                        <p:cond delay="indefinite"/>
+                      </p:stCondLst>
+                      <p:childTnLst>
+                        <p:par>
+                          <p:cTn id="4" fill="hold">
+                            <p:stCondLst>
+                              <p:cond delay="0"/>
+                            </p:stCondLst>
+                            <p:childTnLst>
+                              <p:par>
+                                <p:cTn id="5" presetID="1" presetClass="entr" presetSubtype="0" fill="hold" nodeType="clickEffect">
+                                  <p:stCondLst>
+                                    <p:cond delay="0"/>
+                                  </p:stCondLst>
+                                  <p:childTnLst>
+                                    <p:set>
+                                      <p:cBhvr>
+                                        <p:cTn id="6" dur="1" fill="hold">
+                                          <p:stCondLst>
+                                            <p:cond delay="0"/>
+                                          </p:stCondLst>
+                                        </p:cTn>
+                                        <p:tgtEl>
+                                          <p:spTgt spid="7"/>
+                                        </p:tgtEl>
+                                        <p:attrNameLst>
+                                          <p:attrName>style.visibility</p:attrName>
+                                        </p:attrNameLst>
+                                      </p:cBhvr>
+                                      <p:to>
+                                        <p:strVal val="visible"/>
+                                      </p:to>
+                                    </p:set>
+                                  </p:childTnLst>
+                                </p:cTn>
+                              </p:par>
+                              <p:par>
+                                <p:cTn id="7" presetID="1" presetClass="entr" presetSubtype="0" fill="hold" grpId="0" nodeType="withEffect">
+                                  <p:stCondLst>
+                                    <p:cond delay="0"/>
+                                  </p:stCondLst>
+                                  <p:childTnLst>
+                                    <p:set>
+                                      <p:cBhvr>
+                                        <p:cTn id="8" dur="1" fill="hold">
+                                          <p:stCondLst>
+                                            <p:cond delay="0"/>
+                                          </p:stCondLst>
+                                        </p:cTn>
+                                        <p:tgtEl>
+                                          <p:spTgt spid="6"/>
+                                        </p:tgtEl>
+                                        <p:attrNameLst>
+                                          <p:attrName>style.visibility</p:attrName>
+                                        </p:attrNameLst>
+                                      </p:cBhvr>
+                                      <p:to>
+                                        <p:strVal val="visible"/>
+                                      </p:to>
+                                    </p:set>
+                                  </p:childTnLst>
+                                </p:cTn>
+                              </p:par>
+                            </p:childTnLst>
+                          </p:cTn>
+                        </p:par>
+                      </p:childTnLst>
+                    </p:cTn>
+                  </p:par>
+                </p:childTnLst>
+              </p:cTn>
+              <p:prevCondLst>
+                <p:cond evt="onPrev" delay="0">
+                  <p:tgtEl>
+                    <p:sldTgt/>
+                  </p:tgtEl>
+                </p:cond>
+              </p:prevCondLst>
+              <p:nextCondLst>
+                <p:cond evt="onNext" delay="0">
+                  <p:tgtEl>
+                    <p:sldTgt/>
+                  </p:tgtEl>
+                </p:cond>
+              </p:nextCondLst>
+            </p:seq>
+          </p:childTnLst>
+        </p:cTn>
+      </p:par>
+    </p:tnLst>
+    <p:bldLst>
+      <p:bldP spid="6" grpId="0"/>
+    </p:bldLst>
+  </p:timing>
 </p:sld>
 </file>
 
@@ -11389,8 +11620,8 @@
           </a:p>
         </p:txBody>
       </p:sp>
-      <mc:AlternateContent xmlns:mc="http://schemas.openxmlformats.org/markup-compatibility/2006">
-        <mc:Choice xmlns:a14="http://schemas.microsoft.com/office/drawing/2010/main" Requires="a14">
+      <mc:AlternateContent xmlns:mc="http://schemas.openxmlformats.org/markup-compatibility/2006" xmlns:a14="http://schemas.microsoft.com/office/drawing/2010/main">
+        <mc:Choice Requires="a14">
           <p:sp>
             <p:nvSpPr>
               <p:cNvPr id="3" name="Content Placeholder 2">
@@ -11639,7 +11870,7 @@
             </p:txBody>
           </p:sp>
         </mc:Choice>
-        <mc:Fallback>
+        <mc:Fallback xmlns="">
           <p:sp>
             <p:nvSpPr>
               <p:cNvPr id="3" name="Content Placeholder 2">

--- a/lectures/3.2FunctionsNPrintf/lecture.pptx
+++ b/lectures/3.2FunctionsNPrintf/lecture.pptx
@@ -4099,7 +4099,7 @@
           <a:p>
             <a:fld id="{248031C6-E4B0-0444-A4A8-9CCE96EC2C9C}" type="datetimeFigureOut">
               <a:rPr lang="en-GB" smtClean="0"/>
-              <a:t>18/09/2018</a:t>
+              <a:t>21/09/2018</a:t>
             </a:fld>
             <a:endParaRPr lang="en-GB"/>
           </a:p>
@@ -4516,7 +4516,7 @@
           <a:p>
             <a:fld id="{66665395-52C5-5E4B-BB20-CD4E0BBC9899}" type="datetimeFigureOut">
               <a:rPr lang="en-GB" smtClean="0"/>
-              <a:t>18/09/2018</a:t>
+              <a:t>21/09/2018</a:t>
             </a:fld>
             <a:endParaRPr lang="en-GB"/>
           </a:p>
@@ -4716,7 +4716,7 @@
           <a:p>
             <a:fld id="{66665395-52C5-5E4B-BB20-CD4E0BBC9899}" type="datetimeFigureOut">
               <a:rPr lang="en-GB" smtClean="0"/>
-              <a:t>18/09/2018</a:t>
+              <a:t>21/09/2018</a:t>
             </a:fld>
             <a:endParaRPr lang="en-GB"/>
           </a:p>
@@ -4926,7 +4926,7 @@
           <a:p>
             <a:fld id="{66665395-52C5-5E4B-BB20-CD4E0BBC9899}" type="datetimeFigureOut">
               <a:rPr lang="en-GB" smtClean="0"/>
-              <a:t>18/09/2018</a:t>
+              <a:t>21/09/2018</a:t>
             </a:fld>
             <a:endParaRPr lang="en-GB"/>
           </a:p>
@@ -5126,7 +5126,7 @@
           <a:p>
             <a:fld id="{66665395-52C5-5E4B-BB20-CD4E0BBC9899}" type="datetimeFigureOut">
               <a:rPr lang="en-GB" smtClean="0"/>
-              <a:t>18/09/2018</a:t>
+              <a:t>21/09/2018</a:t>
             </a:fld>
             <a:endParaRPr lang="en-GB"/>
           </a:p>
@@ -5402,7 +5402,7 @@
           <a:p>
             <a:fld id="{66665395-52C5-5E4B-BB20-CD4E0BBC9899}" type="datetimeFigureOut">
               <a:rPr lang="en-GB" smtClean="0"/>
-              <a:t>18/09/2018</a:t>
+              <a:t>21/09/2018</a:t>
             </a:fld>
             <a:endParaRPr lang="en-GB"/>
           </a:p>
@@ -5670,7 +5670,7 @@
           <a:p>
             <a:fld id="{66665395-52C5-5E4B-BB20-CD4E0BBC9899}" type="datetimeFigureOut">
               <a:rPr lang="en-GB" smtClean="0"/>
-              <a:t>18/09/2018</a:t>
+              <a:t>21/09/2018</a:t>
             </a:fld>
             <a:endParaRPr lang="en-GB"/>
           </a:p>
@@ -6085,7 +6085,7 @@
           <a:p>
             <a:fld id="{66665395-52C5-5E4B-BB20-CD4E0BBC9899}" type="datetimeFigureOut">
               <a:rPr lang="en-GB" smtClean="0"/>
-              <a:t>18/09/2018</a:t>
+              <a:t>21/09/2018</a:t>
             </a:fld>
             <a:endParaRPr lang="en-GB"/>
           </a:p>
@@ -6227,7 +6227,7 @@
           <a:p>
             <a:fld id="{66665395-52C5-5E4B-BB20-CD4E0BBC9899}" type="datetimeFigureOut">
               <a:rPr lang="en-GB" smtClean="0"/>
-              <a:t>18/09/2018</a:t>
+              <a:t>21/09/2018</a:t>
             </a:fld>
             <a:endParaRPr lang="en-GB"/>
           </a:p>
@@ -6340,7 +6340,7 @@
           <a:p>
             <a:fld id="{66665395-52C5-5E4B-BB20-CD4E0BBC9899}" type="datetimeFigureOut">
               <a:rPr lang="en-GB" smtClean="0"/>
-              <a:t>18/09/2018</a:t>
+              <a:t>21/09/2018</a:t>
             </a:fld>
             <a:endParaRPr lang="en-GB"/>
           </a:p>
@@ -6653,7 +6653,7 @@
           <a:p>
             <a:fld id="{66665395-52C5-5E4B-BB20-CD4E0BBC9899}" type="datetimeFigureOut">
               <a:rPr lang="en-GB" smtClean="0"/>
-              <a:t>18/09/2018</a:t>
+              <a:t>21/09/2018</a:t>
             </a:fld>
             <a:endParaRPr lang="en-GB"/>
           </a:p>
@@ -6942,7 +6942,7 @@
           <a:p>
             <a:fld id="{66665395-52C5-5E4B-BB20-CD4E0BBC9899}" type="datetimeFigureOut">
               <a:rPr lang="en-GB" smtClean="0"/>
-              <a:t>18/09/2018</a:t>
+              <a:t>21/09/2018</a:t>
             </a:fld>
             <a:endParaRPr lang="en-GB"/>
           </a:p>
@@ -7185,7 +7185,7 @@
           <a:p>
             <a:fld id="{66665395-52C5-5E4B-BB20-CD4E0BBC9899}" type="datetimeFigureOut">
               <a:rPr lang="en-GB" smtClean="0"/>
-              <a:t>18/09/2018</a:t>
+              <a:t>21/09/2018</a:t>
             </a:fld>
             <a:endParaRPr lang="en-GB"/>
           </a:p>
@@ -7652,8 +7652,12 @@
           <a:lstStyle/>
           <a:p>
             <a:r>
+              <a:rPr lang="da-DK"/>
+              <a:t>3.2: </a:t>
+            </a:r>
+            <a:r>
               <a:rPr lang="da-DK" dirty="0"/>
-              <a:t>3.1: Funktioner, dokumentation </a:t>
+              <a:t>Funktioner, dokumentation </a:t>
             </a:r>
             <a:r>
               <a:rPr lang="da-DK"/>

--- a/lectures/3.2FunctionsNPrintf/lecture.pptx
+++ b/lectures/3.2FunctionsNPrintf/lecture.pptx
@@ -5,26 +5,23 @@
     <p:sldMasterId id="2147483648" r:id="rId1"/>
   </p:sldMasterIdLst>
   <p:notesMasterIdLst>
-    <p:notesMasterId r:id="rId19"/>
+    <p:notesMasterId r:id="rId16"/>
   </p:notesMasterIdLst>
   <p:sldIdLst>
     <p:sldId id="256" r:id="rId2"/>
-    <p:sldId id="292" r:id="rId3"/>
-    <p:sldId id="314" r:id="rId4"/>
+    <p:sldId id="314" r:id="rId3"/>
+    <p:sldId id="292" r:id="rId4"/>
     <p:sldId id="294" r:id="rId5"/>
     <p:sldId id="297" r:id="rId6"/>
     <p:sldId id="299" r:id="rId7"/>
     <p:sldId id="300" r:id="rId8"/>
     <p:sldId id="298" r:id="rId9"/>
-    <p:sldId id="301" r:id="rId10"/>
+    <p:sldId id="306" r:id="rId10"/>
     <p:sldId id="302" r:id="rId11"/>
-    <p:sldId id="303" r:id="rId12"/>
-    <p:sldId id="313" r:id="rId13"/>
-    <p:sldId id="304" r:id="rId14"/>
-    <p:sldId id="309" r:id="rId15"/>
-    <p:sldId id="306" r:id="rId16"/>
-    <p:sldId id="307" r:id="rId17"/>
-    <p:sldId id="308" r:id="rId18"/>
+    <p:sldId id="308" r:id="rId12"/>
+    <p:sldId id="304" r:id="rId13"/>
+    <p:sldId id="309" r:id="rId14"/>
+    <p:sldId id="307" r:id="rId15"/>
   </p:sldIdLst>
   <p:sldSz cx="12192000" cy="6858000"/>
   <p:notesSz cx="6858000" cy="9144000"/>
@@ -7490,23 +7487,33 @@
             <p:ph type="subTitle" idx="1"/>
           </p:nvPr>
         </p:nvSpPr>
-        <p:spPr/>
+        <p:spPr>
+          <a:xfrm>
+            <a:off x="1845945" y="3784918"/>
+            <a:ext cx="8500110" cy="1655762"/>
+          </a:xfrm>
+        </p:spPr>
         <p:txBody>
           <a:bodyPr/>
           <a:lstStyle/>
           <a:p>
             <a:r>
               <a:rPr lang="da-DK" dirty="0"/>
-              <a:t>3.2+3: Funktioner, dokumentation, løkker, </a:t>
+              <a:t>3.2+3: Verbose og letvægtssyntaks, funktioner, virkefelter, dokumentation, betingelser, </a:t>
+            </a:r>
+            <a:r>
+              <a:rPr lang="da-DK" dirty="0" err="1"/>
+              <a:t>mutérbare</a:t>
+            </a:r>
+            <a:r>
+              <a:rPr lang="da-DK" dirty="0"/>
+              <a:t> værdier (variable), løkker, </a:t>
             </a:r>
             <a:r>
               <a:rPr lang="da-DK" dirty="0" err="1"/>
               <a:t>tupler</a:t>
             </a:r>
-            <a:r>
-              <a:rPr lang="da-DK" dirty="0"/>
-              <a:t>, betingelser, højere-ordens funktioner</a:t>
-            </a:r>
+            <a:endParaRPr lang="da-DK" dirty="0"/>
           </a:p>
         </p:txBody>
       </p:sp>
@@ -8866,7 +8873,7 @@
           <p:cNvPr id="2" name="Title 1">
             <a:extLst>
               <a:ext uri="{FF2B5EF4-FFF2-40B4-BE49-F238E27FC236}">
-                <a16:creationId xmlns:a16="http://schemas.microsoft.com/office/drawing/2014/main" id="{6B7B5506-8EDB-D847-8FE9-3643EB4D4F62}"/>
+                <a16:creationId xmlns:a16="http://schemas.microsoft.com/office/drawing/2014/main" id="{F85C8F81-E87B-1C49-99CE-586F396DBC90}"/>
               </a:ext>
             </a:extLst>
           </p:cNvPr>
@@ -8877,100 +8884,141 @@
             <p:ph type="title"/>
           </p:nvPr>
         </p:nvSpPr>
-        <p:spPr>
-          <a:xfrm>
-            <a:off x="394855" y="331394"/>
-            <a:ext cx="7019562" cy="905743"/>
-          </a:xfrm>
-        </p:spPr>
+        <p:spPr/>
         <p:txBody>
-          <a:bodyPr>
-            <a:normAutofit/>
-          </a:bodyPr>
+          <a:bodyPr/>
           <a:lstStyle/>
           <a:p>
             <a:r>
               <a:rPr lang="da-DK" dirty="0"/>
-              <a:t>Repetition af Nøglekoncepter</a:t>
+              <a:t>Hvad gør programmet?</a:t>
             </a:r>
           </a:p>
         </p:txBody>
       </p:sp>
       <p:sp>
         <p:nvSpPr>
-          <p:cNvPr id="3" name="Content Placeholder 2">
+          <p:cNvPr id="4" name="Rectangle 3">
             <a:extLst>
               <a:ext uri="{FF2B5EF4-FFF2-40B4-BE49-F238E27FC236}">
-                <a16:creationId xmlns:a16="http://schemas.microsoft.com/office/drawing/2014/main" id="{9C13CA59-EE31-B244-B01E-FDD597FFCEDA}"/>
+                <a16:creationId xmlns:a16="http://schemas.microsoft.com/office/drawing/2014/main" id="{96B8D5B3-4F89-744E-AF3A-A78EFF3F1F0E}"/>
               </a:ext>
             </a:extLst>
           </p:cNvPr>
-          <p:cNvSpPr>
-            <a:spLocks noGrp="1"/>
-          </p:cNvSpPr>
-          <p:nvPr>
-            <p:ph idx="1"/>
-          </p:nvPr>
+          <p:cNvSpPr/>
+          <p:nvPr/>
         </p:nvSpPr>
         <p:spPr>
           <a:xfrm>
-            <a:off x="671098" y="1321054"/>
-            <a:ext cx="5127029" cy="1809582"/>
+            <a:off x="4136136" y="2462844"/>
+            <a:ext cx="1789176" cy="1200329"/>
           </a:xfrm>
+          <a:prstGeom prst="rect">
+            <a:avLst/>
+          </a:prstGeom>
         </p:spPr>
         <p:txBody>
-          <a:bodyPr>
-            <a:normAutofit fontScale="92500" lnSpcReduction="10000"/>
+          <a:bodyPr wrap="square">
+            <a:spAutoFit/>
           </a:bodyPr>
           <a:lstStyle/>
           <a:p>
             <a:r>
-              <a:rPr lang="da-DK" dirty="0"/>
-              <a:t>Præcedens og association</a:t>
-            </a:r>
-          </a:p>
-          <a:p>
-            <a:r>
-              <a:rPr lang="da-DK" dirty="0"/>
-              <a:t>Verbose og letvægtssyntaks</a:t>
-            </a:r>
-          </a:p>
-          <a:p>
-            <a:r>
-              <a:rPr lang="da-DK" dirty="0"/>
-              <a:t>Virkefelter</a:t>
-            </a:r>
-          </a:p>
-          <a:p>
-            <a:r>
-              <a:rPr lang="da-DK" dirty="0"/>
-              <a:t>Nøgleord</a:t>
-            </a:r>
+              <a:rPr lang="en-GB" dirty="0"/>
+              <a:t>let </a:t>
+            </a:r>
+            <a:r>
+              <a:rPr lang="en-GB" dirty="0" err="1"/>
+              <a:t>i</a:t>
+            </a:r>
+            <a:r>
+              <a:rPr lang="en-GB" dirty="0"/>
+              <a:t> = 0</a:t>
+            </a:r>
+          </a:p>
+          <a:p>
+            <a:r>
+              <a:rPr lang="en-GB" dirty="0"/>
+              <a:t>while </a:t>
+            </a:r>
+            <a:r>
+              <a:rPr lang="en-GB" dirty="0" err="1"/>
+              <a:t>i</a:t>
+            </a:r>
+            <a:r>
+              <a:rPr lang="en-GB" dirty="0"/>
+              <a:t> &lt; 3 do</a:t>
+            </a:r>
+          </a:p>
+          <a:p>
+            <a:r>
+              <a:rPr lang="en-GB" dirty="0"/>
+              <a:t>  let </a:t>
+            </a:r>
+            <a:r>
+              <a:rPr lang="en-GB" dirty="0" err="1"/>
+              <a:t>i</a:t>
+            </a:r>
+            <a:r>
+              <a:rPr lang="en-GB" dirty="0"/>
+              <a:t> = </a:t>
+            </a:r>
+            <a:r>
+              <a:rPr lang="en-GB" dirty="0" err="1"/>
+              <a:t>i</a:t>
+            </a:r>
+            <a:r>
+              <a:rPr lang="en-GB" dirty="0"/>
+              <a:t> + 1</a:t>
+            </a:r>
+          </a:p>
+          <a:p>
+            <a:r>
+              <a:rPr lang="en-GB" dirty="0"/>
+              <a:t>  </a:t>
+            </a:r>
+            <a:r>
+              <a:rPr lang="en-GB" dirty="0" err="1"/>
+              <a:t>printfn</a:t>
+            </a:r>
+            <a:r>
+              <a:rPr lang="en-GB" dirty="0"/>
+              <a:t> "%d" </a:t>
+            </a:r>
+            <a:r>
+              <a:rPr lang="en-GB" dirty="0" err="1"/>
+              <a:t>i</a:t>
+            </a:r>
+            <a:endParaRPr lang="en-GB" dirty="0"/>
           </a:p>
         </p:txBody>
       </p:sp>
       <p:cxnSp>
         <p:nvCxnSpPr>
-          <p:cNvPr id="8" name="Straight Connector 7">
+          <p:cNvPr id="7" name="Straight Arrow Connector 6">
             <a:extLst>
               <a:ext uri="{FF2B5EF4-FFF2-40B4-BE49-F238E27FC236}">
-                <a16:creationId xmlns:a16="http://schemas.microsoft.com/office/drawing/2014/main" id="{C2060383-286E-E84D-B7A6-3D64823B2436}"/>
+                <a16:creationId xmlns:a16="http://schemas.microsoft.com/office/drawing/2014/main" id="{34CF4799-0C0B-E441-B12E-CDFC695BD94B}"/>
               </a:ext>
             </a:extLst>
           </p:cNvPr>
           <p:cNvCxnSpPr>
             <a:cxnSpLocks/>
+            <a:stCxn id="11" idx="1"/>
           </p:cNvCxnSpPr>
           <p:nvPr/>
         </p:nvCxnSpPr>
         <p:spPr>
-          <a:xfrm>
-            <a:off x="5465617" y="1154009"/>
-            <a:ext cx="0" cy="2176180"/>
+          <a:xfrm flipH="1">
+            <a:off x="5468112" y="2387906"/>
+            <a:ext cx="1609344" cy="792420"/>
           </a:xfrm>
-          <a:prstGeom prst="line">
+          <a:prstGeom prst="straightConnector1">
             <a:avLst/>
           </a:prstGeom>
+          <a:ln w="38100">
+            <a:tailEnd type="triangle"/>
+          </a:ln>
         </p:spPr>
         <p:style>
           <a:lnRef idx="1">
@@ -8989,448 +9037,10 @@
       </p:cxnSp>
       <p:sp>
         <p:nvSpPr>
-          <p:cNvPr id="9" name="Content Placeholder 2">
+          <p:cNvPr id="11" name="TextBox 10">
             <a:extLst>
               <a:ext uri="{FF2B5EF4-FFF2-40B4-BE49-F238E27FC236}">
-                <a16:creationId xmlns:a16="http://schemas.microsoft.com/office/drawing/2014/main" id="{EDD97D87-9B06-6948-A4E2-4B8370B54A71}"/>
-              </a:ext>
-            </a:extLst>
-          </p:cNvPr>
-          <p:cNvSpPr txBox="1">
-            <a:spLocks/>
-          </p:cNvSpPr>
-          <p:nvPr/>
-        </p:nvSpPr>
-        <p:spPr>
-          <a:xfrm>
-            <a:off x="6130636" y="1158038"/>
-            <a:ext cx="5392770" cy="2192933"/>
-          </a:xfrm>
-          <a:prstGeom prst="rect">
-            <a:avLst/>
-          </a:prstGeom>
-        </p:spPr>
-        <p:txBody>
-          <a:bodyPr vert="horz" lIns="91440" tIns="45720" rIns="91440" bIns="45720" rtlCol="0">
-            <a:normAutofit fontScale="92500" lnSpcReduction="10000"/>
-          </a:bodyPr>
-          <a:lstStyle>
-            <a:lvl1pPr marL="228600" indent="-228600" algn="l" defTabSz="914400" rtl="0" eaLnBrk="1" latinLnBrk="0" hangingPunct="1">
-              <a:lnSpc>
-                <a:spcPct val="90000"/>
-              </a:lnSpc>
-              <a:spcBef>
-                <a:spcPts val="1000"/>
-              </a:spcBef>
-              <a:buFont typeface="Arial" panose="020B0604020202020204" pitchFamily="34" charset="0"/>
-              <a:buChar char="•"/>
-              <a:defRPr sz="2800" kern="1200">
-                <a:solidFill>
-                  <a:schemeClr val="tx1"/>
-                </a:solidFill>
-                <a:latin typeface="+mn-lt"/>
-                <a:ea typeface="+mn-ea"/>
-                <a:cs typeface="+mn-cs"/>
-              </a:defRPr>
-            </a:lvl1pPr>
-            <a:lvl2pPr marL="685800" indent="-228600" algn="l" defTabSz="914400" rtl="0" eaLnBrk="1" latinLnBrk="0" hangingPunct="1">
-              <a:lnSpc>
-                <a:spcPct val="90000"/>
-              </a:lnSpc>
-              <a:spcBef>
-                <a:spcPts val="500"/>
-              </a:spcBef>
-              <a:buFont typeface="Arial" panose="020B0604020202020204" pitchFamily="34" charset="0"/>
-              <a:buChar char="•"/>
-              <a:defRPr sz="2400" kern="1200">
-                <a:solidFill>
-                  <a:schemeClr val="tx1"/>
-                </a:solidFill>
-                <a:latin typeface="+mn-lt"/>
-                <a:ea typeface="+mn-ea"/>
-                <a:cs typeface="+mn-cs"/>
-              </a:defRPr>
-            </a:lvl2pPr>
-            <a:lvl3pPr marL="1143000" indent="-228600" algn="l" defTabSz="914400" rtl="0" eaLnBrk="1" latinLnBrk="0" hangingPunct="1">
-              <a:lnSpc>
-                <a:spcPct val="90000"/>
-              </a:lnSpc>
-              <a:spcBef>
-                <a:spcPts val="500"/>
-              </a:spcBef>
-              <a:buFont typeface="Arial" panose="020B0604020202020204" pitchFamily="34" charset="0"/>
-              <a:buChar char="•"/>
-              <a:defRPr sz="2000" kern="1200">
-                <a:solidFill>
-                  <a:schemeClr val="tx1"/>
-                </a:solidFill>
-                <a:latin typeface="+mn-lt"/>
-                <a:ea typeface="+mn-ea"/>
-                <a:cs typeface="+mn-cs"/>
-              </a:defRPr>
-            </a:lvl3pPr>
-            <a:lvl4pPr marL="1600200" indent="-228600" algn="l" defTabSz="914400" rtl="0" eaLnBrk="1" latinLnBrk="0" hangingPunct="1">
-              <a:lnSpc>
-                <a:spcPct val="90000"/>
-              </a:lnSpc>
-              <a:spcBef>
-                <a:spcPts val="500"/>
-              </a:spcBef>
-              <a:buFont typeface="Arial" panose="020B0604020202020204" pitchFamily="34" charset="0"/>
-              <a:buChar char="•"/>
-              <a:defRPr sz="1800" kern="1200">
-                <a:solidFill>
-                  <a:schemeClr val="tx1"/>
-                </a:solidFill>
-                <a:latin typeface="+mn-lt"/>
-                <a:ea typeface="+mn-ea"/>
-                <a:cs typeface="+mn-cs"/>
-              </a:defRPr>
-            </a:lvl4pPr>
-            <a:lvl5pPr marL="2057400" indent="-228600" algn="l" defTabSz="914400" rtl="0" eaLnBrk="1" latinLnBrk="0" hangingPunct="1">
-              <a:lnSpc>
-                <a:spcPct val="90000"/>
-              </a:lnSpc>
-              <a:spcBef>
-                <a:spcPts val="500"/>
-              </a:spcBef>
-              <a:buFont typeface="Arial" panose="020B0604020202020204" pitchFamily="34" charset="0"/>
-              <a:buChar char="•"/>
-              <a:defRPr sz="1800" kern="1200">
-                <a:solidFill>
-                  <a:schemeClr val="tx1"/>
-                </a:solidFill>
-                <a:latin typeface="+mn-lt"/>
-                <a:ea typeface="+mn-ea"/>
-                <a:cs typeface="+mn-cs"/>
-              </a:defRPr>
-            </a:lvl5pPr>
-            <a:lvl6pPr marL="2514600" indent="-228600" algn="l" defTabSz="914400" rtl="0" eaLnBrk="1" latinLnBrk="0" hangingPunct="1">
-              <a:lnSpc>
-                <a:spcPct val="90000"/>
-              </a:lnSpc>
-              <a:spcBef>
-                <a:spcPts val="500"/>
-              </a:spcBef>
-              <a:buFont typeface="Arial" panose="020B0604020202020204" pitchFamily="34" charset="0"/>
-              <a:buChar char="•"/>
-              <a:defRPr sz="1800" kern="1200">
-                <a:solidFill>
-                  <a:schemeClr val="tx1"/>
-                </a:solidFill>
-                <a:latin typeface="+mn-lt"/>
-                <a:ea typeface="+mn-ea"/>
-                <a:cs typeface="+mn-cs"/>
-              </a:defRPr>
-            </a:lvl6pPr>
-            <a:lvl7pPr marL="2971800" indent="-228600" algn="l" defTabSz="914400" rtl="0" eaLnBrk="1" latinLnBrk="0" hangingPunct="1">
-              <a:lnSpc>
-                <a:spcPct val="90000"/>
-              </a:lnSpc>
-              <a:spcBef>
-                <a:spcPts val="500"/>
-              </a:spcBef>
-              <a:buFont typeface="Arial" panose="020B0604020202020204" pitchFamily="34" charset="0"/>
-              <a:buChar char="•"/>
-              <a:defRPr sz="1800" kern="1200">
-                <a:solidFill>
-                  <a:schemeClr val="tx1"/>
-                </a:solidFill>
-                <a:latin typeface="+mn-lt"/>
-                <a:ea typeface="+mn-ea"/>
-                <a:cs typeface="+mn-cs"/>
-              </a:defRPr>
-            </a:lvl7pPr>
-            <a:lvl8pPr marL="3429000" indent="-228600" algn="l" defTabSz="914400" rtl="0" eaLnBrk="1" latinLnBrk="0" hangingPunct="1">
-              <a:lnSpc>
-                <a:spcPct val="90000"/>
-              </a:lnSpc>
-              <a:spcBef>
-                <a:spcPts val="500"/>
-              </a:spcBef>
-              <a:buFont typeface="Arial" panose="020B0604020202020204" pitchFamily="34" charset="0"/>
-              <a:buChar char="•"/>
-              <a:defRPr sz="1800" kern="1200">
-                <a:solidFill>
-                  <a:schemeClr val="tx1"/>
-                </a:solidFill>
-                <a:latin typeface="+mn-lt"/>
-                <a:ea typeface="+mn-ea"/>
-                <a:cs typeface="+mn-cs"/>
-              </a:defRPr>
-            </a:lvl8pPr>
-            <a:lvl9pPr marL="3886200" indent="-228600" algn="l" defTabSz="914400" rtl="0" eaLnBrk="1" latinLnBrk="0" hangingPunct="1">
-              <a:lnSpc>
-                <a:spcPct val="90000"/>
-              </a:lnSpc>
-              <a:spcBef>
-                <a:spcPts val="500"/>
-              </a:spcBef>
-              <a:buFont typeface="Arial" panose="020B0604020202020204" pitchFamily="34" charset="0"/>
-              <a:buChar char="•"/>
-              <a:defRPr sz="1800" kern="1200">
-                <a:solidFill>
-                  <a:schemeClr val="tx1"/>
-                </a:solidFill>
-                <a:latin typeface="+mn-lt"/>
-                <a:ea typeface="+mn-ea"/>
-                <a:cs typeface="+mn-cs"/>
-              </a:defRPr>
-            </a:lvl9pPr>
-          </a:lstStyle>
-          <a:p>
-            <a:r>
-              <a:rPr lang="da-DK" dirty="0"/>
-              <a:t>Virkefelter</a:t>
-            </a:r>
-          </a:p>
-          <a:p>
-            <a:r>
-              <a:rPr lang="da-DK" dirty="0"/>
-              <a:t>Funktioner</a:t>
-            </a:r>
-          </a:p>
-          <a:p>
-            <a:r>
-              <a:rPr lang="da-DK" dirty="0"/>
-              <a:t>Programmer ‘baglæns’</a:t>
-            </a:r>
-          </a:p>
-          <a:p>
-            <a:r>
-              <a:rPr lang="da-DK" dirty="0"/>
-              <a:t>Dokumentation</a:t>
-            </a:r>
-          </a:p>
-          <a:p>
-            <a:r>
-              <a:rPr lang="da-DK" dirty="0"/>
-              <a:t>Løkker</a:t>
-            </a:r>
-          </a:p>
-          <a:p>
-            <a:endParaRPr lang="da-DK" dirty="0"/>
-          </a:p>
-          <a:p>
-            <a:endParaRPr lang="da-DK" dirty="0"/>
-          </a:p>
-          <a:p>
-            <a:endParaRPr lang="da-DK" dirty="0"/>
-          </a:p>
-        </p:txBody>
-      </p:sp>
-      <p:cxnSp>
-        <p:nvCxnSpPr>
-          <p:cNvPr id="11" name="Straight Connector 10">
-            <a:extLst>
-              <a:ext uri="{FF2B5EF4-FFF2-40B4-BE49-F238E27FC236}">
-                <a16:creationId xmlns:a16="http://schemas.microsoft.com/office/drawing/2014/main" id="{E89BB09E-7BA9-F948-A0E8-977F40D82B24}"/>
-              </a:ext>
-            </a:extLst>
-          </p:cNvPr>
-          <p:cNvCxnSpPr>
-            <a:cxnSpLocks/>
-          </p:cNvCxnSpPr>
-          <p:nvPr/>
-        </p:nvCxnSpPr>
-        <p:spPr>
-          <a:xfrm flipV="1">
-            <a:off x="394855" y="3337113"/>
-            <a:ext cx="11471563" cy="13858"/>
-          </a:xfrm>
-          <a:prstGeom prst="line">
-            <a:avLst/>
-          </a:prstGeom>
-        </p:spPr>
-        <p:style>
-          <a:lnRef idx="1">
-            <a:schemeClr val="accent1"/>
-          </a:lnRef>
-          <a:fillRef idx="0">
-            <a:schemeClr val="accent1"/>
-          </a:fillRef>
-          <a:effectRef idx="0">
-            <a:schemeClr val="accent1"/>
-          </a:effectRef>
-          <a:fontRef idx="minor">
-            <a:schemeClr val="tx1"/>
-          </a:fontRef>
-        </p:style>
-      </p:cxnSp>
-      <p:pic>
-        <p:nvPicPr>
-          <p:cNvPr id="12" name="Content Placeholder 3">
-            <a:extLst>
-              <a:ext uri="{FF2B5EF4-FFF2-40B4-BE49-F238E27FC236}">
-                <a16:creationId xmlns:a16="http://schemas.microsoft.com/office/drawing/2014/main" id="{E127A720-EAC7-574B-B594-5668580DF4BF}"/>
-              </a:ext>
-            </a:extLst>
-          </p:cNvPr>
-          <p:cNvPicPr>
-            <a:picLocks noChangeAspect="1"/>
-          </p:cNvPicPr>
-          <p:nvPr/>
-        </p:nvPicPr>
-        <p:blipFill rotWithShape="1">
-          <a:blip r:embed="rId2">
-            <a:extLst>
-              <a:ext uri="{28A0092B-C50C-407E-A947-70E740481C1C}">
-                <a14:useLocalDpi xmlns:a14="http://schemas.microsoft.com/office/drawing/2010/main" val="0"/>
-              </a:ext>
-            </a:extLst>
-          </a:blip>
-          <a:srcRect b="6127"/>
-          <a:stretch/>
-        </p:blipFill>
-        <p:spPr>
-          <a:xfrm>
-            <a:off x="424052" y="3560726"/>
-            <a:ext cx="4967185" cy="3036625"/>
-          </a:xfrm>
-          <a:prstGeom prst="rect">
-            <a:avLst/>
-          </a:prstGeom>
-        </p:spPr>
-      </p:pic>
-      <p:pic>
-        <p:nvPicPr>
-          <p:cNvPr id="13" name="Picture 12">
-            <a:extLst>
-              <a:ext uri="{FF2B5EF4-FFF2-40B4-BE49-F238E27FC236}">
-                <a16:creationId xmlns:a16="http://schemas.microsoft.com/office/drawing/2014/main" id="{D4E59253-C872-2249-8984-19E3C3378D94}"/>
-              </a:ext>
-            </a:extLst>
-          </p:cNvPr>
-          <p:cNvPicPr>
-            <a:picLocks noChangeAspect="1"/>
-          </p:cNvPicPr>
-          <p:nvPr/>
-        </p:nvPicPr>
-        <p:blipFill>
-          <a:blip r:embed="rId3"/>
-          <a:stretch>
-            <a:fillRect/>
-          </a:stretch>
-        </p:blipFill>
-        <p:spPr>
-          <a:xfrm>
-            <a:off x="7414417" y="4177615"/>
-            <a:ext cx="1816100" cy="1993900"/>
-          </a:xfrm>
-          <a:prstGeom prst="rect">
-            <a:avLst/>
-          </a:prstGeom>
-        </p:spPr>
-      </p:pic>
-    </p:spTree>
-    <p:extLst>
-      <p:ext uri="{BB962C8B-B14F-4D97-AF65-F5344CB8AC3E}">
-        <p14:creationId xmlns:p14="http://schemas.microsoft.com/office/powerpoint/2010/main" val="3550255004"/>
-      </p:ext>
-    </p:extLst>
-  </p:cSld>
-  <p:clrMapOvr>
-    <a:masterClrMapping/>
-  </p:clrMapOvr>
-</p:sld>
-</file>
-
-<file path=ppt/slides/slide12.xml><?xml version="1.0" encoding="utf-8"?>
-<p:sld xmlns:a="http://schemas.openxmlformats.org/drawingml/2006/main" xmlns:r="http://schemas.openxmlformats.org/officeDocument/2006/relationships" xmlns:p="http://schemas.openxmlformats.org/presentationml/2006/main">
-  <p:cSld>
-    <p:spTree>
-      <p:nvGrpSpPr>
-        <p:cNvPr id="1" name=""/>
-        <p:cNvGrpSpPr/>
-        <p:nvPr/>
-      </p:nvGrpSpPr>
-      <p:grpSpPr>
-        <a:xfrm>
-          <a:off x="0" y="0"/>
-          <a:ext cx="0" cy="0"/>
-          <a:chOff x="0" y="0"/>
-          <a:chExt cx="0" cy="0"/>
-        </a:xfrm>
-      </p:grpSpPr>
-      <p:sp>
-        <p:nvSpPr>
-          <p:cNvPr id="2" name="Title 1">
-            <a:extLst>
-              <a:ext uri="{FF2B5EF4-FFF2-40B4-BE49-F238E27FC236}">
-                <a16:creationId xmlns:a16="http://schemas.microsoft.com/office/drawing/2014/main" id="{6B7B5506-8EDB-D847-8FE9-3643EB4D4F62}"/>
-              </a:ext>
-            </a:extLst>
-          </p:cNvPr>
-          <p:cNvSpPr>
-            <a:spLocks noGrp="1"/>
-          </p:cNvSpPr>
-          <p:nvPr>
-            <p:ph type="title"/>
-          </p:nvPr>
-        </p:nvSpPr>
-        <p:spPr>
-          <a:xfrm>
-            <a:off x="394855" y="331394"/>
-            <a:ext cx="7019562" cy="905743"/>
-          </a:xfrm>
-        </p:spPr>
-        <p:txBody>
-          <a:bodyPr>
-            <a:normAutofit/>
-          </a:bodyPr>
-          <a:lstStyle/>
-          <a:p>
-            <a:r>
-              <a:rPr lang="da-DK" dirty="0"/>
-              <a:t>Repetition af Nøglekoncepter</a:t>
-            </a:r>
-          </a:p>
-        </p:txBody>
-      </p:sp>
-      <p:cxnSp>
-        <p:nvCxnSpPr>
-          <p:cNvPr id="8" name="Straight Connector 7">
-            <a:extLst>
-              <a:ext uri="{FF2B5EF4-FFF2-40B4-BE49-F238E27FC236}">
-                <a16:creationId xmlns:a16="http://schemas.microsoft.com/office/drawing/2014/main" id="{C2060383-286E-E84D-B7A6-3D64823B2436}"/>
-              </a:ext>
-            </a:extLst>
-          </p:cNvPr>
-          <p:cNvCxnSpPr>
-            <a:cxnSpLocks/>
-          </p:cNvCxnSpPr>
-          <p:nvPr/>
-        </p:nvCxnSpPr>
-        <p:spPr>
-          <a:xfrm>
-            <a:off x="4977937" y="1154009"/>
-            <a:ext cx="0" cy="5219082"/>
-          </a:xfrm>
-          <a:prstGeom prst="line">
-            <a:avLst/>
-          </a:prstGeom>
-        </p:spPr>
-        <p:style>
-          <a:lnRef idx="1">
-            <a:schemeClr val="accent1"/>
-          </a:lnRef>
-          <a:fillRef idx="0">
-            <a:schemeClr val="accent1"/>
-          </a:fillRef>
-          <a:effectRef idx="0">
-            <a:schemeClr val="accent1"/>
-          </a:effectRef>
-          <a:fontRef idx="minor">
-            <a:schemeClr val="tx1"/>
-          </a:fontRef>
-        </p:style>
-      </p:cxnSp>
-      <p:sp>
-        <p:nvSpPr>
-          <p:cNvPr id="4" name="TextBox 3">
-            <a:extLst>
-              <a:ext uri="{FF2B5EF4-FFF2-40B4-BE49-F238E27FC236}">
-                <a16:creationId xmlns:a16="http://schemas.microsoft.com/office/drawing/2014/main" id="{DE219C4B-716A-E34C-BD60-349CC37F942C}"/>
+                <a16:creationId xmlns:a16="http://schemas.microsoft.com/office/drawing/2014/main" id="{0D15DF44-C9F0-8C46-9998-F7BC94C4136F}"/>
               </a:ext>
             </a:extLst>
           </p:cNvPr>
@@ -9439,8 +9049,8 @@
         </p:nvSpPr>
         <p:spPr>
           <a:xfrm>
-            <a:off x="5274041" y="1306685"/>
-            <a:ext cx="4016741" cy="461665"/>
+            <a:off x="7077456" y="2203240"/>
+            <a:ext cx="2385781" cy="369332"/>
           </a:xfrm>
           <a:prstGeom prst="rect">
             <a:avLst/>
@@ -9454,474 +9064,44 @@
           <a:lstStyle/>
           <a:p>
             <a:r>
-              <a:rPr lang="da-DK" sz="2400" b="1" dirty="0" err="1"/>
-              <a:t>https</a:t>
-            </a:r>
-            <a:r>
-              <a:rPr lang="da-DK" sz="2400" b="1" dirty="0"/>
-              <a:t>://</a:t>
-            </a:r>
-            <a:r>
-              <a:rPr lang="da-DK" sz="2400" b="1" dirty="0" err="1"/>
-              <a:t>tinyurl.com</a:t>
-            </a:r>
-            <a:r>
-              <a:rPr lang="da-DK" sz="2400" b="1" dirty="0"/>
-              <a:t>/y8yuuyy4</a:t>
-            </a:r>
-            <a:endParaRPr lang="en-GB" sz="4000" dirty="0"/>
-          </a:p>
-        </p:txBody>
-      </p:sp>
-      <p:sp>
-        <p:nvSpPr>
-          <p:cNvPr id="10" name="TextBox 9">
-            <a:extLst>
-              <a:ext uri="{FF2B5EF4-FFF2-40B4-BE49-F238E27FC236}">
-                <a16:creationId xmlns:a16="http://schemas.microsoft.com/office/drawing/2014/main" id="{4F8B70C6-A60A-9142-B818-11876B19A0B4}"/>
-              </a:ext>
-            </a:extLst>
-          </p:cNvPr>
-          <p:cNvSpPr txBox="1"/>
-          <p:nvPr/>
-        </p:nvSpPr>
-        <p:spPr>
-          <a:xfrm>
-            <a:off x="454506" y="1291067"/>
-            <a:ext cx="4016741" cy="461665"/>
-          </a:xfrm>
-          <a:prstGeom prst="rect">
-            <a:avLst/>
-          </a:prstGeom>
-          <a:noFill/>
-        </p:spPr>
-        <p:txBody>
-          <a:bodyPr wrap="none" rtlCol="0">
-            <a:spAutoFit/>
-          </a:bodyPr>
-          <a:lstStyle/>
-          <a:p>
-            <a:r>
-              <a:rPr lang="da-DK" sz="2400" b="1" dirty="0" err="1"/>
-              <a:t>https</a:t>
-            </a:r>
-            <a:r>
-              <a:rPr lang="da-DK" sz="2400" b="1" dirty="0"/>
-              <a:t>://</a:t>
-            </a:r>
-            <a:r>
-              <a:rPr lang="da-DK" sz="2400" b="1" dirty="0" err="1"/>
-              <a:t>tinyurl.com</a:t>
-            </a:r>
-            <a:r>
-              <a:rPr lang="da-DK" sz="2400" b="1" dirty="0"/>
-              <a:t>/y923467c</a:t>
-            </a:r>
-            <a:endParaRPr lang="en-GB" sz="4000" dirty="0"/>
-          </a:p>
-        </p:txBody>
-      </p:sp>
-      <p:pic>
-        <p:nvPicPr>
-          <p:cNvPr id="14" name="Picture 13">
-            <a:extLst>
-              <a:ext uri="{FF2B5EF4-FFF2-40B4-BE49-F238E27FC236}">
-                <a16:creationId xmlns:a16="http://schemas.microsoft.com/office/drawing/2014/main" id="{DED8929F-30EC-F444-8F7A-9A1606617B32}"/>
-              </a:ext>
-            </a:extLst>
-          </p:cNvPr>
-          <p:cNvPicPr>
-            <a:picLocks noChangeAspect="1"/>
-          </p:cNvPicPr>
-          <p:nvPr/>
-        </p:nvPicPr>
-        <p:blipFill>
-          <a:blip r:embed="rId2"/>
-          <a:stretch>
-            <a:fillRect/>
-          </a:stretch>
-        </p:blipFill>
-        <p:spPr>
-          <a:xfrm>
-            <a:off x="-506088" y="1504118"/>
-            <a:ext cx="5870568" cy="6311709"/>
-          </a:xfrm>
-          <a:prstGeom prst="rect">
-            <a:avLst/>
-          </a:prstGeom>
-        </p:spPr>
-      </p:pic>
-      <p:pic>
-        <p:nvPicPr>
-          <p:cNvPr id="16" name="Picture 15">
-            <a:extLst>
-              <a:ext uri="{FF2B5EF4-FFF2-40B4-BE49-F238E27FC236}">
-                <a16:creationId xmlns:a16="http://schemas.microsoft.com/office/drawing/2014/main" id="{2F31BFB9-0047-3D4D-A95A-607FDDB303DA}"/>
-              </a:ext>
-            </a:extLst>
-          </p:cNvPr>
-          <p:cNvPicPr>
-            <a:picLocks noChangeAspect="1"/>
-          </p:cNvPicPr>
-          <p:nvPr/>
-        </p:nvPicPr>
-        <p:blipFill>
-          <a:blip r:embed="rId3"/>
-          <a:stretch>
-            <a:fillRect/>
-          </a:stretch>
-        </p:blipFill>
-        <p:spPr>
-          <a:xfrm>
-            <a:off x="4632960" y="1600506"/>
-            <a:ext cx="4984699" cy="5257494"/>
-          </a:xfrm>
-          <a:prstGeom prst="rect">
-            <a:avLst/>
-          </a:prstGeom>
-        </p:spPr>
-      </p:pic>
-      <p:sp>
-        <p:nvSpPr>
-          <p:cNvPr id="18" name="Content Placeholder 2">
-            <a:extLst>
-              <a:ext uri="{FF2B5EF4-FFF2-40B4-BE49-F238E27FC236}">
-                <a16:creationId xmlns:a16="http://schemas.microsoft.com/office/drawing/2014/main" id="{15220B53-E576-474C-A9AC-C22DA9D0F293}"/>
-              </a:ext>
-            </a:extLst>
-          </p:cNvPr>
-          <p:cNvSpPr txBox="1">
-            <a:spLocks/>
-          </p:cNvSpPr>
-          <p:nvPr/>
-        </p:nvSpPr>
-        <p:spPr>
-          <a:xfrm>
-            <a:off x="9590088" y="2877251"/>
-            <a:ext cx="2340548" cy="3244382"/>
-          </a:xfrm>
-          <a:prstGeom prst="rect">
-            <a:avLst/>
-          </a:prstGeom>
-        </p:spPr>
-        <p:txBody>
-          <a:bodyPr vert="horz" lIns="91440" tIns="45720" rIns="91440" bIns="45720" rtlCol="0">
-            <a:noAutofit/>
-          </a:bodyPr>
-          <a:lstStyle>
-            <a:lvl1pPr marL="228600" indent="-228600" algn="l" defTabSz="914400" rtl="0" eaLnBrk="1" latinLnBrk="0" hangingPunct="1">
-              <a:lnSpc>
-                <a:spcPct val="90000"/>
-              </a:lnSpc>
-              <a:spcBef>
-                <a:spcPts val="1000"/>
-              </a:spcBef>
-              <a:buFont typeface="Arial" panose="020B0604020202020204" pitchFamily="34" charset="0"/>
-              <a:buChar char="•"/>
-              <a:defRPr sz="2800" kern="1200">
-                <a:solidFill>
-                  <a:schemeClr val="tx1"/>
-                </a:solidFill>
-                <a:latin typeface="+mn-lt"/>
-                <a:ea typeface="+mn-ea"/>
-                <a:cs typeface="+mn-cs"/>
-              </a:defRPr>
-            </a:lvl1pPr>
-            <a:lvl2pPr marL="685800" indent="-228600" algn="l" defTabSz="914400" rtl="0" eaLnBrk="1" latinLnBrk="0" hangingPunct="1">
-              <a:lnSpc>
-                <a:spcPct val="90000"/>
-              </a:lnSpc>
-              <a:spcBef>
-                <a:spcPts val="500"/>
-              </a:spcBef>
-              <a:buFont typeface="Arial" panose="020B0604020202020204" pitchFamily="34" charset="0"/>
-              <a:buChar char="•"/>
-              <a:defRPr sz="2400" kern="1200">
-                <a:solidFill>
-                  <a:schemeClr val="tx1"/>
-                </a:solidFill>
-                <a:latin typeface="+mn-lt"/>
-                <a:ea typeface="+mn-ea"/>
-                <a:cs typeface="+mn-cs"/>
-              </a:defRPr>
-            </a:lvl2pPr>
-            <a:lvl3pPr marL="1143000" indent="-228600" algn="l" defTabSz="914400" rtl="0" eaLnBrk="1" latinLnBrk="0" hangingPunct="1">
-              <a:lnSpc>
-                <a:spcPct val="90000"/>
-              </a:lnSpc>
-              <a:spcBef>
-                <a:spcPts val="500"/>
-              </a:spcBef>
-              <a:buFont typeface="Arial" panose="020B0604020202020204" pitchFamily="34" charset="0"/>
-              <a:buChar char="•"/>
-              <a:defRPr sz="2000" kern="1200">
-                <a:solidFill>
-                  <a:schemeClr val="tx1"/>
-                </a:solidFill>
-                <a:latin typeface="+mn-lt"/>
-                <a:ea typeface="+mn-ea"/>
-                <a:cs typeface="+mn-cs"/>
-              </a:defRPr>
-            </a:lvl3pPr>
-            <a:lvl4pPr marL="1600200" indent="-228600" algn="l" defTabSz="914400" rtl="0" eaLnBrk="1" latinLnBrk="0" hangingPunct="1">
-              <a:lnSpc>
-                <a:spcPct val="90000"/>
-              </a:lnSpc>
-              <a:spcBef>
-                <a:spcPts val="500"/>
-              </a:spcBef>
-              <a:buFont typeface="Arial" panose="020B0604020202020204" pitchFamily="34" charset="0"/>
-              <a:buChar char="•"/>
-              <a:defRPr sz="1800" kern="1200">
-                <a:solidFill>
-                  <a:schemeClr val="tx1"/>
-                </a:solidFill>
-                <a:latin typeface="+mn-lt"/>
-                <a:ea typeface="+mn-ea"/>
-                <a:cs typeface="+mn-cs"/>
-              </a:defRPr>
-            </a:lvl4pPr>
-            <a:lvl5pPr marL="2057400" indent="-228600" algn="l" defTabSz="914400" rtl="0" eaLnBrk="1" latinLnBrk="0" hangingPunct="1">
-              <a:lnSpc>
-                <a:spcPct val="90000"/>
-              </a:lnSpc>
-              <a:spcBef>
-                <a:spcPts val="500"/>
-              </a:spcBef>
-              <a:buFont typeface="Arial" panose="020B0604020202020204" pitchFamily="34" charset="0"/>
-              <a:buChar char="•"/>
-              <a:defRPr sz="1800" kern="1200">
-                <a:solidFill>
-                  <a:schemeClr val="tx1"/>
-                </a:solidFill>
-                <a:latin typeface="+mn-lt"/>
-                <a:ea typeface="+mn-ea"/>
-                <a:cs typeface="+mn-cs"/>
-              </a:defRPr>
-            </a:lvl5pPr>
-            <a:lvl6pPr marL="2514600" indent="-228600" algn="l" defTabSz="914400" rtl="0" eaLnBrk="1" latinLnBrk="0" hangingPunct="1">
-              <a:lnSpc>
-                <a:spcPct val="90000"/>
-              </a:lnSpc>
-              <a:spcBef>
-                <a:spcPts val="500"/>
-              </a:spcBef>
-              <a:buFont typeface="Arial" panose="020B0604020202020204" pitchFamily="34" charset="0"/>
-              <a:buChar char="•"/>
-              <a:defRPr sz="1800" kern="1200">
-                <a:solidFill>
-                  <a:schemeClr val="tx1"/>
-                </a:solidFill>
-                <a:latin typeface="+mn-lt"/>
-                <a:ea typeface="+mn-ea"/>
-                <a:cs typeface="+mn-cs"/>
-              </a:defRPr>
-            </a:lvl6pPr>
-            <a:lvl7pPr marL="2971800" indent="-228600" algn="l" defTabSz="914400" rtl="0" eaLnBrk="1" latinLnBrk="0" hangingPunct="1">
-              <a:lnSpc>
-                <a:spcPct val="90000"/>
-              </a:lnSpc>
-              <a:spcBef>
-                <a:spcPts val="500"/>
-              </a:spcBef>
-              <a:buFont typeface="Arial" panose="020B0604020202020204" pitchFamily="34" charset="0"/>
-              <a:buChar char="•"/>
-              <a:defRPr sz="1800" kern="1200">
-                <a:solidFill>
-                  <a:schemeClr val="tx1"/>
-                </a:solidFill>
-                <a:latin typeface="+mn-lt"/>
-                <a:ea typeface="+mn-ea"/>
-                <a:cs typeface="+mn-cs"/>
-              </a:defRPr>
-            </a:lvl7pPr>
-            <a:lvl8pPr marL="3429000" indent="-228600" algn="l" defTabSz="914400" rtl="0" eaLnBrk="1" latinLnBrk="0" hangingPunct="1">
-              <a:lnSpc>
-                <a:spcPct val="90000"/>
-              </a:lnSpc>
-              <a:spcBef>
-                <a:spcPts val="500"/>
-              </a:spcBef>
-              <a:buFont typeface="Arial" panose="020B0604020202020204" pitchFamily="34" charset="0"/>
-              <a:buChar char="•"/>
-              <a:defRPr sz="1800" kern="1200">
-                <a:solidFill>
-                  <a:schemeClr val="tx1"/>
-                </a:solidFill>
-                <a:latin typeface="+mn-lt"/>
-                <a:ea typeface="+mn-ea"/>
-                <a:cs typeface="+mn-cs"/>
-              </a:defRPr>
-            </a:lvl8pPr>
-            <a:lvl9pPr marL="3886200" indent="-228600" algn="l" defTabSz="914400" rtl="0" eaLnBrk="1" latinLnBrk="0" hangingPunct="1">
-              <a:lnSpc>
-                <a:spcPct val="90000"/>
-              </a:lnSpc>
-              <a:spcBef>
-                <a:spcPts val="500"/>
-              </a:spcBef>
-              <a:buFont typeface="Arial" panose="020B0604020202020204" pitchFamily="34" charset="0"/>
-              <a:buChar char="•"/>
-              <a:defRPr sz="1800" kern="1200">
-                <a:solidFill>
-                  <a:schemeClr val="tx1"/>
-                </a:solidFill>
-                <a:latin typeface="+mn-lt"/>
-                <a:ea typeface="+mn-ea"/>
-                <a:cs typeface="+mn-cs"/>
-              </a:defRPr>
-            </a:lvl9pPr>
-          </a:lstStyle>
-          <a:p>
-            <a:pPr marL="0" indent="0">
-              <a:lnSpc>
-                <a:spcPct val="100000"/>
-              </a:lnSpc>
-              <a:buNone/>
-            </a:pPr>
-            <a:r>
-              <a:rPr lang="en-GB" sz="1600" dirty="0">
-                <a:latin typeface="DejaVu Sans Book" panose="020B0603030804020204" pitchFamily="34" charset="0"/>
-                <a:ea typeface="DejaVu Sans Book" panose="020B0603030804020204" pitchFamily="34" charset="0"/>
-                <a:cs typeface="DejaVu Sans Book" panose="020B0603030804020204" pitchFamily="34" charset="0"/>
-              </a:rPr>
-              <a:t>let mutable m = 1</a:t>
-            </a:r>
-          </a:p>
-          <a:p>
-            <a:pPr marL="0" indent="0">
-              <a:lnSpc>
-                <a:spcPct val="100000"/>
-              </a:lnSpc>
-              <a:buNone/>
-            </a:pPr>
-            <a:r>
-              <a:rPr lang="en-GB" sz="1600" dirty="0">
-                <a:latin typeface="DejaVu Sans Book" panose="020B0603030804020204" pitchFamily="34" charset="0"/>
-                <a:ea typeface="DejaVu Sans Book" panose="020B0603030804020204" pitchFamily="34" charset="0"/>
-                <a:cs typeface="DejaVu Sans Book" panose="020B0603030804020204" pitchFamily="34" charset="0"/>
-              </a:rPr>
-              <a:t>let mutable n = 1</a:t>
-            </a:r>
-          </a:p>
-          <a:p>
-            <a:pPr marL="0" indent="0">
-              <a:lnSpc>
-                <a:spcPct val="100000"/>
-              </a:lnSpc>
-              <a:buNone/>
-            </a:pPr>
-            <a:r>
-              <a:rPr lang="en-GB" sz="1600" dirty="0">
-                <a:latin typeface="DejaVu Sans Book" panose="020B0603030804020204" pitchFamily="34" charset="0"/>
-                <a:ea typeface="DejaVu Sans Book" panose="020B0603030804020204" pitchFamily="34" charset="0"/>
-                <a:cs typeface="DejaVu Sans Book" panose="020B0603030804020204" pitchFamily="34" charset="0"/>
-              </a:rPr>
-              <a:t>let N = 5</a:t>
-            </a:r>
-          </a:p>
-          <a:p>
-            <a:pPr marL="0" indent="0">
-              <a:lnSpc>
-                <a:spcPct val="100000"/>
-              </a:lnSpc>
-              <a:buNone/>
-            </a:pPr>
-            <a:r>
-              <a:rPr lang="en-GB" sz="1600" dirty="0">
-                <a:latin typeface="DejaVu Sans Book" panose="020B0603030804020204" pitchFamily="34" charset="0"/>
-                <a:ea typeface="DejaVu Sans Book" panose="020B0603030804020204" pitchFamily="34" charset="0"/>
-                <a:cs typeface="DejaVu Sans Book" panose="020B0603030804020204" pitchFamily="34" charset="0"/>
-              </a:rPr>
-              <a:t>for </a:t>
-            </a:r>
-            <a:r>
-              <a:rPr lang="en-GB" sz="1600" dirty="0" err="1">
-                <a:latin typeface="DejaVu Sans Book" panose="020B0603030804020204" pitchFamily="34" charset="0"/>
-                <a:ea typeface="DejaVu Sans Book" panose="020B0603030804020204" pitchFamily="34" charset="0"/>
-                <a:cs typeface="DejaVu Sans Book" panose="020B0603030804020204" pitchFamily="34" charset="0"/>
-              </a:rPr>
+              <a:rPr lang="en-GB" dirty="0" err="1"/>
               <a:t>i</a:t>
             </a:r>
             <a:r>
-              <a:rPr lang="en-GB" sz="1600" dirty="0">
-                <a:latin typeface="DejaVu Sans Book" panose="020B0603030804020204" pitchFamily="34" charset="0"/>
-                <a:ea typeface="DejaVu Sans Book" panose="020B0603030804020204" pitchFamily="34" charset="0"/>
-                <a:cs typeface="DejaVu Sans Book" panose="020B0603030804020204" pitchFamily="34" charset="0"/>
-              </a:rPr>
-              <a:t> = 3 to N do</a:t>
-            </a:r>
-          </a:p>
-          <a:p>
-            <a:pPr marL="0" indent="0">
-              <a:lnSpc>
-                <a:spcPct val="100000"/>
-              </a:lnSpc>
-              <a:buNone/>
-            </a:pPr>
-            <a:r>
-              <a:rPr lang="en-GB" sz="1600" dirty="0">
-                <a:latin typeface="DejaVu Sans Book" panose="020B0603030804020204" pitchFamily="34" charset="0"/>
-                <a:ea typeface="DejaVu Sans Book" panose="020B0603030804020204" pitchFamily="34" charset="0"/>
-                <a:cs typeface="DejaVu Sans Book" panose="020B0603030804020204" pitchFamily="34" charset="0"/>
-              </a:rPr>
-              <a:t>  let p = m + n</a:t>
-            </a:r>
-          </a:p>
-          <a:p>
-            <a:pPr marL="0" indent="0">
-              <a:lnSpc>
-                <a:spcPct val="100000"/>
-              </a:lnSpc>
-              <a:buNone/>
-            </a:pPr>
-            <a:r>
-              <a:rPr lang="en-GB" sz="1600" dirty="0">
-                <a:latin typeface="DejaVu Sans Book" panose="020B0603030804020204" pitchFamily="34" charset="0"/>
-                <a:ea typeface="DejaVu Sans Book" panose="020B0603030804020204" pitchFamily="34" charset="0"/>
-                <a:cs typeface="DejaVu Sans Book" panose="020B0603030804020204" pitchFamily="34" charset="0"/>
-              </a:rPr>
-              <a:t>  m &lt;- n</a:t>
-            </a:r>
-          </a:p>
-          <a:p>
-            <a:pPr marL="0" indent="0">
-              <a:lnSpc>
-                <a:spcPct val="100000"/>
-              </a:lnSpc>
-              <a:buNone/>
-            </a:pPr>
-            <a:r>
-              <a:rPr lang="en-GB" sz="1600" dirty="0">
-                <a:latin typeface="DejaVu Sans Book" panose="020B0603030804020204" pitchFamily="34" charset="0"/>
-                <a:ea typeface="DejaVu Sans Book" panose="020B0603030804020204" pitchFamily="34" charset="0"/>
-                <a:cs typeface="DejaVu Sans Book" panose="020B0603030804020204" pitchFamily="34" charset="0"/>
-              </a:rPr>
-              <a:t>  n &lt;- p</a:t>
-            </a:r>
-          </a:p>
-          <a:p>
-            <a:pPr marL="0" indent="0">
-              <a:lnSpc>
-                <a:spcPct val="100000"/>
-              </a:lnSpc>
-              <a:buNone/>
-            </a:pPr>
-            <a:r>
-              <a:rPr lang="en-GB" sz="1600" dirty="0" err="1">
-                <a:latin typeface="DejaVu Sans Book" panose="020B0603030804020204" pitchFamily="34" charset="0"/>
-                <a:ea typeface="DejaVu Sans Book" panose="020B0603030804020204" pitchFamily="34" charset="0"/>
-                <a:cs typeface="DejaVu Sans Book" panose="020B0603030804020204" pitchFamily="34" charset="0"/>
-              </a:rPr>
-              <a:t>printfn</a:t>
-            </a:r>
-            <a:r>
-              <a:rPr lang="en-GB" sz="1600" dirty="0">
-                <a:latin typeface="DejaVu Sans Book" panose="020B0603030804020204" pitchFamily="34" charset="0"/>
-                <a:ea typeface="DejaVu Sans Book" panose="020B0603030804020204" pitchFamily="34" charset="0"/>
-                <a:cs typeface="DejaVu Sans Book" panose="020B0603030804020204" pitchFamily="34" charset="0"/>
-              </a:rPr>
-              <a:t> "%d: %d" N n </a:t>
+              <a:rPr lang="en-GB" dirty="0"/>
+              <a:t> </a:t>
+            </a:r>
+            <a:r>
+              <a:rPr lang="en-GB" dirty="0" err="1"/>
+              <a:t>på</a:t>
+            </a:r>
+            <a:r>
+              <a:rPr lang="en-GB" dirty="0"/>
+              <a:t> </a:t>
+            </a:r>
+            <a:r>
+              <a:rPr lang="en-GB" dirty="0" err="1"/>
+              <a:t>højre</a:t>
+            </a:r>
+            <a:r>
+              <a:rPr lang="en-GB" dirty="0"/>
+              <a:t> side </a:t>
+            </a:r>
+            <a:r>
+              <a:rPr lang="en-GB" dirty="0" err="1"/>
+              <a:t>er</a:t>
+            </a:r>
+            <a:r>
+              <a:rPr lang="en-GB" dirty="0"/>
+              <a:t> </a:t>
+            </a:r>
+            <a:r>
+              <a:rPr lang="en-GB" dirty="0" err="1"/>
+              <a:t>altid</a:t>
+            </a:r>
+            <a:r>
+              <a:rPr lang="en-GB" dirty="0"/>
+              <a:t> 0</a:t>
             </a:r>
           </a:p>
         </p:txBody>
@@ -9929,7 +9109,7 @@
     </p:spTree>
     <p:extLst>
       <p:ext uri="{BB962C8B-B14F-4D97-AF65-F5344CB8AC3E}">
-        <p14:creationId xmlns:p14="http://schemas.microsoft.com/office/powerpoint/2010/main" val="774366241"/>
+        <p14:creationId xmlns:p14="http://schemas.microsoft.com/office/powerpoint/2010/main" val="277679735"/>
       </p:ext>
     </p:extLst>
   </p:cSld>
@@ -9970,52 +9150,7 @@
                                           </p:stCondLst>
                                         </p:cTn>
                                         <p:tgtEl>
-                                          <p:spTgt spid="14"/>
-                                        </p:tgtEl>
-                                        <p:attrNameLst>
-                                          <p:attrName>style.visibility</p:attrName>
-                                        </p:attrNameLst>
-                                      </p:cBhvr>
-                                      <p:to>
-                                        <p:strVal val="visible"/>
-                                      </p:to>
-                                    </p:set>
-                                  </p:childTnLst>
-                                </p:cTn>
-                              </p:par>
-                            </p:childTnLst>
-                          </p:cTn>
-                        </p:par>
-                      </p:childTnLst>
-                    </p:cTn>
-                  </p:par>
-                  <p:par>
-                    <p:cTn id="7" fill="hold">
-                      <p:stCondLst>
-                        <p:cond delay="indefinite"/>
-                      </p:stCondLst>
-                      <p:childTnLst>
-                        <p:par>
-                          <p:cTn id="8" fill="hold">
-                            <p:stCondLst>
-                              <p:cond delay="0"/>
-                            </p:stCondLst>
-                            <p:childTnLst>
-                              <p:par>
-                                <p:cTn id="9" presetID="1" presetClass="entr" presetSubtype="0" fill="hold" nodeType="clickEffect">
-                                  <p:stCondLst>
-                                    <p:cond delay="0"/>
-                                  </p:stCondLst>
-                                  <p:childTnLst>
-                                    <p:set>
-                                      <p:cBhvr>
-                                        <p:cTn id="10" dur="1" fill="hold">
-                                          <p:stCondLst>
-                                            <p:cond delay="0"/>
-                                          </p:stCondLst>
-                                        </p:cTn>
-                                        <p:tgtEl>
-                                          <p:spTgt spid="8"/>
+                                          <p:spTgt spid="7"/>
                                         </p:tgtEl>
                                         <p:attrNameLst>
                                           <p:attrName>style.visibility</p:attrName>
@@ -10029,110 +9164,20 @@
                                 </p:cTn>
                               </p:par>
                               <p:par>
-                                <p:cTn id="11" presetID="1" presetClass="entr" presetSubtype="0" fill="hold" grpId="0" nodeType="withEffect">
+                                <p:cTn id="7" presetID="1" presetClass="entr" presetSubtype="0" fill="hold" grpId="0" nodeType="withEffect">
                                   <p:stCondLst>
                                     <p:cond delay="0"/>
                                   </p:stCondLst>
                                   <p:childTnLst>
                                     <p:set>
                                       <p:cBhvr>
-                                        <p:cTn id="12" dur="1" fill="hold">
+                                        <p:cTn id="8" dur="1" fill="hold">
                                           <p:stCondLst>
                                             <p:cond delay="0"/>
                                           </p:stCondLst>
                                         </p:cTn>
                                         <p:tgtEl>
-                                          <p:spTgt spid="4"/>
-                                        </p:tgtEl>
-                                        <p:attrNameLst>
-                                          <p:attrName>style.visibility</p:attrName>
-                                        </p:attrNameLst>
-                                      </p:cBhvr>
-                                      <p:to>
-                                        <p:strVal val="visible"/>
-                                      </p:to>
-                                    </p:set>
-                                  </p:childTnLst>
-                                </p:cTn>
-                              </p:par>
-                            </p:childTnLst>
-                          </p:cTn>
-                        </p:par>
-                      </p:childTnLst>
-                    </p:cTn>
-                  </p:par>
-                  <p:par>
-                    <p:cTn id="13" fill="hold">
-                      <p:stCondLst>
-                        <p:cond delay="indefinite"/>
-                      </p:stCondLst>
-                      <p:childTnLst>
-                        <p:par>
-                          <p:cTn id="14" fill="hold">
-                            <p:stCondLst>
-                              <p:cond delay="0"/>
-                            </p:stCondLst>
-                            <p:childTnLst>
-                              <p:par>
-                                <p:cTn id="15" presetID="1" presetClass="entr" presetSubtype="0" fill="hold" nodeType="clickEffect">
-                                  <p:stCondLst>
-                                    <p:cond delay="0"/>
-                                  </p:stCondLst>
-                                  <p:childTnLst>
-                                    <p:set>
-                                      <p:cBhvr>
-                                        <p:cTn id="16" dur="1" fill="hold">
-                                          <p:stCondLst>
-                                            <p:cond delay="0"/>
-                                          </p:stCondLst>
-                                        </p:cTn>
-                                        <p:tgtEl>
-                                          <p:spTgt spid="16"/>
-                                        </p:tgtEl>
-                                        <p:attrNameLst>
-                                          <p:attrName>style.visibility</p:attrName>
-                                        </p:attrNameLst>
-                                      </p:cBhvr>
-                                      <p:to>
-                                        <p:strVal val="visible"/>
-                                      </p:to>
-                                    </p:set>
-                                  </p:childTnLst>
-                                </p:cTn>
-                              </p:par>
-                            </p:childTnLst>
-                          </p:cTn>
-                        </p:par>
-                      </p:childTnLst>
-                    </p:cTn>
-                  </p:par>
-                  <p:par>
-                    <p:cTn id="17" fill="hold">
-                      <p:stCondLst>
-                        <p:cond delay="indefinite"/>
-                      </p:stCondLst>
-                      <p:childTnLst>
-                        <p:par>
-                          <p:cTn id="18" fill="hold">
-                            <p:stCondLst>
-                              <p:cond delay="0"/>
-                            </p:stCondLst>
-                            <p:childTnLst>
-                              <p:par>
-                                <p:cTn id="19" presetID="1" presetClass="entr" presetSubtype="0" fill="hold" grpId="0" nodeType="clickEffect">
-                                  <p:stCondLst>
-                                    <p:cond delay="0"/>
-                                  </p:stCondLst>
-                                  <p:childTnLst>
-                                    <p:set>
-                                      <p:cBhvr>
-                                        <p:cTn id="20" dur="1" fill="hold">
-                                          <p:stCondLst>
-                                            <p:cond delay="0"/>
-                                          </p:stCondLst>
-                                        </p:cTn>
-                                        <p:tgtEl>
-                                          <p:spTgt spid="18"/>
+                                          <p:spTgt spid="11"/>
                                         </p:tgtEl>
                                         <p:attrNameLst>
                                           <p:attrName>style.visibility</p:attrName>
@@ -10173,14 +9218,13 @@
       </p:par>
     </p:tnLst>
     <p:bldLst>
-      <p:bldP spid="4" grpId="0"/>
-      <p:bldP spid="18" grpId="0"/>
+      <p:bldP spid="11" grpId="0"/>
     </p:bldLst>
   </p:timing>
 </p:sld>
 </file>
 
-<file path=ppt/slides/slide13.xml><?xml version="1.0" encoding="utf-8"?>
+<file path=ppt/slides/slide12.xml><?xml version="1.0" encoding="utf-8"?>
 <p:sld xmlns:a="http://schemas.openxmlformats.org/drawingml/2006/main" xmlns:r="http://schemas.openxmlformats.org/officeDocument/2006/relationships" xmlns:p="http://schemas.openxmlformats.org/presentationml/2006/main">
   <p:cSld>
     <p:spTree>
@@ -12802,8 +11846,8 @@
 </p:sld>
 </file>
 
-<file path=ppt/slides/slide14.xml><?xml version="1.0" encoding="utf-8"?>
-<p:sld xmlns:a="http://schemas.openxmlformats.org/drawingml/2006/main" xmlns:r="http://schemas.openxmlformats.org/officeDocument/2006/relationships" xmlns:p="http://schemas.openxmlformats.org/presentationml/2006/main">
+<file path=ppt/slides/slide13.xml><?xml version="1.0" encoding="utf-8"?>
+<p:sld xmlns:a="http://schemas.openxmlformats.org/drawingml/2006/main" xmlns:r="http://schemas.openxmlformats.org/officeDocument/2006/relationships" xmlns:p="http://schemas.openxmlformats.org/presentationml/2006/main" show="0">
   <p:cSld>
     <p:spTree>
       <p:nvGrpSpPr>
@@ -14740,1574 +13784,8 @@
 </p:sld>
 </file>
 
-<file path=ppt/slides/slide15.xml><?xml version="1.0" encoding="utf-8"?>
-<p:sld xmlns:a="http://schemas.openxmlformats.org/drawingml/2006/main" xmlns:r="http://schemas.openxmlformats.org/officeDocument/2006/relationships" xmlns:p="http://schemas.openxmlformats.org/presentationml/2006/main">
-  <p:cSld>
-    <p:spTree>
-      <p:nvGrpSpPr>
-        <p:cNvPr id="1" name=""/>
-        <p:cNvGrpSpPr/>
-        <p:nvPr/>
-      </p:nvGrpSpPr>
-      <p:grpSpPr>
-        <a:xfrm>
-          <a:off x="0" y="0"/>
-          <a:ext cx="0" cy="0"/>
-          <a:chOff x="0" y="0"/>
-          <a:chExt cx="0" cy="0"/>
-        </a:xfrm>
-      </p:grpSpPr>
-      <p:sp>
-        <p:nvSpPr>
-          <p:cNvPr id="2" name="Title 1">
-            <a:extLst>
-              <a:ext uri="{FF2B5EF4-FFF2-40B4-BE49-F238E27FC236}">
-                <a16:creationId xmlns:a16="http://schemas.microsoft.com/office/drawing/2014/main" id="{FA8A84ED-08C9-EC4A-8078-BEFF32764DDE}"/>
-              </a:ext>
-            </a:extLst>
-          </p:cNvPr>
-          <p:cNvSpPr>
-            <a:spLocks noGrp="1"/>
-          </p:cNvSpPr>
-          <p:nvPr>
-            <p:ph type="title"/>
-          </p:nvPr>
-        </p:nvSpPr>
-        <p:spPr/>
-        <p:txBody>
-          <a:bodyPr/>
-          <a:lstStyle/>
-          <a:p>
-            <a:r>
-              <a:rPr lang="en-GB" dirty="0" err="1"/>
-              <a:t>Betingelser</a:t>
-            </a:r>
-            <a:endParaRPr lang="en-GB" dirty="0"/>
-          </a:p>
-        </p:txBody>
-      </p:sp>
-      <p:pic>
-        <p:nvPicPr>
-          <p:cNvPr id="5" name="Content Placeholder 4">
-            <a:extLst>
-              <a:ext uri="{FF2B5EF4-FFF2-40B4-BE49-F238E27FC236}">
-                <a16:creationId xmlns:a16="http://schemas.microsoft.com/office/drawing/2014/main" id="{87235312-F3A4-4E44-841D-CC127F128714}"/>
-              </a:ext>
-            </a:extLst>
-          </p:cNvPr>
-          <p:cNvPicPr>
-            <a:picLocks noGrp="1" noChangeAspect="1"/>
-          </p:cNvPicPr>
-          <p:nvPr>
-            <p:ph idx="1"/>
-          </p:nvPr>
-        </p:nvPicPr>
-        <p:blipFill>
-          <a:blip r:embed="rId2"/>
-          <a:stretch>
-            <a:fillRect/>
-          </a:stretch>
-        </p:blipFill>
-        <p:spPr>
-          <a:xfrm>
-            <a:off x="1311656" y="2372138"/>
-            <a:ext cx="1778000" cy="1905000"/>
-          </a:xfrm>
-        </p:spPr>
-      </p:pic>
-      <p:sp>
-        <p:nvSpPr>
-          <p:cNvPr id="6" name="Content Placeholder 2">
-            <a:extLst>
-              <a:ext uri="{FF2B5EF4-FFF2-40B4-BE49-F238E27FC236}">
-                <a16:creationId xmlns:a16="http://schemas.microsoft.com/office/drawing/2014/main" id="{5F758955-5CEB-A044-9283-15D7CEA92C60}"/>
-              </a:ext>
-            </a:extLst>
-          </p:cNvPr>
-          <p:cNvSpPr txBox="1">
-            <a:spLocks/>
-          </p:cNvSpPr>
-          <p:nvPr/>
-        </p:nvSpPr>
-        <p:spPr>
-          <a:xfrm>
-            <a:off x="8812729" y="1965573"/>
-            <a:ext cx="2957866" cy="3392812"/>
-          </a:xfrm>
-          <a:prstGeom prst="rect">
-            <a:avLst/>
-          </a:prstGeom>
-        </p:spPr>
-        <p:txBody>
-          <a:bodyPr vert="horz" lIns="91440" tIns="45720" rIns="91440" bIns="45720" rtlCol="0">
-            <a:noAutofit/>
-          </a:bodyPr>
-          <a:lstStyle>
-            <a:lvl1pPr marL="228600" indent="-228600" algn="l" defTabSz="914400" rtl="0" eaLnBrk="1" latinLnBrk="0" hangingPunct="1">
-              <a:lnSpc>
-                <a:spcPct val="90000"/>
-              </a:lnSpc>
-              <a:spcBef>
-                <a:spcPts val="1000"/>
-              </a:spcBef>
-              <a:buFont typeface="Arial" panose="020B0604020202020204" pitchFamily="34" charset="0"/>
-              <a:buChar char="•"/>
-              <a:defRPr sz="2800" kern="1200">
-                <a:solidFill>
-                  <a:schemeClr val="tx1"/>
-                </a:solidFill>
-                <a:latin typeface="+mn-lt"/>
-                <a:ea typeface="+mn-ea"/>
-                <a:cs typeface="+mn-cs"/>
-              </a:defRPr>
-            </a:lvl1pPr>
-            <a:lvl2pPr marL="685800" indent="-228600" algn="l" defTabSz="914400" rtl="0" eaLnBrk="1" latinLnBrk="0" hangingPunct="1">
-              <a:lnSpc>
-                <a:spcPct val="90000"/>
-              </a:lnSpc>
-              <a:spcBef>
-                <a:spcPts val="500"/>
-              </a:spcBef>
-              <a:buFont typeface="Arial" panose="020B0604020202020204" pitchFamily="34" charset="0"/>
-              <a:buChar char="•"/>
-              <a:defRPr sz="2400" kern="1200">
-                <a:solidFill>
-                  <a:schemeClr val="tx1"/>
-                </a:solidFill>
-                <a:latin typeface="+mn-lt"/>
-                <a:ea typeface="+mn-ea"/>
-                <a:cs typeface="+mn-cs"/>
-              </a:defRPr>
-            </a:lvl2pPr>
-            <a:lvl3pPr marL="1143000" indent="-228600" algn="l" defTabSz="914400" rtl="0" eaLnBrk="1" latinLnBrk="0" hangingPunct="1">
-              <a:lnSpc>
-                <a:spcPct val="90000"/>
-              </a:lnSpc>
-              <a:spcBef>
-                <a:spcPts val="500"/>
-              </a:spcBef>
-              <a:buFont typeface="Arial" panose="020B0604020202020204" pitchFamily="34" charset="0"/>
-              <a:buChar char="•"/>
-              <a:defRPr sz="2000" kern="1200">
-                <a:solidFill>
-                  <a:schemeClr val="tx1"/>
-                </a:solidFill>
-                <a:latin typeface="+mn-lt"/>
-                <a:ea typeface="+mn-ea"/>
-                <a:cs typeface="+mn-cs"/>
-              </a:defRPr>
-            </a:lvl3pPr>
-            <a:lvl4pPr marL="1600200" indent="-228600" algn="l" defTabSz="914400" rtl="0" eaLnBrk="1" latinLnBrk="0" hangingPunct="1">
-              <a:lnSpc>
-                <a:spcPct val="90000"/>
-              </a:lnSpc>
-              <a:spcBef>
-                <a:spcPts val="500"/>
-              </a:spcBef>
-              <a:buFont typeface="Arial" panose="020B0604020202020204" pitchFamily="34" charset="0"/>
-              <a:buChar char="•"/>
-              <a:defRPr sz="1800" kern="1200">
-                <a:solidFill>
-                  <a:schemeClr val="tx1"/>
-                </a:solidFill>
-                <a:latin typeface="+mn-lt"/>
-                <a:ea typeface="+mn-ea"/>
-                <a:cs typeface="+mn-cs"/>
-              </a:defRPr>
-            </a:lvl4pPr>
-            <a:lvl5pPr marL="2057400" indent="-228600" algn="l" defTabSz="914400" rtl="0" eaLnBrk="1" latinLnBrk="0" hangingPunct="1">
-              <a:lnSpc>
-                <a:spcPct val="90000"/>
-              </a:lnSpc>
-              <a:spcBef>
-                <a:spcPts val="500"/>
-              </a:spcBef>
-              <a:buFont typeface="Arial" panose="020B0604020202020204" pitchFamily="34" charset="0"/>
-              <a:buChar char="•"/>
-              <a:defRPr sz="1800" kern="1200">
-                <a:solidFill>
-                  <a:schemeClr val="tx1"/>
-                </a:solidFill>
-                <a:latin typeface="+mn-lt"/>
-                <a:ea typeface="+mn-ea"/>
-                <a:cs typeface="+mn-cs"/>
-              </a:defRPr>
-            </a:lvl5pPr>
-            <a:lvl6pPr marL="2514600" indent="-228600" algn="l" defTabSz="914400" rtl="0" eaLnBrk="1" latinLnBrk="0" hangingPunct="1">
-              <a:lnSpc>
-                <a:spcPct val="90000"/>
-              </a:lnSpc>
-              <a:spcBef>
-                <a:spcPts val="500"/>
-              </a:spcBef>
-              <a:buFont typeface="Arial" panose="020B0604020202020204" pitchFamily="34" charset="0"/>
-              <a:buChar char="•"/>
-              <a:defRPr sz="1800" kern="1200">
-                <a:solidFill>
-                  <a:schemeClr val="tx1"/>
-                </a:solidFill>
-                <a:latin typeface="+mn-lt"/>
-                <a:ea typeface="+mn-ea"/>
-                <a:cs typeface="+mn-cs"/>
-              </a:defRPr>
-            </a:lvl6pPr>
-            <a:lvl7pPr marL="2971800" indent="-228600" algn="l" defTabSz="914400" rtl="0" eaLnBrk="1" latinLnBrk="0" hangingPunct="1">
-              <a:lnSpc>
-                <a:spcPct val="90000"/>
-              </a:lnSpc>
-              <a:spcBef>
-                <a:spcPts val="500"/>
-              </a:spcBef>
-              <a:buFont typeface="Arial" panose="020B0604020202020204" pitchFamily="34" charset="0"/>
-              <a:buChar char="•"/>
-              <a:defRPr sz="1800" kern="1200">
-                <a:solidFill>
-                  <a:schemeClr val="tx1"/>
-                </a:solidFill>
-                <a:latin typeface="+mn-lt"/>
-                <a:ea typeface="+mn-ea"/>
-                <a:cs typeface="+mn-cs"/>
-              </a:defRPr>
-            </a:lvl7pPr>
-            <a:lvl8pPr marL="3429000" indent="-228600" algn="l" defTabSz="914400" rtl="0" eaLnBrk="1" latinLnBrk="0" hangingPunct="1">
-              <a:lnSpc>
-                <a:spcPct val="90000"/>
-              </a:lnSpc>
-              <a:spcBef>
-                <a:spcPts val="500"/>
-              </a:spcBef>
-              <a:buFont typeface="Arial" panose="020B0604020202020204" pitchFamily="34" charset="0"/>
-              <a:buChar char="•"/>
-              <a:defRPr sz="1800" kern="1200">
-                <a:solidFill>
-                  <a:schemeClr val="tx1"/>
-                </a:solidFill>
-                <a:latin typeface="+mn-lt"/>
-                <a:ea typeface="+mn-ea"/>
-                <a:cs typeface="+mn-cs"/>
-              </a:defRPr>
-            </a:lvl8pPr>
-            <a:lvl9pPr marL="3886200" indent="-228600" algn="l" defTabSz="914400" rtl="0" eaLnBrk="1" latinLnBrk="0" hangingPunct="1">
-              <a:lnSpc>
-                <a:spcPct val="90000"/>
-              </a:lnSpc>
-              <a:spcBef>
-                <a:spcPts val="500"/>
-              </a:spcBef>
-              <a:buFont typeface="Arial" panose="020B0604020202020204" pitchFamily="34" charset="0"/>
-              <a:buChar char="•"/>
-              <a:defRPr sz="1800" kern="1200">
-                <a:solidFill>
-                  <a:schemeClr val="tx1"/>
-                </a:solidFill>
-                <a:latin typeface="+mn-lt"/>
-                <a:ea typeface="+mn-ea"/>
-                <a:cs typeface="+mn-cs"/>
-              </a:defRPr>
-            </a:lvl9pPr>
-          </a:lstStyle>
-          <a:p>
-            <a:pPr marL="0" indent="0">
-              <a:lnSpc>
-                <a:spcPct val="100000"/>
-              </a:lnSpc>
-              <a:buNone/>
-            </a:pPr>
-            <a:r>
-              <a:rPr lang="en-GB" sz="1600" dirty="0">
-                <a:latin typeface="DejaVu Sans Book" panose="020B0603030804020204" pitchFamily="34" charset="0"/>
-                <a:ea typeface="DejaVu Sans Book" panose="020B0603030804020204" pitchFamily="34" charset="0"/>
-                <a:cs typeface="DejaVu Sans Book" panose="020B0603030804020204" pitchFamily="34" charset="0"/>
-              </a:rPr>
-              <a:t>&gt; let </a:t>
-            </a:r>
-            <a:r>
-              <a:rPr lang="en-GB" sz="1600" dirty="0" err="1">
-                <a:latin typeface="DejaVu Sans Book" panose="020B0603030804020204" pitchFamily="34" charset="0"/>
-                <a:ea typeface="DejaVu Sans Book" panose="020B0603030804020204" pitchFamily="34" charset="0"/>
-                <a:cs typeface="DejaVu Sans Book" panose="020B0603030804020204" pitchFamily="34" charset="0"/>
-              </a:rPr>
-              <a:t>str</a:t>
-            </a:r>
-            <a:r>
-              <a:rPr lang="en-GB" sz="1600" dirty="0">
-                <a:latin typeface="DejaVu Sans Book" panose="020B0603030804020204" pitchFamily="34" charset="0"/>
-                <a:ea typeface="DejaVu Sans Book" panose="020B0603030804020204" pitchFamily="34" charset="0"/>
-                <a:cs typeface="DejaVu Sans Book" panose="020B0603030804020204" pitchFamily="34" charset="0"/>
-              </a:rPr>
-              <a:t> =</a:t>
-            </a:r>
-          </a:p>
-          <a:p>
-            <a:pPr marL="0" indent="0">
-              <a:lnSpc>
-                <a:spcPct val="100000"/>
-              </a:lnSpc>
-              <a:buNone/>
-            </a:pPr>
-            <a:r>
-              <a:rPr lang="en-GB" sz="1600" dirty="0">
-                <a:latin typeface="DejaVu Sans Book" panose="020B0603030804020204" pitchFamily="34" charset="0"/>
-                <a:ea typeface="DejaVu Sans Book" panose="020B0603030804020204" pitchFamily="34" charset="0"/>
-                <a:cs typeface="DejaVu Sans Book" panose="020B0603030804020204" pitchFamily="34" charset="0"/>
-              </a:rPr>
-              <a:t>-   if 3 &lt; 2 then</a:t>
-            </a:r>
-          </a:p>
-          <a:p>
-            <a:pPr marL="0" indent="0">
-              <a:lnSpc>
-                <a:spcPct val="100000"/>
-              </a:lnSpc>
-              <a:buNone/>
-            </a:pPr>
-            <a:r>
-              <a:rPr lang="en-GB" sz="1600" dirty="0">
-                <a:latin typeface="DejaVu Sans Book" panose="020B0603030804020204" pitchFamily="34" charset="0"/>
-                <a:ea typeface="DejaVu Sans Book" panose="020B0603030804020204" pitchFamily="34" charset="0"/>
-                <a:cs typeface="DejaVu Sans Book" panose="020B0603030804020204" pitchFamily="34" charset="0"/>
-              </a:rPr>
-              <a:t>-     "3 &lt; 2"</a:t>
-            </a:r>
-          </a:p>
-          <a:p>
-            <a:pPr marL="0" indent="0">
-              <a:lnSpc>
-                <a:spcPct val="100000"/>
-              </a:lnSpc>
-              <a:buNone/>
-            </a:pPr>
-            <a:r>
-              <a:rPr lang="en-GB" sz="1600" dirty="0">
-                <a:latin typeface="DejaVu Sans Book" panose="020B0603030804020204" pitchFamily="34" charset="0"/>
-                <a:ea typeface="DejaVu Sans Book" panose="020B0603030804020204" pitchFamily="34" charset="0"/>
-                <a:cs typeface="DejaVu Sans Book" panose="020B0603030804020204" pitchFamily="34" charset="0"/>
-              </a:rPr>
-              <a:t>-   </a:t>
-            </a:r>
-            <a:r>
-              <a:rPr lang="en-GB" sz="1600" dirty="0" err="1">
-                <a:latin typeface="DejaVu Sans Book" panose="020B0603030804020204" pitchFamily="34" charset="0"/>
-                <a:ea typeface="DejaVu Sans Book" panose="020B0603030804020204" pitchFamily="34" charset="0"/>
-                <a:cs typeface="DejaVu Sans Book" panose="020B0603030804020204" pitchFamily="34" charset="0"/>
-              </a:rPr>
-              <a:t>elif</a:t>
-            </a:r>
-            <a:r>
-              <a:rPr lang="en-GB" sz="1600" dirty="0">
-                <a:latin typeface="DejaVu Sans Book" panose="020B0603030804020204" pitchFamily="34" charset="0"/>
-                <a:ea typeface="DejaVu Sans Book" panose="020B0603030804020204" pitchFamily="34" charset="0"/>
-                <a:cs typeface="DejaVu Sans Book" panose="020B0603030804020204" pitchFamily="34" charset="0"/>
-              </a:rPr>
-              <a:t> 3 = 2 then</a:t>
-            </a:r>
-          </a:p>
-          <a:p>
-            <a:pPr marL="0" indent="0">
-              <a:lnSpc>
-                <a:spcPct val="100000"/>
-              </a:lnSpc>
-              <a:buNone/>
-            </a:pPr>
-            <a:r>
-              <a:rPr lang="en-GB" sz="1600" dirty="0">
-                <a:latin typeface="DejaVu Sans Book" panose="020B0603030804020204" pitchFamily="34" charset="0"/>
-                <a:ea typeface="DejaVu Sans Book" panose="020B0603030804020204" pitchFamily="34" charset="0"/>
-                <a:cs typeface="DejaVu Sans Book" panose="020B0603030804020204" pitchFamily="34" charset="0"/>
-              </a:rPr>
-              <a:t>-     "3 = 2"</a:t>
-            </a:r>
-          </a:p>
-          <a:p>
-            <a:pPr marL="0" indent="0">
-              <a:lnSpc>
-                <a:spcPct val="100000"/>
-              </a:lnSpc>
-              <a:buNone/>
-            </a:pPr>
-            <a:r>
-              <a:rPr lang="en-GB" sz="1600" dirty="0">
-                <a:latin typeface="DejaVu Sans Book" panose="020B0603030804020204" pitchFamily="34" charset="0"/>
-                <a:ea typeface="DejaVu Sans Book" panose="020B0603030804020204" pitchFamily="34" charset="0"/>
-                <a:cs typeface="DejaVu Sans Book" panose="020B0603030804020204" pitchFamily="34" charset="0"/>
-              </a:rPr>
-              <a:t>-   else</a:t>
-            </a:r>
-          </a:p>
-          <a:p>
-            <a:pPr marL="0" indent="0">
-              <a:lnSpc>
-                <a:spcPct val="100000"/>
-              </a:lnSpc>
-              <a:buNone/>
-            </a:pPr>
-            <a:r>
-              <a:rPr lang="en-GB" sz="1600" dirty="0">
-                <a:latin typeface="DejaVu Sans Book" panose="020B0603030804020204" pitchFamily="34" charset="0"/>
-                <a:ea typeface="DejaVu Sans Book" panose="020B0603030804020204" pitchFamily="34" charset="0"/>
-                <a:cs typeface="DejaVu Sans Book" panose="020B0603030804020204" pitchFamily="34" charset="0"/>
-              </a:rPr>
-              <a:t>-     "3 &gt; 2";;</a:t>
-            </a:r>
-          </a:p>
-          <a:p>
-            <a:pPr marL="0" indent="0">
-              <a:lnSpc>
-                <a:spcPct val="100000"/>
-              </a:lnSpc>
-              <a:buNone/>
-            </a:pPr>
-            <a:r>
-              <a:rPr lang="en-GB" sz="1600" dirty="0" err="1">
-                <a:latin typeface="DejaVu Sans Book" panose="020B0603030804020204" pitchFamily="34" charset="0"/>
-                <a:ea typeface="DejaVu Sans Book" panose="020B0603030804020204" pitchFamily="34" charset="0"/>
-                <a:cs typeface="DejaVu Sans Book" panose="020B0603030804020204" pitchFamily="34" charset="0"/>
-              </a:rPr>
-              <a:t>val</a:t>
-            </a:r>
-            <a:r>
-              <a:rPr lang="en-GB" sz="1600" dirty="0">
-                <a:latin typeface="DejaVu Sans Book" panose="020B0603030804020204" pitchFamily="34" charset="0"/>
-                <a:ea typeface="DejaVu Sans Book" panose="020B0603030804020204" pitchFamily="34" charset="0"/>
-                <a:cs typeface="DejaVu Sans Book" panose="020B0603030804020204" pitchFamily="34" charset="0"/>
-              </a:rPr>
-              <a:t> </a:t>
-            </a:r>
-            <a:r>
-              <a:rPr lang="en-GB" sz="1600" dirty="0" err="1">
-                <a:latin typeface="DejaVu Sans Book" panose="020B0603030804020204" pitchFamily="34" charset="0"/>
-                <a:ea typeface="DejaVu Sans Book" panose="020B0603030804020204" pitchFamily="34" charset="0"/>
-                <a:cs typeface="DejaVu Sans Book" panose="020B0603030804020204" pitchFamily="34" charset="0"/>
-              </a:rPr>
-              <a:t>str</a:t>
-            </a:r>
-            <a:r>
-              <a:rPr lang="en-GB" sz="1600" dirty="0">
-                <a:latin typeface="DejaVu Sans Book" panose="020B0603030804020204" pitchFamily="34" charset="0"/>
-                <a:ea typeface="DejaVu Sans Book" panose="020B0603030804020204" pitchFamily="34" charset="0"/>
-                <a:cs typeface="DejaVu Sans Book" panose="020B0603030804020204" pitchFamily="34" charset="0"/>
-              </a:rPr>
-              <a:t> : string = "3 &gt; 2"</a:t>
-            </a:r>
-          </a:p>
-        </p:txBody>
-      </p:sp>
-      <p:cxnSp>
-        <p:nvCxnSpPr>
-          <p:cNvPr id="7" name="Straight Connector 6">
-            <a:extLst>
-              <a:ext uri="{FF2B5EF4-FFF2-40B4-BE49-F238E27FC236}">
-                <a16:creationId xmlns:a16="http://schemas.microsoft.com/office/drawing/2014/main" id="{1CAA9C42-779C-4D41-8F0B-22F3E683BF09}"/>
-              </a:ext>
-            </a:extLst>
-          </p:cNvPr>
-          <p:cNvCxnSpPr>
-            <a:cxnSpLocks/>
-          </p:cNvCxnSpPr>
-          <p:nvPr/>
-        </p:nvCxnSpPr>
-        <p:spPr>
-          <a:xfrm>
-            <a:off x="8208354" y="1215766"/>
-            <a:ext cx="0" cy="5260571"/>
-          </a:xfrm>
-          <a:prstGeom prst="line">
-            <a:avLst/>
-          </a:prstGeom>
-        </p:spPr>
-        <p:style>
-          <a:lnRef idx="1">
-            <a:schemeClr val="accent1"/>
-          </a:lnRef>
-          <a:fillRef idx="0">
-            <a:schemeClr val="accent1"/>
-          </a:fillRef>
-          <a:effectRef idx="0">
-            <a:schemeClr val="accent1"/>
-          </a:effectRef>
-          <a:fontRef idx="minor">
-            <a:schemeClr val="tx1"/>
-          </a:fontRef>
-        </p:style>
-      </p:cxnSp>
-      <p:sp>
-        <p:nvSpPr>
-          <p:cNvPr id="8" name="TextBox 7">
-            <a:extLst>
-              <a:ext uri="{FF2B5EF4-FFF2-40B4-BE49-F238E27FC236}">
-                <a16:creationId xmlns:a16="http://schemas.microsoft.com/office/drawing/2014/main" id="{008F05D8-1C88-724C-B55A-99C8462C11F4}"/>
-              </a:ext>
-            </a:extLst>
-          </p:cNvPr>
-          <p:cNvSpPr txBox="1"/>
-          <p:nvPr/>
-        </p:nvSpPr>
-        <p:spPr>
-          <a:xfrm>
-            <a:off x="8525869" y="1328232"/>
-            <a:ext cx="2667782" cy="461665"/>
-          </a:xfrm>
-          <a:prstGeom prst="rect">
-            <a:avLst/>
-          </a:prstGeom>
-          <a:noFill/>
-        </p:spPr>
-        <p:txBody>
-          <a:bodyPr wrap="none" rtlCol="0">
-            <a:spAutoFit/>
-          </a:bodyPr>
-          <a:lstStyle/>
-          <a:p>
-            <a:r>
-              <a:rPr lang="en-GB" sz="2400" dirty="0" err="1"/>
-              <a:t>Kæde</a:t>
-            </a:r>
-            <a:r>
-              <a:rPr lang="en-GB" sz="2400" dirty="0"/>
-              <a:t> </a:t>
-            </a:r>
-            <a:r>
-              <a:rPr lang="en-GB" sz="2400" dirty="0" err="1"/>
-              <a:t>af</a:t>
-            </a:r>
-            <a:r>
-              <a:rPr lang="en-GB" sz="2400" dirty="0"/>
-              <a:t> </a:t>
-            </a:r>
-            <a:r>
-              <a:rPr lang="en-GB" sz="2400" dirty="0" err="1"/>
-              <a:t>betingelser</a:t>
-            </a:r>
-            <a:endParaRPr lang="en-GB" sz="2400" dirty="0"/>
-          </a:p>
-        </p:txBody>
-      </p:sp>
-      <p:sp>
-        <p:nvSpPr>
-          <p:cNvPr id="9" name="Content Placeholder 2">
-            <a:extLst>
-              <a:ext uri="{FF2B5EF4-FFF2-40B4-BE49-F238E27FC236}">
-                <a16:creationId xmlns:a16="http://schemas.microsoft.com/office/drawing/2014/main" id="{445F9F68-01BF-6741-B548-46BBF40CF19E}"/>
-              </a:ext>
-            </a:extLst>
-          </p:cNvPr>
-          <p:cNvSpPr txBox="1">
-            <a:spLocks/>
-          </p:cNvSpPr>
-          <p:nvPr/>
-        </p:nvSpPr>
-        <p:spPr>
-          <a:xfrm>
-            <a:off x="4646113" y="1800981"/>
-            <a:ext cx="2541071" cy="2225250"/>
-          </a:xfrm>
-          <a:prstGeom prst="rect">
-            <a:avLst/>
-          </a:prstGeom>
-        </p:spPr>
-        <p:txBody>
-          <a:bodyPr vert="horz" lIns="91440" tIns="45720" rIns="91440" bIns="45720" rtlCol="0">
-            <a:noAutofit/>
-          </a:bodyPr>
-          <a:lstStyle>
-            <a:lvl1pPr marL="228600" indent="-228600" algn="l" defTabSz="914400" rtl="0" eaLnBrk="1" latinLnBrk="0" hangingPunct="1">
-              <a:lnSpc>
-                <a:spcPct val="90000"/>
-              </a:lnSpc>
-              <a:spcBef>
-                <a:spcPts val="1000"/>
-              </a:spcBef>
-              <a:buFont typeface="Arial" panose="020B0604020202020204" pitchFamily="34" charset="0"/>
-              <a:buChar char="•"/>
-              <a:defRPr sz="2800" kern="1200">
-                <a:solidFill>
-                  <a:schemeClr val="tx1"/>
-                </a:solidFill>
-                <a:latin typeface="+mn-lt"/>
-                <a:ea typeface="+mn-ea"/>
-                <a:cs typeface="+mn-cs"/>
-              </a:defRPr>
-            </a:lvl1pPr>
-            <a:lvl2pPr marL="685800" indent="-228600" algn="l" defTabSz="914400" rtl="0" eaLnBrk="1" latinLnBrk="0" hangingPunct="1">
-              <a:lnSpc>
-                <a:spcPct val="90000"/>
-              </a:lnSpc>
-              <a:spcBef>
-                <a:spcPts val="500"/>
-              </a:spcBef>
-              <a:buFont typeface="Arial" panose="020B0604020202020204" pitchFamily="34" charset="0"/>
-              <a:buChar char="•"/>
-              <a:defRPr sz="2400" kern="1200">
-                <a:solidFill>
-                  <a:schemeClr val="tx1"/>
-                </a:solidFill>
-                <a:latin typeface="+mn-lt"/>
-                <a:ea typeface="+mn-ea"/>
-                <a:cs typeface="+mn-cs"/>
-              </a:defRPr>
-            </a:lvl2pPr>
-            <a:lvl3pPr marL="1143000" indent="-228600" algn="l" defTabSz="914400" rtl="0" eaLnBrk="1" latinLnBrk="0" hangingPunct="1">
-              <a:lnSpc>
-                <a:spcPct val="90000"/>
-              </a:lnSpc>
-              <a:spcBef>
-                <a:spcPts val="500"/>
-              </a:spcBef>
-              <a:buFont typeface="Arial" panose="020B0604020202020204" pitchFamily="34" charset="0"/>
-              <a:buChar char="•"/>
-              <a:defRPr sz="2000" kern="1200">
-                <a:solidFill>
-                  <a:schemeClr val="tx1"/>
-                </a:solidFill>
-                <a:latin typeface="+mn-lt"/>
-                <a:ea typeface="+mn-ea"/>
-                <a:cs typeface="+mn-cs"/>
-              </a:defRPr>
-            </a:lvl3pPr>
-            <a:lvl4pPr marL="1600200" indent="-228600" algn="l" defTabSz="914400" rtl="0" eaLnBrk="1" latinLnBrk="0" hangingPunct="1">
-              <a:lnSpc>
-                <a:spcPct val="90000"/>
-              </a:lnSpc>
-              <a:spcBef>
-                <a:spcPts val="500"/>
-              </a:spcBef>
-              <a:buFont typeface="Arial" panose="020B0604020202020204" pitchFamily="34" charset="0"/>
-              <a:buChar char="•"/>
-              <a:defRPr sz="1800" kern="1200">
-                <a:solidFill>
-                  <a:schemeClr val="tx1"/>
-                </a:solidFill>
-                <a:latin typeface="+mn-lt"/>
-                <a:ea typeface="+mn-ea"/>
-                <a:cs typeface="+mn-cs"/>
-              </a:defRPr>
-            </a:lvl4pPr>
-            <a:lvl5pPr marL="2057400" indent="-228600" algn="l" defTabSz="914400" rtl="0" eaLnBrk="1" latinLnBrk="0" hangingPunct="1">
-              <a:lnSpc>
-                <a:spcPct val="90000"/>
-              </a:lnSpc>
-              <a:spcBef>
-                <a:spcPts val="500"/>
-              </a:spcBef>
-              <a:buFont typeface="Arial" panose="020B0604020202020204" pitchFamily="34" charset="0"/>
-              <a:buChar char="•"/>
-              <a:defRPr sz="1800" kern="1200">
-                <a:solidFill>
-                  <a:schemeClr val="tx1"/>
-                </a:solidFill>
-                <a:latin typeface="+mn-lt"/>
-                <a:ea typeface="+mn-ea"/>
-                <a:cs typeface="+mn-cs"/>
-              </a:defRPr>
-            </a:lvl5pPr>
-            <a:lvl6pPr marL="2514600" indent="-228600" algn="l" defTabSz="914400" rtl="0" eaLnBrk="1" latinLnBrk="0" hangingPunct="1">
-              <a:lnSpc>
-                <a:spcPct val="90000"/>
-              </a:lnSpc>
-              <a:spcBef>
-                <a:spcPts val="500"/>
-              </a:spcBef>
-              <a:buFont typeface="Arial" panose="020B0604020202020204" pitchFamily="34" charset="0"/>
-              <a:buChar char="•"/>
-              <a:defRPr sz="1800" kern="1200">
-                <a:solidFill>
-                  <a:schemeClr val="tx1"/>
-                </a:solidFill>
-                <a:latin typeface="+mn-lt"/>
-                <a:ea typeface="+mn-ea"/>
-                <a:cs typeface="+mn-cs"/>
-              </a:defRPr>
-            </a:lvl6pPr>
-            <a:lvl7pPr marL="2971800" indent="-228600" algn="l" defTabSz="914400" rtl="0" eaLnBrk="1" latinLnBrk="0" hangingPunct="1">
-              <a:lnSpc>
-                <a:spcPct val="90000"/>
-              </a:lnSpc>
-              <a:spcBef>
-                <a:spcPts val="500"/>
-              </a:spcBef>
-              <a:buFont typeface="Arial" panose="020B0604020202020204" pitchFamily="34" charset="0"/>
-              <a:buChar char="•"/>
-              <a:defRPr sz="1800" kern="1200">
-                <a:solidFill>
-                  <a:schemeClr val="tx1"/>
-                </a:solidFill>
-                <a:latin typeface="+mn-lt"/>
-                <a:ea typeface="+mn-ea"/>
-                <a:cs typeface="+mn-cs"/>
-              </a:defRPr>
-            </a:lvl7pPr>
-            <a:lvl8pPr marL="3429000" indent="-228600" algn="l" defTabSz="914400" rtl="0" eaLnBrk="1" latinLnBrk="0" hangingPunct="1">
-              <a:lnSpc>
-                <a:spcPct val="90000"/>
-              </a:lnSpc>
-              <a:spcBef>
-                <a:spcPts val="500"/>
-              </a:spcBef>
-              <a:buFont typeface="Arial" panose="020B0604020202020204" pitchFamily="34" charset="0"/>
-              <a:buChar char="•"/>
-              <a:defRPr sz="1800" kern="1200">
-                <a:solidFill>
-                  <a:schemeClr val="tx1"/>
-                </a:solidFill>
-                <a:latin typeface="+mn-lt"/>
-                <a:ea typeface="+mn-ea"/>
-                <a:cs typeface="+mn-cs"/>
-              </a:defRPr>
-            </a:lvl8pPr>
-            <a:lvl9pPr marL="3886200" indent="-228600" algn="l" defTabSz="914400" rtl="0" eaLnBrk="1" latinLnBrk="0" hangingPunct="1">
-              <a:lnSpc>
-                <a:spcPct val="90000"/>
-              </a:lnSpc>
-              <a:spcBef>
-                <a:spcPts val="500"/>
-              </a:spcBef>
-              <a:buFont typeface="Arial" panose="020B0604020202020204" pitchFamily="34" charset="0"/>
-              <a:buChar char="•"/>
-              <a:defRPr sz="1800" kern="1200">
-                <a:solidFill>
-                  <a:schemeClr val="tx1"/>
-                </a:solidFill>
-                <a:latin typeface="+mn-lt"/>
-                <a:ea typeface="+mn-ea"/>
-                <a:cs typeface="+mn-cs"/>
-              </a:defRPr>
-            </a:lvl9pPr>
-          </a:lstStyle>
-          <a:p>
-            <a:pPr marL="0" indent="0">
-              <a:lnSpc>
-                <a:spcPct val="100000"/>
-              </a:lnSpc>
-              <a:buNone/>
-            </a:pPr>
-            <a:r>
-              <a:rPr lang="en-GB" sz="1600" dirty="0">
-                <a:latin typeface="DejaVu Sans Book" panose="020B0603030804020204" pitchFamily="34" charset="0"/>
-                <a:ea typeface="DejaVu Sans Book" panose="020B0603030804020204" pitchFamily="34" charset="0"/>
-                <a:cs typeface="DejaVu Sans Book" panose="020B0603030804020204" pitchFamily="34" charset="0"/>
-              </a:rPr>
-              <a:t>&gt; if 3 &lt; 2 then       </a:t>
-            </a:r>
-          </a:p>
-          <a:p>
-            <a:pPr marL="0" indent="0">
-              <a:lnSpc>
-                <a:spcPct val="100000"/>
-              </a:lnSpc>
-              <a:buNone/>
-            </a:pPr>
-            <a:r>
-              <a:rPr lang="en-GB" sz="1600" dirty="0">
-                <a:latin typeface="DejaVu Sans Book" panose="020B0603030804020204" pitchFamily="34" charset="0"/>
-                <a:ea typeface="DejaVu Sans Book" panose="020B0603030804020204" pitchFamily="34" charset="0"/>
-                <a:cs typeface="DejaVu Sans Book" panose="020B0603030804020204" pitchFamily="34" charset="0"/>
-              </a:rPr>
-              <a:t>-   </a:t>
-            </a:r>
-            <a:r>
-              <a:rPr lang="en-GB" sz="1600" dirty="0" err="1">
-                <a:latin typeface="DejaVu Sans Book" panose="020B0603030804020204" pitchFamily="34" charset="0"/>
-                <a:ea typeface="DejaVu Sans Book" panose="020B0603030804020204" pitchFamily="34" charset="0"/>
-                <a:cs typeface="DejaVu Sans Book" panose="020B0603030804020204" pitchFamily="34" charset="0"/>
-              </a:rPr>
-              <a:t>printfn</a:t>
-            </a:r>
-            <a:r>
-              <a:rPr lang="en-GB" sz="1600" dirty="0">
-                <a:latin typeface="DejaVu Sans Book" panose="020B0603030804020204" pitchFamily="34" charset="0"/>
-                <a:ea typeface="DejaVu Sans Book" panose="020B0603030804020204" pitchFamily="34" charset="0"/>
-                <a:cs typeface="DejaVu Sans Book" panose="020B0603030804020204" pitchFamily="34" charset="0"/>
-              </a:rPr>
-              <a:t> "3 &lt; 2"   </a:t>
-            </a:r>
-          </a:p>
-          <a:p>
-            <a:pPr marL="0" indent="0">
-              <a:lnSpc>
-                <a:spcPct val="100000"/>
-              </a:lnSpc>
-              <a:buNone/>
-            </a:pPr>
-            <a:r>
-              <a:rPr lang="en-GB" sz="1600" dirty="0">
-                <a:latin typeface="DejaVu Sans Book" panose="020B0603030804020204" pitchFamily="34" charset="0"/>
-                <a:ea typeface="DejaVu Sans Book" panose="020B0603030804020204" pitchFamily="34" charset="0"/>
-                <a:cs typeface="DejaVu Sans Book" panose="020B0603030804020204" pitchFamily="34" charset="0"/>
-              </a:rPr>
-              <a:t>- else                </a:t>
-            </a:r>
-          </a:p>
-          <a:p>
-            <a:pPr marL="0" indent="0">
-              <a:lnSpc>
-                <a:spcPct val="100000"/>
-              </a:lnSpc>
-              <a:buNone/>
-            </a:pPr>
-            <a:r>
-              <a:rPr lang="en-GB" sz="1600" dirty="0">
-                <a:latin typeface="DejaVu Sans Book" panose="020B0603030804020204" pitchFamily="34" charset="0"/>
-                <a:ea typeface="DejaVu Sans Book" panose="020B0603030804020204" pitchFamily="34" charset="0"/>
-                <a:cs typeface="DejaVu Sans Book" panose="020B0603030804020204" pitchFamily="34" charset="0"/>
-              </a:rPr>
-              <a:t>-   </a:t>
-            </a:r>
-            <a:r>
-              <a:rPr lang="en-GB" sz="1600" dirty="0" err="1">
-                <a:latin typeface="DejaVu Sans Book" panose="020B0603030804020204" pitchFamily="34" charset="0"/>
-                <a:ea typeface="DejaVu Sans Book" panose="020B0603030804020204" pitchFamily="34" charset="0"/>
-                <a:cs typeface="DejaVu Sans Book" panose="020B0603030804020204" pitchFamily="34" charset="0"/>
-              </a:rPr>
-              <a:t>printfn</a:t>
-            </a:r>
-            <a:r>
-              <a:rPr lang="en-GB" sz="1600" dirty="0">
-                <a:latin typeface="DejaVu Sans Book" panose="020B0603030804020204" pitchFamily="34" charset="0"/>
-                <a:ea typeface="DejaVu Sans Book" panose="020B0603030804020204" pitchFamily="34" charset="0"/>
-                <a:cs typeface="DejaVu Sans Book" panose="020B0603030804020204" pitchFamily="34" charset="0"/>
-              </a:rPr>
-              <a:t> "3 &gt;= 2";;</a:t>
-            </a:r>
-          </a:p>
-          <a:p>
-            <a:pPr marL="0" indent="0">
-              <a:lnSpc>
-                <a:spcPct val="100000"/>
-              </a:lnSpc>
-              <a:buNone/>
-            </a:pPr>
-            <a:r>
-              <a:rPr lang="en-GB" sz="1600" dirty="0">
-                <a:latin typeface="DejaVu Sans Book" panose="020B0603030804020204" pitchFamily="34" charset="0"/>
-                <a:ea typeface="DejaVu Sans Book" panose="020B0603030804020204" pitchFamily="34" charset="0"/>
-                <a:cs typeface="DejaVu Sans Book" panose="020B0603030804020204" pitchFamily="34" charset="0"/>
-              </a:rPr>
-              <a:t>3 &gt;= 2</a:t>
-            </a:r>
-          </a:p>
-          <a:p>
-            <a:pPr marL="0" indent="0">
-              <a:lnSpc>
-                <a:spcPct val="100000"/>
-              </a:lnSpc>
-              <a:buNone/>
-            </a:pPr>
-            <a:r>
-              <a:rPr lang="en-GB" sz="1600" dirty="0" err="1">
-                <a:latin typeface="DejaVu Sans Book" panose="020B0603030804020204" pitchFamily="34" charset="0"/>
-                <a:ea typeface="DejaVu Sans Book" panose="020B0603030804020204" pitchFamily="34" charset="0"/>
-                <a:cs typeface="DejaVu Sans Book" panose="020B0603030804020204" pitchFamily="34" charset="0"/>
-              </a:rPr>
-              <a:t>val</a:t>
-            </a:r>
-            <a:r>
-              <a:rPr lang="en-GB" sz="1600" dirty="0">
-                <a:latin typeface="DejaVu Sans Book" panose="020B0603030804020204" pitchFamily="34" charset="0"/>
-                <a:ea typeface="DejaVu Sans Book" panose="020B0603030804020204" pitchFamily="34" charset="0"/>
-                <a:cs typeface="DejaVu Sans Book" panose="020B0603030804020204" pitchFamily="34" charset="0"/>
-              </a:rPr>
-              <a:t> it : unit = ()</a:t>
-            </a:r>
-          </a:p>
-        </p:txBody>
-      </p:sp>
-      <p:cxnSp>
-        <p:nvCxnSpPr>
-          <p:cNvPr id="10" name="Straight Connector 9">
-            <a:extLst>
-              <a:ext uri="{FF2B5EF4-FFF2-40B4-BE49-F238E27FC236}">
-                <a16:creationId xmlns:a16="http://schemas.microsoft.com/office/drawing/2014/main" id="{4BA22578-D4F6-CC4B-B003-673CC66F18B3}"/>
-              </a:ext>
-            </a:extLst>
-          </p:cNvPr>
-          <p:cNvCxnSpPr>
-            <a:cxnSpLocks/>
-          </p:cNvCxnSpPr>
-          <p:nvPr/>
-        </p:nvCxnSpPr>
-        <p:spPr>
-          <a:xfrm>
-            <a:off x="4041738" y="1179190"/>
-            <a:ext cx="0" cy="5260571"/>
-          </a:xfrm>
-          <a:prstGeom prst="line">
-            <a:avLst/>
-          </a:prstGeom>
-        </p:spPr>
-        <p:style>
-          <a:lnRef idx="1">
-            <a:schemeClr val="accent1"/>
-          </a:lnRef>
-          <a:fillRef idx="0">
-            <a:schemeClr val="accent1"/>
-          </a:fillRef>
-          <a:effectRef idx="0">
-            <a:schemeClr val="accent1"/>
-          </a:effectRef>
-          <a:fontRef idx="minor">
-            <a:schemeClr val="tx1"/>
-          </a:fontRef>
-        </p:style>
-      </p:cxnSp>
-      <p:sp>
-        <p:nvSpPr>
-          <p:cNvPr id="11" name="TextBox 10">
-            <a:extLst>
-              <a:ext uri="{FF2B5EF4-FFF2-40B4-BE49-F238E27FC236}">
-                <a16:creationId xmlns:a16="http://schemas.microsoft.com/office/drawing/2014/main" id="{9EE123FE-C00C-844E-81A0-A07818ED05A8}"/>
-              </a:ext>
-            </a:extLst>
-          </p:cNvPr>
-          <p:cNvSpPr txBox="1"/>
-          <p:nvPr/>
-        </p:nvSpPr>
-        <p:spPr>
-          <a:xfrm>
-            <a:off x="4359253" y="1291656"/>
-            <a:ext cx="1615892" cy="461665"/>
-          </a:xfrm>
-          <a:prstGeom prst="rect">
-            <a:avLst/>
-          </a:prstGeom>
-          <a:noFill/>
-        </p:spPr>
-        <p:txBody>
-          <a:bodyPr wrap="none" rtlCol="0">
-            <a:spAutoFit/>
-          </a:bodyPr>
-          <a:lstStyle/>
-          <a:p>
-            <a:r>
-              <a:rPr lang="en-GB" sz="2400" dirty="0"/>
-              <a:t>If-then-else</a:t>
-            </a:r>
-          </a:p>
-        </p:txBody>
-      </p:sp>
-      <p:sp>
-        <p:nvSpPr>
-          <p:cNvPr id="12" name="Content Placeholder 2">
-            <a:extLst>
-              <a:ext uri="{FF2B5EF4-FFF2-40B4-BE49-F238E27FC236}">
-                <a16:creationId xmlns:a16="http://schemas.microsoft.com/office/drawing/2014/main" id="{799C16BE-621B-7645-BD01-AA8BD5034D93}"/>
-              </a:ext>
-            </a:extLst>
-          </p:cNvPr>
-          <p:cNvSpPr txBox="1">
-            <a:spLocks/>
-          </p:cNvSpPr>
-          <p:nvPr/>
-        </p:nvSpPr>
-        <p:spPr>
-          <a:xfrm>
-            <a:off x="4646112" y="4340561"/>
-            <a:ext cx="2957868" cy="2206543"/>
-          </a:xfrm>
-          <a:prstGeom prst="rect">
-            <a:avLst/>
-          </a:prstGeom>
-        </p:spPr>
-        <p:txBody>
-          <a:bodyPr vert="horz" lIns="91440" tIns="45720" rIns="91440" bIns="45720" rtlCol="0">
-            <a:noAutofit/>
-          </a:bodyPr>
-          <a:lstStyle>
-            <a:lvl1pPr marL="228600" indent="-228600" algn="l" defTabSz="914400" rtl="0" eaLnBrk="1" latinLnBrk="0" hangingPunct="1">
-              <a:lnSpc>
-                <a:spcPct val="90000"/>
-              </a:lnSpc>
-              <a:spcBef>
-                <a:spcPts val="1000"/>
-              </a:spcBef>
-              <a:buFont typeface="Arial" panose="020B0604020202020204" pitchFamily="34" charset="0"/>
-              <a:buChar char="•"/>
-              <a:defRPr sz="2800" kern="1200">
-                <a:solidFill>
-                  <a:schemeClr val="tx1"/>
-                </a:solidFill>
-                <a:latin typeface="+mn-lt"/>
-                <a:ea typeface="+mn-ea"/>
-                <a:cs typeface="+mn-cs"/>
-              </a:defRPr>
-            </a:lvl1pPr>
-            <a:lvl2pPr marL="685800" indent="-228600" algn="l" defTabSz="914400" rtl="0" eaLnBrk="1" latinLnBrk="0" hangingPunct="1">
-              <a:lnSpc>
-                <a:spcPct val="90000"/>
-              </a:lnSpc>
-              <a:spcBef>
-                <a:spcPts val="500"/>
-              </a:spcBef>
-              <a:buFont typeface="Arial" panose="020B0604020202020204" pitchFamily="34" charset="0"/>
-              <a:buChar char="•"/>
-              <a:defRPr sz="2400" kern="1200">
-                <a:solidFill>
-                  <a:schemeClr val="tx1"/>
-                </a:solidFill>
-                <a:latin typeface="+mn-lt"/>
-                <a:ea typeface="+mn-ea"/>
-                <a:cs typeface="+mn-cs"/>
-              </a:defRPr>
-            </a:lvl2pPr>
-            <a:lvl3pPr marL="1143000" indent="-228600" algn="l" defTabSz="914400" rtl="0" eaLnBrk="1" latinLnBrk="0" hangingPunct="1">
-              <a:lnSpc>
-                <a:spcPct val="90000"/>
-              </a:lnSpc>
-              <a:spcBef>
-                <a:spcPts val="500"/>
-              </a:spcBef>
-              <a:buFont typeface="Arial" panose="020B0604020202020204" pitchFamily="34" charset="0"/>
-              <a:buChar char="•"/>
-              <a:defRPr sz="2000" kern="1200">
-                <a:solidFill>
-                  <a:schemeClr val="tx1"/>
-                </a:solidFill>
-                <a:latin typeface="+mn-lt"/>
-                <a:ea typeface="+mn-ea"/>
-                <a:cs typeface="+mn-cs"/>
-              </a:defRPr>
-            </a:lvl3pPr>
-            <a:lvl4pPr marL="1600200" indent="-228600" algn="l" defTabSz="914400" rtl="0" eaLnBrk="1" latinLnBrk="0" hangingPunct="1">
-              <a:lnSpc>
-                <a:spcPct val="90000"/>
-              </a:lnSpc>
-              <a:spcBef>
-                <a:spcPts val="500"/>
-              </a:spcBef>
-              <a:buFont typeface="Arial" panose="020B0604020202020204" pitchFamily="34" charset="0"/>
-              <a:buChar char="•"/>
-              <a:defRPr sz="1800" kern="1200">
-                <a:solidFill>
-                  <a:schemeClr val="tx1"/>
-                </a:solidFill>
-                <a:latin typeface="+mn-lt"/>
-                <a:ea typeface="+mn-ea"/>
-                <a:cs typeface="+mn-cs"/>
-              </a:defRPr>
-            </a:lvl4pPr>
-            <a:lvl5pPr marL="2057400" indent="-228600" algn="l" defTabSz="914400" rtl="0" eaLnBrk="1" latinLnBrk="0" hangingPunct="1">
-              <a:lnSpc>
-                <a:spcPct val="90000"/>
-              </a:lnSpc>
-              <a:spcBef>
-                <a:spcPts val="500"/>
-              </a:spcBef>
-              <a:buFont typeface="Arial" panose="020B0604020202020204" pitchFamily="34" charset="0"/>
-              <a:buChar char="•"/>
-              <a:defRPr sz="1800" kern="1200">
-                <a:solidFill>
-                  <a:schemeClr val="tx1"/>
-                </a:solidFill>
-                <a:latin typeface="+mn-lt"/>
-                <a:ea typeface="+mn-ea"/>
-                <a:cs typeface="+mn-cs"/>
-              </a:defRPr>
-            </a:lvl5pPr>
-            <a:lvl6pPr marL="2514600" indent="-228600" algn="l" defTabSz="914400" rtl="0" eaLnBrk="1" latinLnBrk="0" hangingPunct="1">
-              <a:lnSpc>
-                <a:spcPct val="90000"/>
-              </a:lnSpc>
-              <a:spcBef>
-                <a:spcPts val="500"/>
-              </a:spcBef>
-              <a:buFont typeface="Arial" panose="020B0604020202020204" pitchFamily="34" charset="0"/>
-              <a:buChar char="•"/>
-              <a:defRPr sz="1800" kern="1200">
-                <a:solidFill>
-                  <a:schemeClr val="tx1"/>
-                </a:solidFill>
-                <a:latin typeface="+mn-lt"/>
-                <a:ea typeface="+mn-ea"/>
-                <a:cs typeface="+mn-cs"/>
-              </a:defRPr>
-            </a:lvl6pPr>
-            <a:lvl7pPr marL="2971800" indent="-228600" algn="l" defTabSz="914400" rtl="0" eaLnBrk="1" latinLnBrk="0" hangingPunct="1">
-              <a:lnSpc>
-                <a:spcPct val="90000"/>
-              </a:lnSpc>
-              <a:spcBef>
-                <a:spcPts val="500"/>
-              </a:spcBef>
-              <a:buFont typeface="Arial" panose="020B0604020202020204" pitchFamily="34" charset="0"/>
-              <a:buChar char="•"/>
-              <a:defRPr sz="1800" kern="1200">
-                <a:solidFill>
-                  <a:schemeClr val="tx1"/>
-                </a:solidFill>
-                <a:latin typeface="+mn-lt"/>
-                <a:ea typeface="+mn-ea"/>
-                <a:cs typeface="+mn-cs"/>
-              </a:defRPr>
-            </a:lvl7pPr>
-            <a:lvl8pPr marL="3429000" indent="-228600" algn="l" defTabSz="914400" rtl="0" eaLnBrk="1" latinLnBrk="0" hangingPunct="1">
-              <a:lnSpc>
-                <a:spcPct val="90000"/>
-              </a:lnSpc>
-              <a:spcBef>
-                <a:spcPts val="500"/>
-              </a:spcBef>
-              <a:buFont typeface="Arial" panose="020B0604020202020204" pitchFamily="34" charset="0"/>
-              <a:buChar char="•"/>
-              <a:defRPr sz="1800" kern="1200">
-                <a:solidFill>
-                  <a:schemeClr val="tx1"/>
-                </a:solidFill>
-                <a:latin typeface="+mn-lt"/>
-                <a:ea typeface="+mn-ea"/>
-                <a:cs typeface="+mn-cs"/>
-              </a:defRPr>
-            </a:lvl8pPr>
-            <a:lvl9pPr marL="3886200" indent="-228600" algn="l" defTabSz="914400" rtl="0" eaLnBrk="1" latinLnBrk="0" hangingPunct="1">
-              <a:lnSpc>
-                <a:spcPct val="90000"/>
-              </a:lnSpc>
-              <a:spcBef>
-                <a:spcPts val="500"/>
-              </a:spcBef>
-              <a:buFont typeface="Arial" panose="020B0604020202020204" pitchFamily="34" charset="0"/>
-              <a:buChar char="•"/>
-              <a:defRPr sz="1800" kern="1200">
-                <a:solidFill>
-                  <a:schemeClr val="tx1"/>
-                </a:solidFill>
-                <a:latin typeface="+mn-lt"/>
-                <a:ea typeface="+mn-ea"/>
-                <a:cs typeface="+mn-cs"/>
-              </a:defRPr>
-            </a:lvl9pPr>
-          </a:lstStyle>
-          <a:p>
-            <a:pPr marL="0" indent="0">
-              <a:lnSpc>
-                <a:spcPct val="100000"/>
-              </a:lnSpc>
-              <a:buNone/>
-            </a:pPr>
-            <a:r>
-              <a:rPr lang="en-GB" sz="1600" dirty="0">
-                <a:latin typeface="DejaVu Sans Book" panose="020B0603030804020204" pitchFamily="34" charset="0"/>
-                <a:ea typeface="DejaVu Sans Book" panose="020B0603030804020204" pitchFamily="34" charset="0"/>
-                <a:cs typeface="DejaVu Sans Book" panose="020B0603030804020204" pitchFamily="34" charset="0"/>
-              </a:rPr>
-              <a:t>&gt; let </a:t>
-            </a:r>
-            <a:r>
-              <a:rPr lang="en-GB" sz="1600" dirty="0" err="1">
-                <a:latin typeface="DejaVu Sans Book" panose="020B0603030804020204" pitchFamily="34" charset="0"/>
-                <a:ea typeface="DejaVu Sans Book" panose="020B0603030804020204" pitchFamily="34" charset="0"/>
-                <a:cs typeface="DejaVu Sans Book" panose="020B0603030804020204" pitchFamily="34" charset="0"/>
-              </a:rPr>
-              <a:t>str</a:t>
-            </a:r>
-            <a:r>
-              <a:rPr lang="en-GB" sz="1600" dirty="0">
-                <a:latin typeface="DejaVu Sans Book" panose="020B0603030804020204" pitchFamily="34" charset="0"/>
-                <a:ea typeface="DejaVu Sans Book" panose="020B0603030804020204" pitchFamily="34" charset="0"/>
-                <a:cs typeface="DejaVu Sans Book" panose="020B0603030804020204" pitchFamily="34" charset="0"/>
-              </a:rPr>
-              <a:t> =</a:t>
-            </a:r>
-          </a:p>
-          <a:p>
-            <a:pPr marL="0" indent="0">
-              <a:lnSpc>
-                <a:spcPct val="100000"/>
-              </a:lnSpc>
-              <a:buNone/>
-            </a:pPr>
-            <a:r>
-              <a:rPr lang="en-GB" sz="1600" dirty="0">
-                <a:latin typeface="DejaVu Sans Book" panose="020B0603030804020204" pitchFamily="34" charset="0"/>
-                <a:ea typeface="DejaVu Sans Book" panose="020B0603030804020204" pitchFamily="34" charset="0"/>
-                <a:cs typeface="DejaVu Sans Book" panose="020B0603030804020204" pitchFamily="34" charset="0"/>
-              </a:rPr>
-              <a:t>-   if 3 &lt; 2 then</a:t>
-            </a:r>
-          </a:p>
-          <a:p>
-            <a:pPr marL="0" indent="0">
-              <a:lnSpc>
-                <a:spcPct val="100000"/>
-              </a:lnSpc>
-              <a:buNone/>
-            </a:pPr>
-            <a:r>
-              <a:rPr lang="en-GB" sz="1600" dirty="0">
-                <a:latin typeface="DejaVu Sans Book" panose="020B0603030804020204" pitchFamily="34" charset="0"/>
-                <a:ea typeface="DejaVu Sans Book" panose="020B0603030804020204" pitchFamily="34" charset="0"/>
-                <a:cs typeface="DejaVu Sans Book" panose="020B0603030804020204" pitchFamily="34" charset="0"/>
-              </a:rPr>
-              <a:t>-     "3 &lt; 2"</a:t>
-            </a:r>
-          </a:p>
-          <a:p>
-            <a:pPr marL="0" indent="0">
-              <a:lnSpc>
-                <a:spcPct val="100000"/>
-              </a:lnSpc>
-              <a:buNone/>
-            </a:pPr>
-            <a:r>
-              <a:rPr lang="en-GB" sz="1600" dirty="0">
-                <a:latin typeface="DejaVu Sans Book" panose="020B0603030804020204" pitchFamily="34" charset="0"/>
-                <a:ea typeface="DejaVu Sans Book" panose="020B0603030804020204" pitchFamily="34" charset="0"/>
-                <a:cs typeface="DejaVu Sans Book" panose="020B0603030804020204" pitchFamily="34" charset="0"/>
-              </a:rPr>
-              <a:t>-   else</a:t>
-            </a:r>
-          </a:p>
-          <a:p>
-            <a:pPr marL="0" indent="0">
-              <a:lnSpc>
-                <a:spcPct val="100000"/>
-              </a:lnSpc>
-              <a:buNone/>
-            </a:pPr>
-            <a:r>
-              <a:rPr lang="en-GB" sz="1600" dirty="0">
-                <a:latin typeface="DejaVu Sans Book" panose="020B0603030804020204" pitchFamily="34" charset="0"/>
-                <a:ea typeface="DejaVu Sans Book" panose="020B0603030804020204" pitchFamily="34" charset="0"/>
-                <a:cs typeface="DejaVu Sans Book" panose="020B0603030804020204" pitchFamily="34" charset="0"/>
-              </a:rPr>
-              <a:t>-     "3 &gt;= 2";;</a:t>
-            </a:r>
-          </a:p>
-          <a:p>
-            <a:pPr marL="0" indent="0">
-              <a:lnSpc>
-                <a:spcPct val="100000"/>
-              </a:lnSpc>
-              <a:buNone/>
-            </a:pPr>
-            <a:r>
-              <a:rPr lang="en-GB" sz="1600" dirty="0" err="1">
-                <a:latin typeface="DejaVu Sans Book" panose="020B0603030804020204" pitchFamily="34" charset="0"/>
-                <a:ea typeface="DejaVu Sans Book" panose="020B0603030804020204" pitchFamily="34" charset="0"/>
-                <a:cs typeface="DejaVu Sans Book" panose="020B0603030804020204" pitchFamily="34" charset="0"/>
-              </a:rPr>
-              <a:t>val</a:t>
-            </a:r>
-            <a:r>
-              <a:rPr lang="en-GB" sz="1600" dirty="0">
-                <a:latin typeface="DejaVu Sans Book" panose="020B0603030804020204" pitchFamily="34" charset="0"/>
-                <a:ea typeface="DejaVu Sans Book" panose="020B0603030804020204" pitchFamily="34" charset="0"/>
-                <a:cs typeface="DejaVu Sans Book" panose="020B0603030804020204" pitchFamily="34" charset="0"/>
-              </a:rPr>
-              <a:t> </a:t>
-            </a:r>
-            <a:r>
-              <a:rPr lang="en-GB" sz="1600" dirty="0" err="1">
-                <a:latin typeface="DejaVu Sans Book" panose="020B0603030804020204" pitchFamily="34" charset="0"/>
-                <a:ea typeface="DejaVu Sans Book" panose="020B0603030804020204" pitchFamily="34" charset="0"/>
-                <a:cs typeface="DejaVu Sans Book" panose="020B0603030804020204" pitchFamily="34" charset="0"/>
-              </a:rPr>
-              <a:t>str</a:t>
-            </a:r>
-            <a:r>
-              <a:rPr lang="en-GB" sz="1600" dirty="0">
-                <a:latin typeface="DejaVu Sans Book" panose="020B0603030804020204" pitchFamily="34" charset="0"/>
-                <a:ea typeface="DejaVu Sans Book" panose="020B0603030804020204" pitchFamily="34" charset="0"/>
-                <a:cs typeface="DejaVu Sans Book" panose="020B0603030804020204" pitchFamily="34" charset="0"/>
-              </a:rPr>
-              <a:t> : string = "3 &gt;= 2"</a:t>
-            </a:r>
-          </a:p>
-        </p:txBody>
-      </p:sp>
-    </p:spTree>
-    <p:extLst>
-      <p:ext uri="{BB962C8B-B14F-4D97-AF65-F5344CB8AC3E}">
-        <p14:creationId xmlns:p14="http://schemas.microsoft.com/office/powerpoint/2010/main" val="2839907258"/>
-      </p:ext>
-    </p:extLst>
-  </p:cSld>
-  <p:clrMapOvr>
-    <a:masterClrMapping/>
-  </p:clrMapOvr>
-  <p:timing>
-    <p:tnLst>
-      <p:par>
-        <p:cTn id="1" dur="indefinite" restart="never" nodeType="tmRoot">
-          <p:childTnLst>
-            <p:seq concurrent="1" nextAc="seek">
-              <p:cTn id="2" dur="indefinite" nodeType="mainSeq">
-                <p:childTnLst>
-                  <p:par>
-                    <p:cTn id="3" fill="hold">
-                      <p:stCondLst>
-                        <p:cond delay="indefinite"/>
-                      </p:stCondLst>
-                      <p:childTnLst>
-                        <p:par>
-                          <p:cTn id="4" fill="hold">
-                            <p:stCondLst>
-                              <p:cond delay="0"/>
-                            </p:stCondLst>
-                            <p:childTnLst>
-                              <p:par>
-                                <p:cTn id="5" presetID="1" presetClass="entr" presetSubtype="0" fill="hold" nodeType="clickEffect">
-                                  <p:stCondLst>
-                                    <p:cond delay="0"/>
-                                  </p:stCondLst>
-                                  <p:childTnLst>
-                                    <p:set>
-                                      <p:cBhvr>
-                                        <p:cTn id="6" dur="1" fill="hold">
-                                          <p:stCondLst>
-                                            <p:cond delay="0"/>
-                                          </p:stCondLst>
-                                        </p:cTn>
-                                        <p:tgtEl>
-                                          <p:spTgt spid="10"/>
-                                        </p:tgtEl>
-                                        <p:attrNameLst>
-                                          <p:attrName>style.visibility</p:attrName>
-                                        </p:attrNameLst>
-                                      </p:cBhvr>
-                                      <p:to>
-                                        <p:strVal val="visible"/>
-                                      </p:to>
-                                    </p:set>
-                                  </p:childTnLst>
-                                </p:cTn>
-                              </p:par>
-                              <p:par>
-                                <p:cTn id="7" presetID="1" presetClass="entr" presetSubtype="0" fill="hold" grpId="0" nodeType="withEffect">
-                                  <p:stCondLst>
-                                    <p:cond delay="0"/>
-                                  </p:stCondLst>
-                                  <p:childTnLst>
-                                    <p:set>
-                                      <p:cBhvr>
-                                        <p:cTn id="8" dur="1" fill="hold">
-                                          <p:stCondLst>
-                                            <p:cond delay="0"/>
-                                          </p:stCondLst>
-                                        </p:cTn>
-                                        <p:tgtEl>
-                                          <p:spTgt spid="11"/>
-                                        </p:tgtEl>
-                                        <p:attrNameLst>
-                                          <p:attrName>style.visibility</p:attrName>
-                                        </p:attrNameLst>
-                                      </p:cBhvr>
-                                      <p:to>
-                                        <p:strVal val="visible"/>
-                                      </p:to>
-                                    </p:set>
-                                  </p:childTnLst>
-                                </p:cTn>
-                              </p:par>
-                              <p:par>
-                                <p:cTn id="9" presetID="1" presetClass="entr" presetSubtype="0" fill="hold" grpId="0" nodeType="withEffect">
-                                  <p:stCondLst>
-                                    <p:cond delay="0"/>
-                                  </p:stCondLst>
-                                  <p:childTnLst>
-                                    <p:set>
-                                      <p:cBhvr>
-                                        <p:cTn id="10" dur="1" fill="hold">
-                                          <p:stCondLst>
-                                            <p:cond delay="0"/>
-                                          </p:stCondLst>
-                                        </p:cTn>
-                                        <p:tgtEl>
-                                          <p:spTgt spid="9"/>
-                                        </p:tgtEl>
-                                        <p:attrNameLst>
-                                          <p:attrName>style.visibility</p:attrName>
-                                        </p:attrNameLst>
-                                      </p:cBhvr>
-                                      <p:to>
-                                        <p:strVal val="visible"/>
-                                      </p:to>
-                                    </p:set>
-                                  </p:childTnLst>
-                                </p:cTn>
-                              </p:par>
-                            </p:childTnLst>
-                          </p:cTn>
-                        </p:par>
-                      </p:childTnLst>
-                    </p:cTn>
-                  </p:par>
-                  <p:par>
-                    <p:cTn id="11" fill="hold">
-                      <p:stCondLst>
-                        <p:cond delay="indefinite"/>
-                      </p:stCondLst>
-                      <p:childTnLst>
-                        <p:par>
-                          <p:cTn id="12" fill="hold">
-                            <p:stCondLst>
-                              <p:cond delay="0"/>
-                            </p:stCondLst>
-                            <p:childTnLst>
-                              <p:par>
-                                <p:cTn id="13" presetID="1" presetClass="entr" presetSubtype="0" fill="hold" grpId="0" nodeType="clickEffect">
-                                  <p:stCondLst>
-                                    <p:cond delay="0"/>
-                                  </p:stCondLst>
-                                  <p:childTnLst>
-                                    <p:set>
-                                      <p:cBhvr>
-                                        <p:cTn id="14" dur="1" fill="hold">
-                                          <p:stCondLst>
-                                            <p:cond delay="0"/>
-                                          </p:stCondLst>
-                                        </p:cTn>
-                                        <p:tgtEl>
-                                          <p:spTgt spid="12"/>
-                                        </p:tgtEl>
-                                        <p:attrNameLst>
-                                          <p:attrName>style.visibility</p:attrName>
-                                        </p:attrNameLst>
-                                      </p:cBhvr>
-                                      <p:to>
-                                        <p:strVal val="visible"/>
-                                      </p:to>
-                                    </p:set>
-                                  </p:childTnLst>
-                                </p:cTn>
-                              </p:par>
-                            </p:childTnLst>
-                          </p:cTn>
-                        </p:par>
-                      </p:childTnLst>
-                    </p:cTn>
-                  </p:par>
-                  <p:par>
-                    <p:cTn id="15" fill="hold">
-                      <p:stCondLst>
-                        <p:cond delay="indefinite"/>
-                      </p:stCondLst>
-                      <p:childTnLst>
-                        <p:par>
-                          <p:cTn id="16" fill="hold">
-                            <p:stCondLst>
-                              <p:cond delay="0"/>
-                            </p:stCondLst>
-                            <p:childTnLst>
-                              <p:par>
-                                <p:cTn id="17" presetID="1" presetClass="entr" presetSubtype="0" fill="hold" nodeType="clickEffect">
-                                  <p:stCondLst>
-                                    <p:cond delay="0"/>
-                                  </p:stCondLst>
-                                  <p:childTnLst>
-                                    <p:set>
-                                      <p:cBhvr>
-                                        <p:cTn id="18" dur="1" fill="hold">
-                                          <p:stCondLst>
-                                            <p:cond delay="0"/>
-                                          </p:stCondLst>
-                                        </p:cTn>
-                                        <p:tgtEl>
-                                          <p:spTgt spid="7"/>
-                                        </p:tgtEl>
-                                        <p:attrNameLst>
-                                          <p:attrName>style.visibility</p:attrName>
-                                        </p:attrNameLst>
-                                      </p:cBhvr>
-                                      <p:to>
-                                        <p:strVal val="visible"/>
-                                      </p:to>
-                                    </p:set>
-                                  </p:childTnLst>
-                                </p:cTn>
-                              </p:par>
-                              <p:par>
-                                <p:cTn id="19" presetID="1" presetClass="entr" presetSubtype="0" fill="hold" grpId="0" nodeType="withEffect">
-                                  <p:stCondLst>
-                                    <p:cond delay="0"/>
-                                  </p:stCondLst>
-                                  <p:childTnLst>
-                                    <p:set>
-                                      <p:cBhvr>
-                                        <p:cTn id="20" dur="1" fill="hold">
-                                          <p:stCondLst>
-                                            <p:cond delay="0"/>
-                                          </p:stCondLst>
-                                        </p:cTn>
-                                        <p:tgtEl>
-                                          <p:spTgt spid="8"/>
-                                        </p:tgtEl>
-                                        <p:attrNameLst>
-                                          <p:attrName>style.visibility</p:attrName>
-                                        </p:attrNameLst>
-                                      </p:cBhvr>
-                                      <p:to>
-                                        <p:strVal val="visible"/>
-                                      </p:to>
-                                    </p:set>
-                                  </p:childTnLst>
-                                </p:cTn>
-                              </p:par>
-                              <p:par>
-                                <p:cTn id="21" presetID="1" presetClass="entr" presetSubtype="0" fill="hold" grpId="0" nodeType="withEffect">
-                                  <p:stCondLst>
-                                    <p:cond delay="0"/>
-                                  </p:stCondLst>
-                                  <p:childTnLst>
-                                    <p:set>
-                                      <p:cBhvr>
-                                        <p:cTn id="22" dur="1" fill="hold">
-                                          <p:stCondLst>
-                                            <p:cond delay="0"/>
-                                          </p:stCondLst>
-                                        </p:cTn>
-                                        <p:tgtEl>
-                                          <p:spTgt spid="6"/>
-                                        </p:tgtEl>
-                                        <p:attrNameLst>
-                                          <p:attrName>style.visibility</p:attrName>
-                                        </p:attrNameLst>
-                                      </p:cBhvr>
-                                      <p:to>
-                                        <p:strVal val="visible"/>
-                                      </p:to>
-                                    </p:set>
-                                  </p:childTnLst>
-                                </p:cTn>
-                              </p:par>
-                            </p:childTnLst>
-                          </p:cTn>
-                        </p:par>
-                      </p:childTnLst>
-                    </p:cTn>
-                  </p:par>
-                </p:childTnLst>
-              </p:cTn>
-              <p:prevCondLst>
-                <p:cond evt="onPrev" delay="0">
-                  <p:tgtEl>
-                    <p:sldTgt/>
-                  </p:tgtEl>
-                </p:cond>
-              </p:prevCondLst>
-              <p:nextCondLst>
-                <p:cond evt="onNext" delay="0">
-                  <p:tgtEl>
-                    <p:sldTgt/>
-                  </p:tgtEl>
-                </p:cond>
-              </p:nextCondLst>
-            </p:seq>
-          </p:childTnLst>
-        </p:cTn>
-      </p:par>
-    </p:tnLst>
-    <p:bldLst>
-      <p:bldP spid="6" grpId="0"/>
-      <p:bldP spid="8" grpId="0"/>
-      <p:bldP spid="9" grpId="0"/>
-      <p:bldP spid="11" grpId="0"/>
-      <p:bldP spid="12" grpId="0"/>
-    </p:bldLst>
-  </p:timing>
-</p:sld>
-</file>
-
-<file path=ppt/slides/slide16.xml><?xml version="1.0" encoding="utf-8"?>
-<p:sld xmlns:a="http://schemas.openxmlformats.org/drawingml/2006/main" xmlns:r="http://schemas.openxmlformats.org/officeDocument/2006/relationships" xmlns:p="http://schemas.openxmlformats.org/presentationml/2006/main">
+<file path=ppt/slides/slide14.xml><?xml version="1.0" encoding="utf-8"?>
+<p:sld xmlns:a="http://schemas.openxmlformats.org/drawingml/2006/main" xmlns:r="http://schemas.openxmlformats.org/officeDocument/2006/relationships" xmlns:p="http://schemas.openxmlformats.org/presentationml/2006/main" show="0">
   <p:cSld>
     <p:spTree>
       <p:nvGrpSpPr>
@@ -16793,1174 +14271,7 @@
 </p:sld>
 </file>
 
-<file path=ppt/slides/slide17.xml><?xml version="1.0" encoding="utf-8"?>
-<p:sld xmlns:a="http://schemas.openxmlformats.org/drawingml/2006/main" xmlns:r="http://schemas.openxmlformats.org/officeDocument/2006/relationships" xmlns:p="http://schemas.openxmlformats.org/presentationml/2006/main">
-  <p:cSld>
-    <p:spTree>
-      <p:nvGrpSpPr>
-        <p:cNvPr id="1" name=""/>
-        <p:cNvGrpSpPr/>
-        <p:nvPr/>
-      </p:nvGrpSpPr>
-      <p:grpSpPr>
-        <a:xfrm>
-          <a:off x="0" y="0"/>
-          <a:ext cx="0" cy="0"/>
-          <a:chOff x="0" y="0"/>
-          <a:chExt cx="0" cy="0"/>
-        </a:xfrm>
-      </p:grpSpPr>
-      <p:sp>
-        <p:nvSpPr>
-          <p:cNvPr id="2" name="Title 1">
-            <a:extLst>
-              <a:ext uri="{FF2B5EF4-FFF2-40B4-BE49-F238E27FC236}">
-                <a16:creationId xmlns:a16="http://schemas.microsoft.com/office/drawing/2014/main" id="{F85C8F81-E87B-1C49-99CE-586F396DBC90}"/>
-              </a:ext>
-            </a:extLst>
-          </p:cNvPr>
-          <p:cNvSpPr>
-            <a:spLocks noGrp="1"/>
-          </p:cNvSpPr>
-          <p:nvPr>
-            <p:ph type="title"/>
-          </p:nvPr>
-        </p:nvSpPr>
-        <p:spPr/>
-        <p:txBody>
-          <a:bodyPr/>
-          <a:lstStyle/>
-          <a:p>
-            <a:r>
-              <a:rPr lang="da-DK" dirty="0"/>
-              <a:t>Hvad gør programmet?</a:t>
-            </a:r>
-          </a:p>
-        </p:txBody>
-      </p:sp>
-      <p:sp>
-        <p:nvSpPr>
-          <p:cNvPr id="4" name="Rectangle 3">
-            <a:extLst>
-              <a:ext uri="{FF2B5EF4-FFF2-40B4-BE49-F238E27FC236}">
-                <a16:creationId xmlns:a16="http://schemas.microsoft.com/office/drawing/2014/main" id="{96B8D5B3-4F89-744E-AF3A-A78EFF3F1F0E}"/>
-              </a:ext>
-            </a:extLst>
-          </p:cNvPr>
-          <p:cNvSpPr/>
-          <p:nvPr/>
-        </p:nvSpPr>
-        <p:spPr>
-          <a:xfrm>
-            <a:off x="4136136" y="2462844"/>
-            <a:ext cx="1789176" cy="1200329"/>
-          </a:xfrm>
-          <a:prstGeom prst="rect">
-            <a:avLst/>
-          </a:prstGeom>
-        </p:spPr>
-        <p:txBody>
-          <a:bodyPr wrap="square">
-            <a:spAutoFit/>
-          </a:bodyPr>
-          <a:lstStyle/>
-          <a:p>
-            <a:r>
-              <a:rPr lang="en-GB" dirty="0"/>
-              <a:t>let </a:t>
-            </a:r>
-            <a:r>
-              <a:rPr lang="en-GB" dirty="0" err="1"/>
-              <a:t>i</a:t>
-            </a:r>
-            <a:r>
-              <a:rPr lang="en-GB" dirty="0"/>
-              <a:t> = 0</a:t>
-            </a:r>
-          </a:p>
-          <a:p>
-            <a:r>
-              <a:rPr lang="en-GB" dirty="0"/>
-              <a:t>while </a:t>
-            </a:r>
-            <a:r>
-              <a:rPr lang="en-GB" dirty="0" err="1"/>
-              <a:t>i</a:t>
-            </a:r>
-            <a:r>
-              <a:rPr lang="en-GB" dirty="0"/>
-              <a:t> &lt; 3 do</a:t>
-            </a:r>
-          </a:p>
-          <a:p>
-            <a:r>
-              <a:rPr lang="en-GB" dirty="0"/>
-              <a:t>  let </a:t>
-            </a:r>
-            <a:r>
-              <a:rPr lang="en-GB" dirty="0" err="1"/>
-              <a:t>i</a:t>
-            </a:r>
-            <a:r>
-              <a:rPr lang="en-GB" dirty="0"/>
-              <a:t> = </a:t>
-            </a:r>
-            <a:r>
-              <a:rPr lang="en-GB" dirty="0" err="1"/>
-              <a:t>i</a:t>
-            </a:r>
-            <a:r>
-              <a:rPr lang="en-GB" dirty="0"/>
-              <a:t> + 1</a:t>
-            </a:r>
-          </a:p>
-          <a:p>
-            <a:r>
-              <a:rPr lang="en-GB" dirty="0"/>
-              <a:t>  </a:t>
-            </a:r>
-            <a:r>
-              <a:rPr lang="en-GB" dirty="0" err="1"/>
-              <a:t>printfn</a:t>
-            </a:r>
-            <a:r>
-              <a:rPr lang="en-GB" dirty="0"/>
-              <a:t> "%d" </a:t>
-            </a:r>
-            <a:r>
-              <a:rPr lang="en-GB" dirty="0" err="1"/>
-              <a:t>i</a:t>
-            </a:r>
-            <a:endParaRPr lang="en-GB" dirty="0"/>
-          </a:p>
-        </p:txBody>
-      </p:sp>
-      <p:cxnSp>
-        <p:nvCxnSpPr>
-          <p:cNvPr id="7" name="Straight Arrow Connector 6">
-            <a:extLst>
-              <a:ext uri="{FF2B5EF4-FFF2-40B4-BE49-F238E27FC236}">
-                <a16:creationId xmlns:a16="http://schemas.microsoft.com/office/drawing/2014/main" id="{34CF4799-0C0B-E441-B12E-CDFC695BD94B}"/>
-              </a:ext>
-            </a:extLst>
-          </p:cNvPr>
-          <p:cNvCxnSpPr>
-            <a:cxnSpLocks/>
-            <a:stCxn id="11" idx="1"/>
-          </p:cNvCxnSpPr>
-          <p:nvPr/>
-        </p:nvCxnSpPr>
-        <p:spPr>
-          <a:xfrm flipH="1">
-            <a:off x="5468112" y="2387906"/>
-            <a:ext cx="1609344" cy="792420"/>
-          </a:xfrm>
-          <a:prstGeom prst="straightConnector1">
-            <a:avLst/>
-          </a:prstGeom>
-          <a:ln w="38100">
-            <a:tailEnd type="triangle"/>
-          </a:ln>
-        </p:spPr>
-        <p:style>
-          <a:lnRef idx="1">
-            <a:schemeClr val="accent1"/>
-          </a:lnRef>
-          <a:fillRef idx="0">
-            <a:schemeClr val="accent1"/>
-          </a:fillRef>
-          <a:effectRef idx="0">
-            <a:schemeClr val="accent1"/>
-          </a:effectRef>
-          <a:fontRef idx="minor">
-            <a:schemeClr val="tx1"/>
-          </a:fontRef>
-        </p:style>
-      </p:cxnSp>
-      <p:sp>
-        <p:nvSpPr>
-          <p:cNvPr id="11" name="TextBox 10">
-            <a:extLst>
-              <a:ext uri="{FF2B5EF4-FFF2-40B4-BE49-F238E27FC236}">
-                <a16:creationId xmlns:a16="http://schemas.microsoft.com/office/drawing/2014/main" id="{0D15DF44-C9F0-8C46-9998-F7BC94C4136F}"/>
-              </a:ext>
-            </a:extLst>
-          </p:cNvPr>
-          <p:cNvSpPr txBox="1"/>
-          <p:nvPr/>
-        </p:nvSpPr>
-        <p:spPr>
-          <a:xfrm>
-            <a:off x="7077456" y="2203240"/>
-            <a:ext cx="2385781" cy="369332"/>
-          </a:xfrm>
-          <a:prstGeom prst="rect">
-            <a:avLst/>
-          </a:prstGeom>
-          <a:noFill/>
-        </p:spPr>
-        <p:txBody>
-          <a:bodyPr wrap="none" rtlCol="0">
-            <a:spAutoFit/>
-          </a:bodyPr>
-          <a:lstStyle/>
-          <a:p>
-            <a:r>
-              <a:rPr lang="en-GB" dirty="0" err="1"/>
-              <a:t>i</a:t>
-            </a:r>
-            <a:r>
-              <a:rPr lang="en-GB" dirty="0"/>
-              <a:t> </a:t>
-            </a:r>
-            <a:r>
-              <a:rPr lang="en-GB" dirty="0" err="1"/>
-              <a:t>på</a:t>
-            </a:r>
-            <a:r>
-              <a:rPr lang="en-GB" dirty="0"/>
-              <a:t> </a:t>
-            </a:r>
-            <a:r>
-              <a:rPr lang="en-GB" dirty="0" err="1"/>
-              <a:t>højre</a:t>
-            </a:r>
-            <a:r>
-              <a:rPr lang="en-GB" dirty="0"/>
-              <a:t> side </a:t>
-            </a:r>
-            <a:r>
-              <a:rPr lang="en-GB" dirty="0" err="1"/>
-              <a:t>er</a:t>
-            </a:r>
-            <a:r>
-              <a:rPr lang="en-GB" dirty="0"/>
-              <a:t> </a:t>
-            </a:r>
-            <a:r>
-              <a:rPr lang="en-GB" dirty="0" err="1"/>
-              <a:t>altid</a:t>
-            </a:r>
-            <a:r>
-              <a:rPr lang="en-GB" dirty="0"/>
-              <a:t> 0</a:t>
-            </a:r>
-          </a:p>
-        </p:txBody>
-      </p:sp>
-    </p:spTree>
-    <p:extLst>
-      <p:ext uri="{BB962C8B-B14F-4D97-AF65-F5344CB8AC3E}">
-        <p14:creationId xmlns:p14="http://schemas.microsoft.com/office/powerpoint/2010/main" val="277679735"/>
-      </p:ext>
-    </p:extLst>
-  </p:cSld>
-  <p:clrMapOvr>
-    <a:masterClrMapping/>
-  </p:clrMapOvr>
-  <p:timing>
-    <p:tnLst>
-      <p:par>
-        <p:cTn id="1" dur="indefinite" restart="never" nodeType="tmRoot">
-          <p:childTnLst>
-            <p:seq concurrent="1" nextAc="seek">
-              <p:cTn id="2" dur="indefinite" nodeType="mainSeq">
-                <p:childTnLst>
-                  <p:par>
-                    <p:cTn id="3" fill="hold">
-                      <p:stCondLst>
-                        <p:cond delay="indefinite"/>
-                      </p:stCondLst>
-                      <p:childTnLst>
-                        <p:par>
-                          <p:cTn id="4" fill="hold">
-                            <p:stCondLst>
-                              <p:cond delay="0"/>
-                            </p:stCondLst>
-                            <p:childTnLst>
-                              <p:par>
-                                <p:cTn id="5" presetID="1" presetClass="entr" presetSubtype="0" fill="hold" nodeType="clickEffect">
-                                  <p:stCondLst>
-                                    <p:cond delay="0"/>
-                                  </p:stCondLst>
-                                  <p:childTnLst>
-                                    <p:set>
-                                      <p:cBhvr>
-                                        <p:cTn id="6" dur="1" fill="hold">
-                                          <p:stCondLst>
-                                            <p:cond delay="0"/>
-                                          </p:stCondLst>
-                                        </p:cTn>
-                                        <p:tgtEl>
-                                          <p:spTgt spid="7"/>
-                                        </p:tgtEl>
-                                        <p:attrNameLst>
-                                          <p:attrName>style.visibility</p:attrName>
-                                        </p:attrNameLst>
-                                      </p:cBhvr>
-                                      <p:to>
-                                        <p:strVal val="visible"/>
-                                      </p:to>
-                                    </p:set>
-                                  </p:childTnLst>
-                                </p:cTn>
-                              </p:par>
-                              <p:par>
-                                <p:cTn id="7" presetID="1" presetClass="entr" presetSubtype="0" fill="hold" grpId="0" nodeType="withEffect">
-                                  <p:stCondLst>
-                                    <p:cond delay="0"/>
-                                  </p:stCondLst>
-                                  <p:childTnLst>
-                                    <p:set>
-                                      <p:cBhvr>
-                                        <p:cTn id="8" dur="1" fill="hold">
-                                          <p:stCondLst>
-                                            <p:cond delay="0"/>
-                                          </p:stCondLst>
-                                        </p:cTn>
-                                        <p:tgtEl>
-                                          <p:spTgt spid="11"/>
-                                        </p:tgtEl>
-                                        <p:attrNameLst>
-                                          <p:attrName>style.visibility</p:attrName>
-                                        </p:attrNameLst>
-                                      </p:cBhvr>
-                                      <p:to>
-                                        <p:strVal val="visible"/>
-                                      </p:to>
-                                    </p:set>
-                                  </p:childTnLst>
-                                </p:cTn>
-                              </p:par>
-                            </p:childTnLst>
-                          </p:cTn>
-                        </p:par>
-                      </p:childTnLst>
-                    </p:cTn>
-                  </p:par>
-                </p:childTnLst>
-              </p:cTn>
-              <p:prevCondLst>
-                <p:cond evt="onPrev" delay="0">
-                  <p:tgtEl>
-                    <p:sldTgt/>
-                  </p:tgtEl>
-                </p:cond>
-              </p:prevCondLst>
-              <p:nextCondLst>
-                <p:cond evt="onNext" delay="0">
-                  <p:tgtEl>
-                    <p:sldTgt/>
-                  </p:tgtEl>
-                </p:cond>
-              </p:nextCondLst>
-            </p:seq>
-          </p:childTnLst>
-        </p:cTn>
-      </p:par>
-    </p:tnLst>
-    <p:bldLst>
-      <p:bldP spid="11" grpId="0"/>
-    </p:bldLst>
-  </p:timing>
-</p:sld>
-</file>
-
 <file path=ppt/slides/slide2.xml><?xml version="1.0" encoding="utf-8"?>
-<p:sld xmlns:a="http://schemas.openxmlformats.org/drawingml/2006/main" xmlns:r="http://schemas.openxmlformats.org/officeDocument/2006/relationships" xmlns:p="http://schemas.openxmlformats.org/presentationml/2006/main">
-  <p:cSld>
-    <p:spTree>
-      <p:nvGrpSpPr>
-        <p:cNvPr id="1" name=""/>
-        <p:cNvGrpSpPr/>
-        <p:nvPr/>
-      </p:nvGrpSpPr>
-      <p:grpSpPr>
-        <a:xfrm>
-          <a:off x="0" y="0"/>
-          <a:ext cx="0" cy="0"/>
-          <a:chOff x="0" y="0"/>
-          <a:chExt cx="0" cy="0"/>
-        </a:xfrm>
-      </p:grpSpPr>
-      <p:sp>
-        <p:nvSpPr>
-          <p:cNvPr id="2" name="Title 1">
-            <a:extLst>
-              <a:ext uri="{FF2B5EF4-FFF2-40B4-BE49-F238E27FC236}">
-                <a16:creationId xmlns:a16="http://schemas.microsoft.com/office/drawing/2014/main" id="{29104A8A-8E32-9242-8B8A-6A5E8DB2A3BD}"/>
-              </a:ext>
-            </a:extLst>
-          </p:cNvPr>
-          <p:cNvSpPr>
-            <a:spLocks noGrp="1"/>
-          </p:cNvSpPr>
-          <p:nvPr>
-            <p:ph type="title"/>
-          </p:nvPr>
-        </p:nvSpPr>
-        <p:spPr/>
-        <p:txBody>
-          <a:bodyPr/>
-          <a:lstStyle/>
-          <a:p>
-            <a:r>
-              <a:rPr lang="en-GB" dirty="0" err="1"/>
-              <a:t>Bindinger</a:t>
-            </a:r>
-            <a:r>
-              <a:rPr lang="en-GB" dirty="0"/>
-              <a:t> </a:t>
-            </a:r>
-            <a:r>
-              <a:rPr lang="en-GB" dirty="0" err="1"/>
-              <a:t>af</a:t>
-            </a:r>
-            <a:r>
-              <a:rPr lang="en-GB" dirty="0"/>
-              <a:t> </a:t>
-            </a:r>
-            <a:r>
-              <a:rPr lang="en-GB" dirty="0" err="1"/>
-              <a:t>værdier</a:t>
-            </a:r>
-            <a:endParaRPr lang="en-GB" dirty="0"/>
-          </a:p>
-        </p:txBody>
-      </p:sp>
-      <p:sp>
-        <p:nvSpPr>
-          <p:cNvPr id="5" name="Content Placeholder 2">
-            <a:extLst>
-              <a:ext uri="{FF2B5EF4-FFF2-40B4-BE49-F238E27FC236}">
-                <a16:creationId xmlns:a16="http://schemas.microsoft.com/office/drawing/2014/main" id="{DC62AF7A-D145-F541-B476-E9CADA8A85A6}"/>
-              </a:ext>
-            </a:extLst>
-          </p:cNvPr>
-          <p:cNvSpPr>
-            <a:spLocks noGrp="1"/>
-          </p:cNvSpPr>
-          <p:nvPr>
-            <p:ph idx="1"/>
-          </p:nvPr>
-        </p:nvSpPr>
-        <p:spPr>
-          <a:xfrm>
-            <a:off x="6224341" y="2512261"/>
-            <a:ext cx="4817535" cy="967845"/>
-          </a:xfrm>
-        </p:spPr>
-        <p:txBody>
-          <a:bodyPr>
-            <a:normAutofit/>
-          </a:bodyPr>
-          <a:lstStyle/>
-          <a:p>
-            <a:pPr marL="0" indent="0">
-              <a:lnSpc>
-                <a:spcPct val="100000"/>
-              </a:lnSpc>
-              <a:buNone/>
-            </a:pPr>
-            <a:r>
-              <a:rPr lang="en-GB" sz="1400" dirty="0">
-                <a:latin typeface="DejaVu Sans Book" panose="020B0603030804020204" pitchFamily="34" charset="0"/>
-                <a:ea typeface="DejaVu Sans Book" panose="020B0603030804020204" pitchFamily="34" charset="0"/>
-                <a:cs typeface="DejaVu Sans Book" panose="020B0603030804020204" pitchFamily="34" charset="0"/>
-              </a:rPr>
-              <a:t>let name = "World”</a:t>
-            </a:r>
-          </a:p>
-          <a:p>
-            <a:pPr marL="0" indent="0">
-              <a:lnSpc>
-                <a:spcPct val="100000"/>
-              </a:lnSpc>
-              <a:buNone/>
-            </a:pPr>
-            <a:r>
-              <a:rPr lang="en-GB" sz="1400" dirty="0">
-                <a:latin typeface="DejaVu Sans Book" panose="020B0603030804020204" pitchFamily="34" charset="0"/>
-                <a:ea typeface="DejaVu Sans Book" panose="020B0603030804020204" pitchFamily="34" charset="0"/>
-                <a:cs typeface="DejaVu Sans Book" panose="020B0603030804020204" pitchFamily="34" charset="0"/>
-              </a:rPr>
-              <a:t>do </a:t>
-            </a:r>
-            <a:r>
-              <a:rPr lang="en-GB" sz="1400" dirty="0" err="1">
-                <a:latin typeface="DejaVu Sans Book" panose="020B0603030804020204" pitchFamily="34" charset="0"/>
-                <a:ea typeface="DejaVu Sans Book" panose="020B0603030804020204" pitchFamily="34" charset="0"/>
-                <a:cs typeface="DejaVu Sans Book" panose="020B0603030804020204" pitchFamily="34" charset="0"/>
-              </a:rPr>
-              <a:t>printfn</a:t>
-            </a:r>
-            <a:r>
-              <a:rPr lang="en-GB" sz="1400" dirty="0">
-                <a:latin typeface="DejaVu Sans Book" panose="020B0603030804020204" pitchFamily="34" charset="0"/>
-                <a:ea typeface="DejaVu Sans Book" panose="020B0603030804020204" pitchFamily="34" charset="0"/>
-                <a:cs typeface="DejaVu Sans Book" panose="020B0603030804020204" pitchFamily="34" charset="0"/>
-              </a:rPr>
-              <a:t> "Hello %A" name</a:t>
-            </a:r>
-          </a:p>
-        </p:txBody>
-      </p:sp>
-      <p:sp>
-        <p:nvSpPr>
-          <p:cNvPr id="6" name="Content Placeholder 2">
-            <a:extLst>
-              <a:ext uri="{FF2B5EF4-FFF2-40B4-BE49-F238E27FC236}">
-                <a16:creationId xmlns:a16="http://schemas.microsoft.com/office/drawing/2014/main" id="{AB84D51D-D1EC-CF48-BA06-5F00DEC7CCE6}"/>
-              </a:ext>
-            </a:extLst>
-          </p:cNvPr>
-          <p:cNvSpPr txBox="1">
-            <a:spLocks/>
-          </p:cNvSpPr>
-          <p:nvPr/>
-        </p:nvSpPr>
-        <p:spPr>
-          <a:xfrm>
-            <a:off x="760555" y="2474359"/>
-            <a:ext cx="5105400" cy="473421"/>
-          </a:xfrm>
-          <a:prstGeom prst="rect">
-            <a:avLst/>
-          </a:prstGeom>
-        </p:spPr>
-        <p:txBody>
-          <a:bodyPr vert="horz" lIns="91440" tIns="45720" rIns="91440" bIns="45720" rtlCol="0">
-            <a:normAutofit/>
-          </a:bodyPr>
-          <a:lstStyle>
-            <a:lvl1pPr marL="228600" indent="-228600" algn="l" defTabSz="914400" rtl="0" eaLnBrk="1" latinLnBrk="0" hangingPunct="1">
-              <a:lnSpc>
-                <a:spcPct val="90000"/>
-              </a:lnSpc>
-              <a:spcBef>
-                <a:spcPts val="1000"/>
-              </a:spcBef>
-              <a:buFont typeface="Arial" panose="020B0604020202020204" pitchFamily="34" charset="0"/>
-              <a:buChar char="•"/>
-              <a:defRPr sz="2800" kern="1200">
-                <a:solidFill>
-                  <a:schemeClr val="tx1"/>
-                </a:solidFill>
-                <a:latin typeface="+mn-lt"/>
-                <a:ea typeface="+mn-ea"/>
-                <a:cs typeface="+mn-cs"/>
-              </a:defRPr>
-            </a:lvl1pPr>
-            <a:lvl2pPr marL="685800" indent="-228600" algn="l" defTabSz="914400" rtl="0" eaLnBrk="1" latinLnBrk="0" hangingPunct="1">
-              <a:lnSpc>
-                <a:spcPct val="90000"/>
-              </a:lnSpc>
-              <a:spcBef>
-                <a:spcPts val="500"/>
-              </a:spcBef>
-              <a:buFont typeface="Arial" panose="020B0604020202020204" pitchFamily="34" charset="0"/>
-              <a:buChar char="•"/>
-              <a:defRPr sz="2400" kern="1200">
-                <a:solidFill>
-                  <a:schemeClr val="tx1"/>
-                </a:solidFill>
-                <a:latin typeface="+mn-lt"/>
-                <a:ea typeface="+mn-ea"/>
-                <a:cs typeface="+mn-cs"/>
-              </a:defRPr>
-            </a:lvl2pPr>
-            <a:lvl3pPr marL="1143000" indent="-228600" algn="l" defTabSz="914400" rtl="0" eaLnBrk="1" latinLnBrk="0" hangingPunct="1">
-              <a:lnSpc>
-                <a:spcPct val="90000"/>
-              </a:lnSpc>
-              <a:spcBef>
-                <a:spcPts val="500"/>
-              </a:spcBef>
-              <a:buFont typeface="Arial" panose="020B0604020202020204" pitchFamily="34" charset="0"/>
-              <a:buChar char="•"/>
-              <a:defRPr sz="2000" kern="1200">
-                <a:solidFill>
-                  <a:schemeClr val="tx1"/>
-                </a:solidFill>
-                <a:latin typeface="+mn-lt"/>
-                <a:ea typeface="+mn-ea"/>
-                <a:cs typeface="+mn-cs"/>
-              </a:defRPr>
-            </a:lvl3pPr>
-            <a:lvl4pPr marL="1600200" indent="-228600" algn="l" defTabSz="914400" rtl="0" eaLnBrk="1" latinLnBrk="0" hangingPunct="1">
-              <a:lnSpc>
-                <a:spcPct val="90000"/>
-              </a:lnSpc>
-              <a:spcBef>
-                <a:spcPts val="500"/>
-              </a:spcBef>
-              <a:buFont typeface="Arial" panose="020B0604020202020204" pitchFamily="34" charset="0"/>
-              <a:buChar char="•"/>
-              <a:defRPr sz="1800" kern="1200">
-                <a:solidFill>
-                  <a:schemeClr val="tx1"/>
-                </a:solidFill>
-                <a:latin typeface="+mn-lt"/>
-                <a:ea typeface="+mn-ea"/>
-                <a:cs typeface="+mn-cs"/>
-              </a:defRPr>
-            </a:lvl4pPr>
-            <a:lvl5pPr marL="2057400" indent="-228600" algn="l" defTabSz="914400" rtl="0" eaLnBrk="1" latinLnBrk="0" hangingPunct="1">
-              <a:lnSpc>
-                <a:spcPct val="90000"/>
-              </a:lnSpc>
-              <a:spcBef>
-                <a:spcPts val="500"/>
-              </a:spcBef>
-              <a:buFont typeface="Arial" panose="020B0604020202020204" pitchFamily="34" charset="0"/>
-              <a:buChar char="•"/>
-              <a:defRPr sz="1800" kern="1200">
-                <a:solidFill>
-                  <a:schemeClr val="tx1"/>
-                </a:solidFill>
-                <a:latin typeface="+mn-lt"/>
-                <a:ea typeface="+mn-ea"/>
-                <a:cs typeface="+mn-cs"/>
-              </a:defRPr>
-            </a:lvl5pPr>
-            <a:lvl6pPr marL="2514600" indent="-228600" algn="l" defTabSz="914400" rtl="0" eaLnBrk="1" latinLnBrk="0" hangingPunct="1">
-              <a:lnSpc>
-                <a:spcPct val="90000"/>
-              </a:lnSpc>
-              <a:spcBef>
-                <a:spcPts val="500"/>
-              </a:spcBef>
-              <a:buFont typeface="Arial" panose="020B0604020202020204" pitchFamily="34" charset="0"/>
-              <a:buChar char="•"/>
-              <a:defRPr sz="1800" kern="1200">
-                <a:solidFill>
-                  <a:schemeClr val="tx1"/>
-                </a:solidFill>
-                <a:latin typeface="+mn-lt"/>
-                <a:ea typeface="+mn-ea"/>
-                <a:cs typeface="+mn-cs"/>
-              </a:defRPr>
-            </a:lvl6pPr>
-            <a:lvl7pPr marL="2971800" indent="-228600" algn="l" defTabSz="914400" rtl="0" eaLnBrk="1" latinLnBrk="0" hangingPunct="1">
-              <a:lnSpc>
-                <a:spcPct val="90000"/>
-              </a:lnSpc>
-              <a:spcBef>
-                <a:spcPts val="500"/>
-              </a:spcBef>
-              <a:buFont typeface="Arial" panose="020B0604020202020204" pitchFamily="34" charset="0"/>
-              <a:buChar char="•"/>
-              <a:defRPr sz="1800" kern="1200">
-                <a:solidFill>
-                  <a:schemeClr val="tx1"/>
-                </a:solidFill>
-                <a:latin typeface="+mn-lt"/>
-                <a:ea typeface="+mn-ea"/>
-                <a:cs typeface="+mn-cs"/>
-              </a:defRPr>
-            </a:lvl7pPr>
-            <a:lvl8pPr marL="3429000" indent="-228600" algn="l" defTabSz="914400" rtl="0" eaLnBrk="1" latinLnBrk="0" hangingPunct="1">
-              <a:lnSpc>
-                <a:spcPct val="90000"/>
-              </a:lnSpc>
-              <a:spcBef>
-                <a:spcPts val="500"/>
-              </a:spcBef>
-              <a:buFont typeface="Arial" panose="020B0604020202020204" pitchFamily="34" charset="0"/>
-              <a:buChar char="•"/>
-              <a:defRPr sz="1800" kern="1200">
-                <a:solidFill>
-                  <a:schemeClr val="tx1"/>
-                </a:solidFill>
-                <a:latin typeface="+mn-lt"/>
-                <a:ea typeface="+mn-ea"/>
-                <a:cs typeface="+mn-cs"/>
-              </a:defRPr>
-            </a:lvl8pPr>
-            <a:lvl9pPr marL="3886200" indent="-228600" algn="l" defTabSz="914400" rtl="0" eaLnBrk="1" latinLnBrk="0" hangingPunct="1">
-              <a:lnSpc>
-                <a:spcPct val="90000"/>
-              </a:lnSpc>
-              <a:spcBef>
-                <a:spcPts val="500"/>
-              </a:spcBef>
-              <a:buFont typeface="Arial" panose="020B0604020202020204" pitchFamily="34" charset="0"/>
-              <a:buChar char="•"/>
-              <a:defRPr sz="1800" kern="1200">
-                <a:solidFill>
-                  <a:schemeClr val="tx1"/>
-                </a:solidFill>
-                <a:latin typeface="+mn-lt"/>
-                <a:ea typeface="+mn-ea"/>
-                <a:cs typeface="+mn-cs"/>
-              </a:defRPr>
-            </a:lvl9pPr>
-          </a:lstStyle>
-          <a:p>
-            <a:pPr marL="0" indent="0">
-              <a:lnSpc>
-                <a:spcPct val="100000"/>
-              </a:lnSpc>
-              <a:buNone/>
-            </a:pPr>
-            <a:r>
-              <a:rPr lang="en-GB" sz="1400" dirty="0">
-                <a:latin typeface="DejaVu Sans Book" panose="020B0603030804020204" pitchFamily="34" charset="0"/>
-                <a:ea typeface="DejaVu Sans Book" panose="020B0603030804020204" pitchFamily="34" charset="0"/>
-                <a:cs typeface="DejaVu Sans Book" panose="020B0603030804020204" pitchFamily="34" charset="0"/>
-              </a:rPr>
-              <a:t>let name = "World” in do </a:t>
-            </a:r>
-            <a:r>
-              <a:rPr lang="en-GB" sz="1400" dirty="0" err="1">
-                <a:latin typeface="DejaVu Sans Book" panose="020B0603030804020204" pitchFamily="34" charset="0"/>
-                <a:ea typeface="DejaVu Sans Book" panose="020B0603030804020204" pitchFamily="34" charset="0"/>
-                <a:cs typeface="DejaVu Sans Book" panose="020B0603030804020204" pitchFamily="34" charset="0"/>
-              </a:rPr>
-              <a:t>printfn</a:t>
-            </a:r>
-            <a:r>
-              <a:rPr lang="en-GB" sz="1400" dirty="0">
-                <a:latin typeface="DejaVu Sans Book" panose="020B0603030804020204" pitchFamily="34" charset="0"/>
-                <a:ea typeface="DejaVu Sans Book" panose="020B0603030804020204" pitchFamily="34" charset="0"/>
-                <a:cs typeface="DejaVu Sans Book" panose="020B0603030804020204" pitchFamily="34" charset="0"/>
-              </a:rPr>
-              <a:t> "Hello %A" name</a:t>
-            </a:r>
-          </a:p>
-        </p:txBody>
-      </p:sp>
-      <p:cxnSp>
-        <p:nvCxnSpPr>
-          <p:cNvPr id="8" name="Straight Connector 7">
-            <a:extLst>
-              <a:ext uri="{FF2B5EF4-FFF2-40B4-BE49-F238E27FC236}">
-                <a16:creationId xmlns:a16="http://schemas.microsoft.com/office/drawing/2014/main" id="{48560804-E5BD-D744-99F0-A3D9E4A6B4E6}"/>
-              </a:ext>
-            </a:extLst>
-          </p:cNvPr>
-          <p:cNvCxnSpPr>
-            <a:cxnSpLocks/>
-          </p:cNvCxnSpPr>
-          <p:nvPr/>
-        </p:nvCxnSpPr>
-        <p:spPr>
-          <a:xfrm>
-            <a:off x="5722022" y="1833339"/>
-            <a:ext cx="0" cy="2962909"/>
-          </a:xfrm>
-          <a:prstGeom prst="line">
-            <a:avLst/>
-          </a:prstGeom>
-        </p:spPr>
-        <p:style>
-          <a:lnRef idx="1">
-            <a:schemeClr val="accent1"/>
-          </a:lnRef>
-          <a:fillRef idx="0">
-            <a:schemeClr val="accent1"/>
-          </a:fillRef>
-          <a:effectRef idx="0">
-            <a:schemeClr val="accent1"/>
-          </a:effectRef>
-          <a:fontRef idx="minor">
-            <a:schemeClr val="tx1"/>
-          </a:fontRef>
-        </p:style>
-      </p:cxnSp>
-      <p:sp>
-        <p:nvSpPr>
-          <p:cNvPr id="12" name="TextBox 11">
-            <a:extLst>
-              <a:ext uri="{FF2B5EF4-FFF2-40B4-BE49-F238E27FC236}">
-                <a16:creationId xmlns:a16="http://schemas.microsoft.com/office/drawing/2014/main" id="{BE137E81-60E3-6748-A023-B84C1B92C57D}"/>
-              </a:ext>
-            </a:extLst>
-          </p:cNvPr>
-          <p:cNvSpPr txBox="1"/>
-          <p:nvPr/>
-        </p:nvSpPr>
-        <p:spPr>
-          <a:xfrm>
-            <a:off x="5973963" y="1945845"/>
-            <a:ext cx="2496646" cy="461665"/>
-          </a:xfrm>
-          <a:prstGeom prst="rect">
-            <a:avLst/>
-          </a:prstGeom>
-          <a:noFill/>
-        </p:spPr>
-        <p:txBody>
-          <a:bodyPr wrap="none" rtlCol="0">
-            <a:spAutoFit/>
-          </a:bodyPr>
-          <a:lstStyle/>
-          <a:p>
-            <a:r>
-              <a:rPr lang="en-GB" sz="2400" dirty="0"/>
-              <a:t>Lightweight syntax</a:t>
-            </a:r>
-          </a:p>
-        </p:txBody>
-      </p:sp>
-      <p:sp>
-        <p:nvSpPr>
-          <p:cNvPr id="13" name="TextBox 12">
-            <a:extLst>
-              <a:ext uri="{FF2B5EF4-FFF2-40B4-BE49-F238E27FC236}">
-                <a16:creationId xmlns:a16="http://schemas.microsoft.com/office/drawing/2014/main" id="{D0891C0B-93EB-9C4B-A7C8-D20A92E3A1EC}"/>
-              </a:ext>
-            </a:extLst>
-          </p:cNvPr>
-          <p:cNvSpPr txBox="1"/>
-          <p:nvPr/>
-        </p:nvSpPr>
-        <p:spPr>
-          <a:xfrm>
-            <a:off x="510177" y="1945839"/>
-            <a:ext cx="2038828" cy="461665"/>
-          </a:xfrm>
-          <a:prstGeom prst="rect">
-            <a:avLst/>
-          </a:prstGeom>
-          <a:noFill/>
-        </p:spPr>
-        <p:txBody>
-          <a:bodyPr wrap="none" rtlCol="0">
-            <a:spAutoFit/>
-          </a:bodyPr>
-          <a:lstStyle/>
-          <a:p>
-            <a:r>
-              <a:rPr lang="en-GB" sz="2400" dirty="0"/>
-              <a:t>verbose syntax</a:t>
-            </a:r>
-          </a:p>
-        </p:txBody>
-      </p:sp>
-      <p:sp>
-        <p:nvSpPr>
-          <p:cNvPr id="18" name="Content Placeholder 2">
-            <a:extLst>
-              <a:ext uri="{FF2B5EF4-FFF2-40B4-BE49-F238E27FC236}">
-                <a16:creationId xmlns:a16="http://schemas.microsoft.com/office/drawing/2014/main" id="{DD62AD6E-1B75-1647-9398-FEDF93D32EA3}"/>
-              </a:ext>
-            </a:extLst>
-          </p:cNvPr>
-          <p:cNvSpPr txBox="1">
-            <a:spLocks/>
-          </p:cNvSpPr>
-          <p:nvPr/>
-        </p:nvSpPr>
-        <p:spPr>
-          <a:xfrm>
-            <a:off x="6190476" y="3915429"/>
-            <a:ext cx="4817535" cy="967845"/>
-          </a:xfrm>
-          <a:prstGeom prst="rect">
-            <a:avLst/>
-          </a:prstGeom>
-        </p:spPr>
-        <p:txBody>
-          <a:bodyPr vert="horz" lIns="91440" tIns="45720" rIns="91440" bIns="45720" rtlCol="0">
-            <a:normAutofit/>
-          </a:bodyPr>
-          <a:lstStyle>
-            <a:lvl1pPr marL="228600" indent="-228600" algn="l" defTabSz="914400" rtl="0" eaLnBrk="1" latinLnBrk="0" hangingPunct="1">
-              <a:lnSpc>
-                <a:spcPct val="90000"/>
-              </a:lnSpc>
-              <a:spcBef>
-                <a:spcPts val="1000"/>
-              </a:spcBef>
-              <a:buFont typeface="Arial" panose="020B0604020202020204" pitchFamily="34" charset="0"/>
-              <a:buChar char="•"/>
-              <a:defRPr sz="2800" kern="1200">
-                <a:solidFill>
-                  <a:schemeClr val="tx1"/>
-                </a:solidFill>
-                <a:latin typeface="+mn-lt"/>
-                <a:ea typeface="+mn-ea"/>
-                <a:cs typeface="+mn-cs"/>
-              </a:defRPr>
-            </a:lvl1pPr>
-            <a:lvl2pPr marL="685800" indent="-228600" algn="l" defTabSz="914400" rtl="0" eaLnBrk="1" latinLnBrk="0" hangingPunct="1">
-              <a:lnSpc>
-                <a:spcPct val="90000"/>
-              </a:lnSpc>
-              <a:spcBef>
-                <a:spcPts val="500"/>
-              </a:spcBef>
-              <a:buFont typeface="Arial" panose="020B0604020202020204" pitchFamily="34" charset="0"/>
-              <a:buChar char="•"/>
-              <a:defRPr sz="2400" kern="1200">
-                <a:solidFill>
-                  <a:schemeClr val="tx1"/>
-                </a:solidFill>
-                <a:latin typeface="+mn-lt"/>
-                <a:ea typeface="+mn-ea"/>
-                <a:cs typeface="+mn-cs"/>
-              </a:defRPr>
-            </a:lvl2pPr>
-            <a:lvl3pPr marL="1143000" indent="-228600" algn="l" defTabSz="914400" rtl="0" eaLnBrk="1" latinLnBrk="0" hangingPunct="1">
-              <a:lnSpc>
-                <a:spcPct val="90000"/>
-              </a:lnSpc>
-              <a:spcBef>
-                <a:spcPts val="500"/>
-              </a:spcBef>
-              <a:buFont typeface="Arial" panose="020B0604020202020204" pitchFamily="34" charset="0"/>
-              <a:buChar char="•"/>
-              <a:defRPr sz="2000" kern="1200">
-                <a:solidFill>
-                  <a:schemeClr val="tx1"/>
-                </a:solidFill>
-                <a:latin typeface="+mn-lt"/>
-                <a:ea typeface="+mn-ea"/>
-                <a:cs typeface="+mn-cs"/>
-              </a:defRPr>
-            </a:lvl3pPr>
-            <a:lvl4pPr marL="1600200" indent="-228600" algn="l" defTabSz="914400" rtl="0" eaLnBrk="1" latinLnBrk="0" hangingPunct="1">
-              <a:lnSpc>
-                <a:spcPct val="90000"/>
-              </a:lnSpc>
-              <a:spcBef>
-                <a:spcPts val="500"/>
-              </a:spcBef>
-              <a:buFont typeface="Arial" panose="020B0604020202020204" pitchFamily="34" charset="0"/>
-              <a:buChar char="•"/>
-              <a:defRPr sz="1800" kern="1200">
-                <a:solidFill>
-                  <a:schemeClr val="tx1"/>
-                </a:solidFill>
-                <a:latin typeface="+mn-lt"/>
-                <a:ea typeface="+mn-ea"/>
-                <a:cs typeface="+mn-cs"/>
-              </a:defRPr>
-            </a:lvl4pPr>
-            <a:lvl5pPr marL="2057400" indent="-228600" algn="l" defTabSz="914400" rtl="0" eaLnBrk="1" latinLnBrk="0" hangingPunct="1">
-              <a:lnSpc>
-                <a:spcPct val="90000"/>
-              </a:lnSpc>
-              <a:spcBef>
-                <a:spcPts val="500"/>
-              </a:spcBef>
-              <a:buFont typeface="Arial" panose="020B0604020202020204" pitchFamily="34" charset="0"/>
-              <a:buChar char="•"/>
-              <a:defRPr sz="1800" kern="1200">
-                <a:solidFill>
-                  <a:schemeClr val="tx1"/>
-                </a:solidFill>
-                <a:latin typeface="+mn-lt"/>
-                <a:ea typeface="+mn-ea"/>
-                <a:cs typeface="+mn-cs"/>
-              </a:defRPr>
-            </a:lvl5pPr>
-            <a:lvl6pPr marL="2514600" indent="-228600" algn="l" defTabSz="914400" rtl="0" eaLnBrk="1" latinLnBrk="0" hangingPunct="1">
-              <a:lnSpc>
-                <a:spcPct val="90000"/>
-              </a:lnSpc>
-              <a:spcBef>
-                <a:spcPts val="500"/>
-              </a:spcBef>
-              <a:buFont typeface="Arial" panose="020B0604020202020204" pitchFamily="34" charset="0"/>
-              <a:buChar char="•"/>
-              <a:defRPr sz="1800" kern="1200">
-                <a:solidFill>
-                  <a:schemeClr val="tx1"/>
-                </a:solidFill>
-                <a:latin typeface="+mn-lt"/>
-                <a:ea typeface="+mn-ea"/>
-                <a:cs typeface="+mn-cs"/>
-              </a:defRPr>
-            </a:lvl6pPr>
-            <a:lvl7pPr marL="2971800" indent="-228600" algn="l" defTabSz="914400" rtl="0" eaLnBrk="1" latinLnBrk="0" hangingPunct="1">
-              <a:lnSpc>
-                <a:spcPct val="90000"/>
-              </a:lnSpc>
-              <a:spcBef>
-                <a:spcPts val="500"/>
-              </a:spcBef>
-              <a:buFont typeface="Arial" panose="020B0604020202020204" pitchFamily="34" charset="0"/>
-              <a:buChar char="•"/>
-              <a:defRPr sz="1800" kern="1200">
-                <a:solidFill>
-                  <a:schemeClr val="tx1"/>
-                </a:solidFill>
-                <a:latin typeface="+mn-lt"/>
-                <a:ea typeface="+mn-ea"/>
-                <a:cs typeface="+mn-cs"/>
-              </a:defRPr>
-            </a:lvl7pPr>
-            <a:lvl8pPr marL="3429000" indent="-228600" algn="l" defTabSz="914400" rtl="0" eaLnBrk="1" latinLnBrk="0" hangingPunct="1">
-              <a:lnSpc>
-                <a:spcPct val="90000"/>
-              </a:lnSpc>
-              <a:spcBef>
-                <a:spcPts val="500"/>
-              </a:spcBef>
-              <a:buFont typeface="Arial" panose="020B0604020202020204" pitchFamily="34" charset="0"/>
-              <a:buChar char="•"/>
-              <a:defRPr sz="1800" kern="1200">
-                <a:solidFill>
-                  <a:schemeClr val="tx1"/>
-                </a:solidFill>
-                <a:latin typeface="+mn-lt"/>
-                <a:ea typeface="+mn-ea"/>
-                <a:cs typeface="+mn-cs"/>
-              </a:defRPr>
-            </a:lvl8pPr>
-            <a:lvl9pPr marL="3886200" indent="-228600" algn="l" defTabSz="914400" rtl="0" eaLnBrk="1" latinLnBrk="0" hangingPunct="1">
-              <a:lnSpc>
-                <a:spcPct val="90000"/>
-              </a:lnSpc>
-              <a:spcBef>
-                <a:spcPts val="500"/>
-              </a:spcBef>
-              <a:buFont typeface="Arial" panose="020B0604020202020204" pitchFamily="34" charset="0"/>
-              <a:buChar char="•"/>
-              <a:defRPr sz="1800" kern="1200">
-                <a:solidFill>
-                  <a:schemeClr val="tx1"/>
-                </a:solidFill>
-                <a:latin typeface="+mn-lt"/>
-                <a:ea typeface="+mn-ea"/>
-                <a:cs typeface="+mn-cs"/>
-              </a:defRPr>
-            </a:lvl9pPr>
-          </a:lstStyle>
-          <a:p>
-            <a:pPr marL="0" indent="0">
-              <a:lnSpc>
-                <a:spcPct val="100000"/>
-              </a:lnSpc>
-              <a:buNone/>
-            </a:pPr>
-            <a:r>
-              <a:rPr lang="en-GB" sz="1400" dirty="0">
-                <a:latin typeface="DejaVu Sans Book" panose="020B0603030804020204" pitchFamily="34" charset="0"/>
-                <a:ea typeface="DejaVu Sans Book" panose="020B0603030804020204" pitchFamily="34" charset="0"/>
-                <a:cs typeface="DejaVu Sans Book" panose="020B0603030804020204" pitchFamily="34" charset="0"/>
-              </a:rPr>
-              <a:t>let name = "World”</a:t>
-            </a:r>
-          </a:p>
-          <a:p>
-            <a:pPr marL="0" indent="0">
-              <a:lnSpc>
-                <a:spcPct val="100000"/>
-              </a:lnSpc>
-              <a:buNone/>
-            </a:pPr>
-            <a:r>
-              <a:rPr lang="en-GB" sz="1400" dirty="0" err="1">
-                <a:latin typeface="DejaVu Sans Book" panose="020B0603030804020204" pitchFamily="34" charset="0"/>
-                <a:ea typeface="DejaVu Sans Book" panose="020B0603030804020204" pitchFamily="34" charset="0"/>
-                <a:cs typeface="DejaVu Sans Book" panose="020B0603030804020204" pitchFamily="34" charset="0"/>
-              </a:rPr>
-              <a:t>printfn</a:t>
-            </a:r>
-            <a:r>
-              <a:rPr lang="en-GB" sz="1400" dirty="0">
-                <a:latin typeface="DejaVu Sans Book" panose="020B0603030804020204" pitchFamily="34" charset="0"/>
-                <a:ea typeface="DejaVu Sans Book" panose="020B0603030804020204" pitchFamily="34" charset="0"/>
-                <a:cs typeface="DejaVu Sans Book" panose="020B0603030804020204" pitchFamily="34" charset="0"/>
-              </a:rPr>
-              <a:t> "Hello %A" name</a:t>
-            </a:r>
-          </a:p>
-        </p:txBody>
-      </p:sp>
-      <p:sp>
-        <p:nvSpPr>
-          <p:cNvPr id="19" name="TextBox 18">
-            <a:extLst>
-              <a:ext uri="{FF2B5EF4-FFF2-40B4-BE49-F238E27FC236}">
-                <a16:creationId xmlns:a16="http://schemas.microsoft.com/office/drawing/2014/main" id="{5C18BC89-CAB2-224B-BD35-30E16FA35387}"/>
-              </a:ext>
-            </a:extLst>
-          </p:cNvPr>
-          <p:cNvSpPr txBox="1"/>
-          <p:nvPr/>
-        </p:nvSpPr>
-        <p:spPr>
-          <a:xfrm>
-            <a:off x="5973966" y="3342153"/>
-            <a:ext cx="1796389" cy="461665"/>
-          </a:xfrm>
-          <a:prstGeom prst="rect">
-            <a:avLst/>
-          </a:prstGeom>
-          <a:noFill/>
-        </p:spPr>
-        <p:txBody>
-          <a:bodyPr wrap="none" rtlCol="0">
-            <a:spAutoFit/>
-          </a:bodyPr>
-          <a:lstStyle/>
-          <a:p>
-            <a:r>
-              <a:rPr lang="en-GB" sz="2400" dirty="0"/>
-              <a:t>Optional ‘do’</a:t>
-            </a:r>
-          </a:p>
-        </p:txBody>
-      </p:sp>
-      <p:cxnSp>
-        <p:nvCxnSpPr>
-          <p:cNvPr id="20" name="Straight Connector 19">
-            <a:extLst>
-              <a:ext uri="{FF2B5EF4-FFF2-40B4-BE49-F238E27FC236}">
-                <a16:creationId xmlns:a16="http://schemas.microsoft.com/office/drawing/2014/main" id="{F4AE97E3-8D48-F148-8E63-27700B43B071}"/>
-              </a:ext>
-            </a:extLst>
-          </p:cNvPr>
-          <p:cNvCxnSpPr>
-            <a:cxnSpLocks/>
-          </p:cNvCxnSpPr>
-          <p:nvPr/>
-        </p:nvCxnSpPr>
-        <p:spPr>
-          <a:xfrm>
-            <a:off x="5973964" y="3255905"/>
-            <a:ext cx="5067914" cy="0"/>
-          </a:xfrm>
-          <a:prstGeom prst="line">
-            <a:avLst/>
-          </a:prstGeom>
-          <a:ln>
-            <a:prstDash val="dash"/>
-          </a:ln>
-        </p:spPr>
-        <p:style>
-          <a:lnRef idx="1">
-            <a:schemeClr val="accent1"/>
-          </a:lnRef>
-          <a:fillRef idx="0">
-            <a:schemeClr val="accent1"/>
-          </a:fillRef>
-          <a:effectRef idx="0">
-            <a:schemeClr val="accent1"/>
-          </a:effectRef>
-          <a:fontRef idx="minor">
-            <a:schemeClr val="tx1"/>
-          </a:fontRef>
-        </p:style>
-      </p:cxnSp>
-    </p:spTree>
-    <p:extLst>
-      <p:ext uri="{BB962C8B-B14F-4D97-AF65-F5344CB8AC3E}">
-        <p14:creationId xmlns:p14="http://schemas.microsoft.com/office/powerpoint/2010/main" val="470524418"/>
-      </p:ext>
-    </p:extLst>
-  </p:cSld>
-  <p:clrMapOvr>
-    <a:masterClrMapping/>
-  </p:clrMapOvr>
-</p:sld>
-</file>
-
-<file path=ppt/slides/slide3.xml><?xml version="1.0" encoding="utf-8"?>
 <p:sld xmlns:a="http://schemas.openxmlformats.org/drawingml/2006/main" xmlns:r="http://schemas.openxmlformats.org/officeDocument/2006/relationships" xmlns:p="http://schemas.openxmlformats.org/presentationml/2006/main">
   <p:cSld>
     <p:spTree>
@@ -19493,6 +15804,1044 @@
 </p:sld>
 </file>
 
+<file path=ppt/slides/slide3.xml><?xml version="1.0" encoding="utf-8"?>
+<p:sld xmlns:a="http://schemas.openxmlformats.org/drawingml/2006/main" xmlns:r="http://schemas.openxmlformats.org/officeDocument/2006/relationships" xmlns:p="http://schemas.openxmlformats.org/presentationml/2006/main">
+  <p:cSld>
+    <p:spTree>
+      <p:nvGrpSpPr>
+        <p:cNvPr id="1" name=""/>
+        <p:cNvGrpSpPr/>
+        <p:nvPr/>
+      </p:nvGrpSpPr>
+      <p:grpSpPr>
+        <a:xfrm>
+          <a:off x="0" y="0"/>
+          <a:ext cx="0" cy="0"/>
+          <a:chOff x="0" y="0"/>
+          <a:chExt cx="0" cy="0"/>
+        </a:xfrm>
+      </p:grpSpPr>
+      <p:sp>
+        <p:nvSpPr>
+          <p:cNvPr id="5" name="Content Placeholder 2">
+            <a:extLst>
+              <a:ext uri="{FF2B5EF4-FFF2-40B4-BE49-F238E27FC236}">
+                <a16:creationId xmlns:a16="http://schemas.microsoft.com/office/drawing/2014/main" id="{DC62AF7A-D145-F541-B476-E9CADA8A85A6}"/>
+              </a:ext>
+            </a:extLst>
+          </p:cNvPr>
+          <p:cNvSpPr>
+            <a:spLocks noGrp="1"/>
+          </p:cNvSpPr>
+          <p:nvPr>
+            <p:ph idx="1"/>
+          </p:nvPr>
+        </p:nvSpPr>
+        <p:spPr>
+          <a:xfrm>
+            <a:off x="838629" y="2561395"/>
+            <a:ext cx="4817535" cy="967845"/>
+          </a:xfrm>
+        </p:spPr>
+        <p:txBody>
+          <a:bodyPr>
+            <a:normAutofit/>
+          </a:bodyPr>
+          <a:lstStyle/>
+          <a:p>
+            <a:pPr marL="0" indent="0">
+              <a:lnSpc>
+                <a:spcPct val="100000"/>
+              </a:lnSpc>
+              <a:buNone/>
+            </a:pPr>
+            <a:r>
+              <a:rPr lang="en-GB" sz="1400" dirty="0">
+                <a:latin typeface="DejaVu Sans Book" panose="020B0603030804020204" pitchFamily="34" charset="0"/>
+                <a:ea typeface="DejaVu Sans Book" panose="020B0603030804020204" pitchFamily="34" charset="0"/>
+                <a:cs typeface="DejaVu Sans Book" panose="020B0603030804020204" pitchFamily="34" charset="0"/>
+              </a:rPr>
+              <a:t>let name = "World"</a:t>
+            </a:r>
+          </a:p>
+          <a:p>
+            <a:pPr marL="0" indent="0">
+              <a:lnSpc>
+                <a:spcPct val="100000"/>
+              </a:lnSpc>
+              <a:buNone/>
+            </a:pPr>
+            <a:r>
+              <a:rPr lang="en-GB" sz="1400" dirty="0">
+                <a:latin typeface="DejaVu Sans Book" panose="020B0603030804020204" pitchFamily="34" charset="0"/>
+                <a:ea typeface="DejaVu Sans Book" panose="020B0603030804020204" pitchFamily="34" charset="0"/>
+                <a:cs typeface="DejaVu Sans Book" panose="020B0603030804020204" pitchFamily="34" charset="0"/>
+              </a:rPr>
+              <a:t>do </a:t>
+            </a:r>
+            <a:r>
+              <a:rPr lang="en-GB" sz="1400" dirty="0" err="1">
+                <a:latin typeface="DejaVu Sans Book" panose="020B0603030804020204" pitchFamily="34" charset="0"/>
+                <a:ea typeface="DejaVu Sans Book" panose="020B0603030804020204" pitchFamily="34" charset="0"/>
+                <a:cs typeface="DejaVu Sans Book" panose="020B0603030804020204" pitchFamily="34" charset="0"/>
+              </a:rPr>
+              <a:t>printfn</a:t>
+            </a:r>
+            <a:r>
+              <a:rPr lang="en-GB" sz="1400" dirty="0">
+                <a:latin typeface="DejaVu Sans Book" panose="020B0603030804020204" pitchFamily="34" charset="0"/>
+                <a:ea typeface="DejaVu Sans Book" panose="020B0603030804020204" pitchFamily="34" charset="0"/>
+                <a:cs typeface="DejaVu Sans Book" panose="020B0603030804020204" pitchFamily="34" charset="0"/>
+              </a:rPr>
+              <a:t> "Hello %A" name</a:t>
+            </a:r>
+          </a:p>
+        </p:txBody>
+      </p:sp>
+      <p:sp>
+        <p:nvSpPr>
+          <p:cNvPr id="6" name="Content Placeholder 2">
+            <a:extLst>
+              <a:ext uri="{FF2B5EF4-FFF2-40B4-BE49-F238E27FC236}">
+                <a16:creationId xmlns:a16="http://schemas.microsoft.com/office/drawing/2014/main" id="{AB84D51D-D1EC-CF48-BA06-5F00DEC7CCE6}"/>
+              </a:ext>
+            </a:extLst>
+          </p:cNvPr>
+          <p:cNvSpPr txBox="1">
+            <a:spLocks/>
+          </p:cNvSpPr>
+          <p:nvPr/>
+        </p:nvSpPr>
+        <p:spPr>
+          <a:xfrm>
+            <a:off x="6248400" y="2523499"/>
+            <a:ext cx="5105400" cy="473421"/>
+          </a:xfrm>
+          <a:prstGeom prst="rect">
+            <a:avLst/>
+          </a:prstGeom>
+        </p:spPr>
+        <p:txBody>
+          <a:bodyPr vert="horz" lIns="91440" tIns="45720" rIns="91440" bIns="45720" rtlCol="0">
+            <a:normAutofit/>
+          </a:bodyPr>
+          <a:lstStyle>
+            <a:lvl1pPr marL="228600" indent="-228600" algn="l" defTabSz="914400" rtl="0" eaLnBrk="1" latinLnBrk="0" hangingPunct="1">
+              <a:lnSpc>
+                <a:spcPct val="90000"/>
+              </a:lnSpc>
+              <a:spcBef>
+                <a:spcPts val="1000"/>
+              </a:spcBef>
+              <a:buFont typeface="Arial" panose="020B0604020202020204" pitchFamily="34" charset="0"/>
+              <a:buChar char="•"/>
+              <a:defRPr sz="2800" kern="1200">
+                <a:solidFill>
+                  <a:schemeClr val="tx1"/>
+                </a:solidFill>
+                <a:latin typeface="+mn-lt"/>
+                <a:ea typeface="+mn-ea"/>
+                <a:cs typeface="+mn-cs"/>
+              </a:defRPr>
+            </a:lvl1pPr>
+            <a:lvl2pPr marL="685800" indent="-228600" algn="l" defTabSz="914400" rtl="0" eaLnBrk="1" latinLnBrk="0" hangingPunct="1">
+              <a:lnSpc>
+                <a:spcPct val="90000"/>
+              </a:lnSpc>
+              <a:spcBef>
+                <a:spcPts val="500"/>
+              </a:spcBef>
+              <a:buFont typeface="Arial" panose="020B0604020202020204" pitchFamily="34" charset="0"/>
+              <a:buChar char="•"/>
+              <a:defRPr sz="2400" kern="1200">
+                <a:solidFill>
+                  <a:schemeClr val="tx1"/>
+                </a:solidFill>
+                <a:latin typeface="+mn-lt"/>
+                <a:ea typeface="+mn-ea"/>
+                <a:cs typeface="+mn-cs"/>
+              </a:defRPr>
+            </a:lvl2pPr>
+            <a:lvl3pPr marL="1143000" indent="-228600" algn="l" defTabSz="914400" rtl="0" eaLnBrk="1" latinLnBrk="0" hangingPunct="1">
+              <a:lnSpc>
+                <a:spcPct val="90000"/>
+              </a:lnSpc>
+              <a:spcBef>
+                <a:spcPts val="500"/>
+              </a:spcBef>
+              <a:buFont typeface="Arial" panose="020B0604020202020204" pitchFamily="34" charset="0"/>
+              <a:buChar char="•"/>
+              <a:defRPr sz="2000" kern="1200">
+                <a:solidFill>
+                  <a:schemeClr val="tx1"/>
+                </a:solidFill>
+                <a:latin typeface="+mn-lt"/>
+                <a:ea typeface="+mn-ea"/>
+                <a:cs typeface="+mn-cs"/>
+              </a:defRPr>
+            </a:lvl3pPr>
+            <a:lvl4pPr marL="1600200" indent="-228600" algn="l" defTabSz="914400" rtl="0" eaLnBrk="1" latinLnBrk="0" hangingPunct="1">
+              <a:lnSpc>
+                <a:spcPct val="90000"/>
+              </a:lnSpc>
+              <a:spcBef>
+                <a:spcPts val="500"/>
+              </a:spcBef>
+              <a:buFont typeface="Arial" panose="020B0604020202020204" pitchFamily="34" charset="0"/>
+              <a:buChar char="•"/>
+              <a:defRPr sz="1800" kern="1200">
+                <a:solidFill>
+                  <a:schemeClr val="tx1"/>
+                </a:solidFill>
+                <a:latin typeface="+mn-lt"/>
+                <a:ea typeface="+mn-ea"/>
+                <a:cs typeface="+mn-cs"/>
+              </a:defRPr>
+            </a:lvl4pPr>
+            <a:lvl5pPr marL="2057400" indent="-228600" algn="l" defTabSz="914400" rtl="0" eaLnBrk="1" latinLnBrk="0" hangingPunct="1">
+              <a:lnSpc>
+                <a:spcPct val="90000"/>
+              </a:lnSpc>
+              <a:spcBef>
+                <a:spcPts val="500"/>
+              </a:spcBef>
+              <a:buFont typeface="Arial" panose="020B0604020202020204" pitchFamily="34" charset="0"/>
+              <a:buChar char="•"/>
+              <a:defRPr sz="1800" kern="1200">
+                <a:solidFill>
+                  <a:schemeClr val="tx1"/>
+                </a:solidFill>
+                <a:latin typeface="+mn-lt"/>
+                <a:ea typeface="+mn-ea"/>
+                <a:cs typeface="+mn-cs"/>
+              </a:defRPr>
+            </a:lvl5pPr>
+            <a:lvl6pPr marL="2514600" indent="-228600" algn="l" defTabSz="914400" rtl="0" eaLnBrk="1" latinLnBrk="0" hangingPunct="1">
+              <a:lnSpc>
+                <a:spcPct val="90000"/>
+              </a:lnSpc>
+              <a:spcBef>
+                <a:spcPts val="500"/>
+              </a:spcBef>
+              <a:buFont typeface="Arial" panose="020B0604020202020204" pitchFamily="34" charset="0"/>
+              <a:buChar char="•"/>
+              <a:defRPr sz="1800" kern="1200">
+                <a:solidFill>
+                  <a:schemeClr val="tx1"/>
+                </a:solidFill>
+                <a:latin typeface="+mn-lt"/>
+                <a:ea typeface="+mn-ea"/>
+                <a:cs typeface="+mn-cs"/>
+              </a:defRPr>
+            </a:lvl6pPr>
+            <a:lvl7pPr marL="2971800" indent="-228600" algn="l" defTabSz="914400" rtl="0" eaLnBrk="1" latinLnBrk="0" hangingPunct="1">
+              <a:lnSpc>
+                <a:spcPct val="90000"/>
+              </a:lnSpc>
+              <a:spcBef>
+                <a:spcPts val="500"/>
+              </a:spcBef>
+              <a:buFont typeface="Arial" panose="020B0604020202020204" pitchFamily="34" charset="0"/>
+              <a:buChar char="•"/>
+              <a:defRPr sz="1800" kern="1200">
+                <a:solidFill>
+                  <a:schemeClr val="tx1"/>
+                </a:solidFill>
+                <a:latin typeface="+mn-lt"/>
+                <a:ea typeface="+mn-ea"/>
+                <a:cs typeface="+mn-cs"/>
+              </a:defRPr>
+            </a:lvl7pPr>
+            <a:lvl8pPr marL="3429000" indent="-228600" algn="l" defTabSz="914400" rtl="0" eaLnBrk="1" latinLnBrk="0" hangingPunct="1">
+              <a:lnSpc>
+                <a:spcPct val="90000"/>
+              </a:lnSpc>
+              <a:spcBef>
+                <a:spcPts val="500"/>
+              </a:spcBef>
+              <a:buFont typeface="Arial" panose="020B0604020202020204" pitchFamily="34" charset="0"/>
+              <a:buChar char="•"/>
+              <a:defRPr sz="1800" kern="1200">
+                <a:solidFill>
+                  <a:schemeClr val="tx1"/>
+                </a:solidFill>
+                <a:latin typeface="+mn-lt"/>
+                <a:ea typeface="+mn-ea"/>
+                <a:cs typeface="+mn-cs"/>
+              </a:defRPr>
+            </a:lvl8pPr>
+            <a:lvl9pPr marL="3886200" indent="-228600" algn="l" defTabSz="914400" rtl="0" eaLnBrk="1" latinLnBrk="0" hangingPunct="1">
+              <a:lnSpc>
+                <a:spcPct val="90000"/>
+              </a:lnSpc>
+              <a:spcBef>
+                <a:spcPts val="500"/>
+              </a:spcBef>
+              <a:buFont typeface="Arial" panose="020B0604020202020204" pitchFamily="34" charset="0"/>
+              <a:buChar char="•"/>
+              <a:defRPr sz="1800" kern="1200">
+                <a:solidFill>
+                  <a:schemeClr val="tx1"/>
+                </a:solidFill>
+                <a:latin typeface="+mn-lt"/>
+                <a:ea typeface="+mn-ea"/>
+                <a:cs typeface="+mn-cs"/>
+              </a:defRPr>
+            </a:lvl9pPr>
+          </a:lstStyle>
+          <a:p>
+            <a:pPr marL="0" indent="0">
+              <a:lnSpc>
+                <a:spcPct val="100000"/>
+              </a:lnSpc>
+              <a:buNone/>
+            </a:pPr>
+            <a:r>
+              <a:rPr lang="en-GB" sz="1400" dirty="0">
+                <a:latin typeface="DejaVu Sans Book" panose="020B0603030804020204" pitchFamily="34" charset="0"/>
+                <a:ea typeface="DejaVu Sans Book" panose="020B0603030804020204" pitchFamily="34" charset="0"/>
+                <a:cs typeface="DejaVu Sans Book" panose="020B0603030804020204" pitchFamily="34" charset="0"/>
+              </a:rPr>
+              <a:t>let name = "World" in do </a:t>
+            </a:r>
+            <a:r>
+              <a:rPr lang="en-GB" sz="1400" dirty="0" err="1">
+                <a:latin typeface="DejaVu Sans Book" panose="020B0603030804020204" pitchFamily="34" charset="0"/>
+                <a:ea typeface="DejaVu Sans Book" panose="020B0603030804020204" pitchFamily="34" charset="0"/>
+                <a:cs typeface="DejaVu Sans Book" panose="020B0603030804020204" pitchFamily="34" charset="0"/>
+              </a:rPr>
+              <a:t>printfn</a:t>
+            </a:r>
+            <a:r>
+              <a:rPr lang="en-GB" sz="1400" dirty="0">
+                <a:latin typeface="DejaVu Sans Book" panose="020B0603030804020204" pitchFamily="34" charset="0"/>
+                <a:ea typeface="DejaVu Sans Book" panose="020B0603030804020204" pitchFamily="34" charset="0"/>
+                <a:cs typeface="DejaVu Sans Book" panose="020B0603030804020204" pitchFamily="34" charset="0"/>
+              </a:rPr>
+              <a:t> "Hello %A" name</a:t>
+            </a:r>
+          </a:p>
+        </p:txBody>
+      </p:sp>
+      <p:cxnSp>
+        <p:nvCxnSpPr>
+          <p:cNvPr id="8" name="Straight Connector 7">
+            <a:extLst>
+              <a:ext uri="{FF2B5EF4-FFF2-40B4-BE49-F238E27FC236}">
+                <a16:creationId xmlns:a16="http://schemas.microsoft.com/office/drawing/2014/main" id="{48560804-E5BD-D744-99F0-A3D9E4A6B4E6}"/>
+              </a:ext>
+            </a:extLst>
+          </p:cNvPr>
+          <p:cNvCxnSpPr>
+            <a:cxnSpLocks/>
+          </p:cNvCxnSpPr>
+          <p:nvPr/>
+        </p:nvCxnSpPr>
+        <p:spPr>
+          <a:xfrm>
+            <a:off x="5882042" y="1833339"/>
+            <a:ext cx="0" cy="2962909"/>
+          </a:xfrm>
+          <a:prstGeom prst="line">
+            <a:avLst/>
+          </a:prstGeom>
+        </p:spPr>
+        <p:style>
+          <a:lnRef idx="1">
+            <a:schemeClr val="accent1"/>
+          </a:lnRef>
+          <a:fillRef idx="0">
+            <a:schemeClr val="accent1"/>
+          </a:fillRef>
+          <a:effectRef idx="0">
+            <a:schemeClr val="accent1"/>
+          </a:effectRef>
+          <a:fontRef idx="minor">
+            <a:schemeClr val="tx1"/>
+          </a:fontRef>
+        </p:style>
+      </p:cxnSp>
+      <p:sp>
+        <p:nvSpPr>
+          <p:cNvPr id="12" name="TextBox 11">
+            <a:extLst>
+              <a:ext uri="{FF2B5EF4-FFF2-40B4-BE49-F238E27FC236}">
+                <a16:creationId xmlns:a16="http://schemas.microsoft.com/office/drawing/2014/main" id="{BE137E81-60E3-6748-A023-B84C1B92C57D}"/>
+              </a:ext>
+            </a:extLst>
+          </p:cNvPr>
+          <p:cNvSpPr txBox="1"/>
+          <p:nvPr/>
+        </p:nvSpPr>
+        <p:spPr>
+          <a:xfrm>
+            <a:off x="588251" y="1994979"/>
+            <a:ext cx="2220160" cy="461665"/>
+          </a:xfrm>
+          <a:prstGeom prst="rect">
+            <a:avLst/>
+          </a:prstGeom>
+          <a:noFill/>
+        </p:spPr>
+        <p:txBody>
+          <a:bodyPr wrap="none" rtlCol="0">
+            <a:spAutoFit/>
+          </a:bodyPr>
+          <a:lstStyle/>
+          <a:p>
+            <a:r>
+              <a:rPr lang="en-GB" sz="2400" dirty="0" err="1"/>
+              <a:t>Letvægtssyntaks</a:t>
+            </a:r>
+            <a:endParaRPr lang="en-GB" sz="2400" dirty="0"/>
+          </a:p>
+        </p:txBody>
+      </p:sp>
+      <p:sp>
+        <p:nvSpPr>
+          <p:cNvPr id="13" name="TextBox 12">
+            <a:extLst>
+              <a:ext uri="{FF2B5EF4-FFF2-40B4-BE49-F238E27FC236}">
+                <a16:creationId xmlns:a16="http://schemas.microsoft.com/office/drawing/2014/main" id="{D0891C0B-93EB-9C4B-A7C8-D20A92E3A1EC}"/>
+              </a:ext>
+            </a:extLst>
+          </p:cNvPr>
+          <p:cNvSpPr txBox="1"/>
+          <p:nvPr/>
+        </p:nvSpPr>
+        <p:spPr>
+          <a:xfrm>
+            <a:off x="5998022" y="1994979"/>
+            <a:ext cx="2165465" cy="461665"/>
+          </a:xfrm>
+          <a:prstGeom prst="rect">
+            <a:avLst/>
+          </a:prstGeom>
+          <a:noFill/>
+        </p:spPr>
+        <p:txBody>
+          <a:bodyPr wrap="none" rtlCol="0">
+            <a:spAutoFit/>
+          </a:bodyPr>
+          <a:lstStyle/>
+          <a:p>
+            <a:r>
+              <a:rPr lang="en-GB" sz="2400" dirty="0"/>
+              <a:t>verbose </a:t>
+            </a:r>
+            <a:r>
+              <a:rPr lang="en-GB" sz="2400" dirty="0" err="1"/>
+              <a:t>syntaks</a:t>
+            </a:r>
+            <a:endParaRPr lang="en-GB" sz="2400" dirty="0"/>
+          </a:p>
+        </p:txBody>
+      </p:sp>
+      <p:sp>
+        <p:nvSpPr>
+          <p:cNvPr id="18" name="Content Placeholder 2">
+            <a:extLst>
+              <a:ext uri="{FF2B5EF4-FFF2-40B4-BE49-F238E27FC236}">
+                <a16:creationId xmlns:a16="http://schemas.microsoft.com/office/drawing/2014/main" id="{DD62AD6E-1B75-1647-9398-FEDF93D32EA3}"/>
+              </a:ext>
+            </a:extLst>
+          </p:cNvPr>
+          <p:cNvSpPr txBox="1">
+            <a:spLocks/>
+          </p:cNvSpPr>
+          <p:nvPr/>
+        </p:nvSpPr>
+        <p:spPr>
+          <a:xfrm>
+            <a:off x="804764" y="3964563"/>
+            <a:ext cx="4817535" cy="967845"/>
+          </a:xfrm>
+          <a:prstGeom prst="rect">
+            <a:avLst/>
+          </a:prstGeom>
+        </p:spPr>
+        <p:txBody>
+          <a:bodyPr vert="horz" lIns="91440" tIns="45720" rIns="91440" bIns="45720" rtlCol="0">
+            <a:normAutofit/>
+          </a:bodyPr>
+          <a:lstStyle>
+            <a:lvl1pPr marL="228600" indent="-228600" algn="l" defTabSz="914400" rtl="0" eaLnBrk="1" latinLnBrk="0" hangingPunct="1">
+              <a:lnSpc>
+                <a:spcPct val="90000"/>
+              </a:lnSpc>
+              <a:spcBef>
+                <a:spcPts val="1000"/>
+              </a:spcBef>
+              <a:buFont typeface="Arial" panose="020B0604020202020204" pitchFamily="34" charset="0"/>
+              <a:buChar char="•"/>
+              <a:defRPr sz="2800" kern="1200">
+                <a:solidFill>
+                  <a:schemeClr val="tx1"/>
+                </a:solidFill>
+                <a:latin typeface="+mn-lt"/>
+                <a:ea typeface="+mn-ea"/>
+                <a:cs typeface="+mn-cs"/>
+              </a:defRPr>
+            </a:lvl1pPr>
+            <a:lvl2pPr marL="685800" indent="-228600" algn="l" defTabSz="914400" rtl="0" eaLnBrk="1" latinLnBrk="0" hangingPunct="1">
+              <a:lnSpc>
+                <a:spcPct val="90000"/>
+              </a:lnSpc>
+              <a:spcBef>
+                <a:spcPts val="500"/>
+              </a:spcBef>
+              <a:buFont typeface="Arial" panose="020B0604020202020204" pitchFamily="34" charset="0"/>
+              <a:buChar char="•"/>
+              <a:defRPr sz="2400" kern="1200">
+                <a:solidFill>
+                  <a:schemeClr val="tx1"/>
+                </a:solidFill>
+                <a:latin typeface="+mn-lt"/>
+                <a:ea typeface="+mn-ea"/>
+                <a:cs typeface="+mn-cs"/>
+              </a:defRPr>
+            </a:lvl2pPr>
+            <a:lvl3pPr marL="1143000" indent="-228600" algn="l" defTabSz="914400" rtl="0" eaLnBrk="1" latinLnBrk="0" hangingPunct="1">
+              <a:lnSpc>
+                <a:spcPct val="90000"/>
+              </a:lnSpc>
+              <a:spcBef>
+                <a:spcPts val="500"/>
+              </a:spcBef>
+              <a:buFont typeface="Arial" panose="020B0604020202020204" pitchFamily="34" charset="0"/>
+              <a:buChar char="•"/>
+              <a:defRPr sz="2000" kern="1200">
+                <a:solidFill>
+                  <a:schemeClr val="tx1"/>
+                </a:solidFill>
+                <a:latin typeface="+mn-lt"/>
+                <a:ea typeface="+mn-ea"/>
+                <a:cs typeface="+mn-cs"/>
+              </a:defRPr>
+            </a:lvl3pPr>
+            <a:lvl4pPr marL="1600200" indent="-228600" algn="l" defTabSz="914400" rtl="0" eaLnBrk="1" latinLnBrk="0" hangingPunct="1">
+              <a:lnSpc>
+                <a:spcPct val="90000"/>
+              </a:lnSpc>
+              <a:spcBef>
+                <a:spcPts val="500"/>
+              </a:spcBef>
+              <a:buFont typeface="Arial" panose="020B0604020202020204" pitchFamily="34" charset="0"/>
+              <a:buChar char="•"/>
+              <a:defRPr sz="1800" kern="1200">
+                <a:solidFill>
+                  <a:schemeClr val="tx1"/>
+                </a:solidFill>
+                <a:latin typeface="+mn-lt"/>
+                <a:ea typeface="+mn-ea"/>
+                <a:cs typeface="+mn-cs"/>
+              </a:defRPr>
+            </a:lvl4pPr>
+            <a:lvl5pPr marL="2057400" indent="-228600" algn="l" defTabSz="914400" rtl="0" eaLnBrk="1" latinLnBrk="0" hangingPunct="1">
+              <a:lnSpc>
+                <a:spcPct val="90000"/>
+              </a:lnSpc>
+              <a:spcBef>
+                <a:spcPts val="500"/>
+              </a:spcBef>
+              <a:buFont typeface="Arial" panose="020B0604020202020204" pitchFamily="34" charset="0"/>
+              <a:buChar char="•"/>
+              <a:defRPr sz="1800" kern="1200">
+                <a:solidFill>
+                  <a:schemeClr val="tx1"/>
+                </a:solidFill>
+                <a:latin typeface="+mn-lt"/>
+                <a:ea typeface="+mn-ea"/>
+                <a:cs typeface="+mn-cs"/>
+              </a:defRPr>
+            </a:lvl5pPr>
+            <a:lvl6pPr marL="2514600" indent="-228600" algn="l" defTabSz="914400" rtl="0" eaLnBrk="1" latinLnBrk="0" hangingPunct="1">
+              <a:lnSpc>
+                <a:spcPct val="90000"/>
+              </a:lnSpc>
+              <a:spcBef>
+                <a:spcPts val="500"/>
+              </a:spcBef>
+              <a:buFont typeface="Arial" panose="020B0604020202020204" pitchFamily="34" charset="0"/>
+              <a:buChar char="•"/>
+              <a:defRPr sz="1800" kern="1200">
+                <a:solidFill>
+                  <a:schemeClr val="tx1"/>
+                </a:solidFill>
+                <a:latin typeface="+mn-lt"/>
+                <a:ea typeface="+mn-ea"/>
+                <a:cs typeface="+mn-cs"/>
+              </a:defRPr>
+            </a:lvl6pPr>
+            <a:lvl7pPr marL="2971800" indent="-228600" algn="l" defTabSz="914400" rtl="0" eaLnBrk="1" latinLnBrk="0" hangingPunct="1">
+              <a:lnSpc>
+                <a:spcPct val="90000"/>
+              </a:lnSpc>
+              <a:spcBef>
+                <a:spcPts val="500"/>
+              </a:spcBef>
+              <a:buFont typeface="Arial" panose="020B0604020202020204" pitchFamily="34" charset="0"/>
+              <a:buChar char="•"/>
+              <a:defRPr sz="1800" kern="1200">
+                <a:solidFill>
+                  <a:schemeClr val="tx1"/>
+                </a:solidFill>
+                <a:latin typeface="+mn-lt"/>
+                <a:ea typeface="+mn-ea"/>
+                <a:cs typeface="+mn-cs"/>
+              </a:defRPr>
+            </a:lvl7pPr>
+            <a:lvl8pPr marL="3429000" indent="-228600" algn="l" defTabSz="914400" rtl="0" eaLnBrk="1" latinLnBrk="0" hangingPunct="1">
+              <a:lnSpc>
+                <a:spcPct val="90000"/>
+              </a:lnSpc>
+              <a:spcBef>
+                <a:spcPts val="500"/>
+              </a:spcBef>
+              <a:buFont typeface="Arial" panose="020B0604020202020204" pitchFamily="34" charset="0"/>
+              <a:buChar char="•"/>
+              <a:defRPr sz="1800" kern="1200">
+                <a:solidFill>
+                  <a:schemeClr val="tx1"/>
+                </a:solidFill>
+                <a:latin typeface="+mn-lt"/>
+                <a:ea typeface="+mn-ea"/>
+                <a:cs typeface="+mn-cs"/>
+              </a:defRPr>
+            </a:lvl8pPr>
+            <a:lvl9pPr marL="3886200" indent="-228600" algn="l" defTabSz="914400" rtl="0" eaLnBrk="1" latinLnBrk="0" hangingPunct="1">
+              <a:lnSpc>
+                <a:spcPct val="90000"/>
+              </a:lnSpc>
+              <a:spcBef>
+                <a:spcPts val="500"/>
+              </a:spcBef>
+              <a:buFont typeface="Arial" panose="020B0604020202020204" pitchFamily="34" charset="0"/>
+              <a:buChar char="•"/>
+              <a:defRPr sz="1800" kern="1200">
+                <a:solidFill>
+                  <a:schemeClr val="tx1"/>
+                </a:solidFill>
+                <a:latin typeface="+mn-lt"/>
+                <a:ea typeface="+mn-ea"/>
+                <a:cs typeface="+mn-cs"/>
+              </a:defRPr>
+            </a:lvl9pPr>
+          </a:lstStyle>
+          <a:p>
+            <a:pPr marL="0" indent="0">
+              <a:lnSpc>
+                <a:spcPct val="100000"/>
+              </a:lnSpc>
+              <a:buNone/>
+            </a:pPr>
+            <a:r>
+              <a:rPr lang="en-GB" sz="1400" dirty="0">
+                <a:latin typeface="DejaVu Sans Book" panose="020B0603030804020204" pitchFamily="34" charset="0"/>
+                <a:ea typeface="DejaVu Sans Book" panose="020B0603030804020204" pitchFamily="34" charset="0"/>
+                <a:cs typeface="DejaVu Sans Book" panose="020B0603030804020204" pitchFamily="34" charset="0"/>
+              </a:rPr>
+              <a:t>let name = "World"</a:t>
+            </a:r>
+          </a:p>
+          <a:p>
+            <a:pPr marL="0" indent="0">
+              <a:lnSpc>
+                <a:spcPct val="100000"/>
+              </a:lnSpc>
+              <a:buNone/>
+            </a:pPr>
+            <a:r>
+              <a:rPr lang="en-GB" sz="1400" dirty="0" err="1">
+                <a:latin typeface="DejaVu Sans Book" panose="020B0603030804020204" pitchFamily="34" charset="0"/>
+                <a:ea typeface="DejaVu Sans Book" panose="020B0603030804020204" pitchFamily="34" charset="0"/>
+                <a:cs typeface="DejaVu Sans Book" panose="020B0603030804020204" pitchFamily="34" charset="0"/>
+              </a:rPr>
+              <a:t>printfn</a:t>
+            </a:r>
+            <a:r>
+              <a:rPr lang="en-GB" sz="1400" dirty="0">
+                <a:latin typeface="DejaVu Sans Book" panose="020B0603030804020204" pitchFamily="34" charset="0"/>
+                <a:ea typeface="DejaVu Sans Book" panose="020B0603030804020204" pitchFamily="34" charset="0"/>
+                <a:cs typeface="DejaVu Sans Book" panose="020B0603030804020204" pitchFamily="34" charset="0"/>
+              </a:rPr>
+              <a:t> "Hello %A" name</a:t>
+            </a:r>
+          </a:p>
+        </p:txBody>
+      </p:sp>
+      <p:sp>
+        <p:nvSpPr>
+          <p:cNvPr id="19" name="TextBox 18">
+            <a:extLst>
+              <a:ext uri="{FF2B5EF4-FFF2-40B4-BE49-F238E27FC236}">
+                <a16:creationId xmlns:a16="http://schemas.microsoft.com/office/drawing/2014/main" id="{5C18BC89-CAB2-224B-BD35-30E16FA35387}"/>
+              </a:ext>
+            </a:extLst>
+          </p:cNvPr>
+          <p:cNvSpPr txBox="1"/>
+          <p:nvPr/>
+        </p:nvSpPr>
+        <p:spPr>
+          <a:xfrm>
+            <a:off x="588254" y="3391287"/>
+            <a:ext cx="1604478" cy="461665"/>
+          </a:xfrm>
+          <a:prstGeom prst="rect">
+            <a:avLst/>
+          </a:prstGeom>
+          <a:noFill/>
+        </p:spPr>
+        <p:txBody>
+          <a:bodyPr wrap="none" rtlCol="0">
+            <a:spAutoFit/>
+          </a:bodyPr>
+          <a:lstStyle/>
+          <a:p>
+            <a:r>
+              <a:rPr lang="en-GB" sz="2400" dirty="0" err="1"/>
+              <a:t>Valgfrit</a:t>
+            </a:r>
+            <a:r>
+              <a:rPr lang="en-GB" sz="2400" dirty="0"/>
+              <a:t> ’do’</a:t>
+            </a:r>
+          </a:p>
+        </p:txBody>
+      </p:sp>
+      <p:cxnSp>
+        <p:nvCxnSpPr>
+          <p:cNvPr id="20" name="Straight Connector 19">
+            <a:extLst>
+              <a:ext uri="{FF2B5EF4-FFF2-40B4-BE49-F238E27FC236}">
+                <a16:creationId xmlns:a16="http://schemas.microsoft.com/office/drawing/2014/main" id="{F4AE97E3-8D48-F148-8E63-27700B43B071}"/>
+              </a:ext>
+            </a:extLst>
+          </p:cNvPr>
+          <p:cNvCxnSpPr>
+            <a:cxnSpLocks/>
+          </p:cNvCxnSpPr>
+          <p:nvPr/>
+        </p:nvCxnSpPr>
+        <p:spPr>
+          <a:xfrm>
+            <a:off x="588252" y="3305039"/>
+            <a:ext cx="5067914" cy="0"/>
+          </a:xfrm>
+          <a:prstGeom prst="line">
+            <a:avLst/>
+          </a:prstGeom>
+          <a:ln>
+            <a:prstDash val="dash"/>
+          </a:ln>
+        </p:spPr>
+        <p:style>
+          <a:lnRef idx="1">
+            <a:schemeClr val="accent1"/>
+          </a:lnRef>
+          <a:fillRef idx="0">
+            <a:schemeClr val="accent1"/>
+          </a:fillRef>
+          <a:effectRef idx="0">
+            <a:schemeClr val="accent1"/>
+          </a:effectRef>
+          <a:fontRef idx="minor">
+            <a:schemeClr val="tx1"/>
+          </a:fontRef>
+        </p:style>
+      </p:cxnSp>
+      <p:sp>
+        <p:nvSpPr>
+          <p:cNvPr id="3" name="Title 2">
+            <a:extLst>
+              <a:ext uri="{FF2B5EF4-FFF2-40B4-BE49-F238E27FC236}">
+                <a16:creationId xmlns:a16="http://schemas.microsoft.com/office/drawing/2014/main" id="{C860664D-DE47-9C46-8F28-4D3F7308DE8C}"/>
+              </a:ext>
+            </a:extLst>
+          </p:cNvPr>
+          <p:cNvSpPr>
+            <a:spLocks noGrp="1"/>
+          </p:cNvSpPr>
+          <p:nvPr>
+            <p:ph type="title"/>
+          </p:nvPr>
+        </p:nvSpPr>
+        <p:spPr/>
+        <p:txBody>
+          <a:bodyPr/>
+          <a:lstStyle/>
+          <a:p>
+            <a:r>
+              <a:rPr lang="en-GB" dirty="0" err="1"/>
+              <a:t>Syntaks</a:t>
+            </a:r>
+            <a:r>
+              <a:rPr lang="en-GB" dirty="0"/>
+              <a:t> </a:t>
+            </a:r>
+            <a:r>
+              <a:rPr lang="en-GB" dirty="0" err="1"/>
+              <a:t>og</a:t>
+            </a:r>
+            <a:r>
+              <a:rPr lang="en-GB" dirty="0"/>
+              <a:t> </a:t>
+            </a:r>
+            <a:r>
+              <a:rPr lang="en-GB" dirty="0" err="1"/>
+              <a:t>virkefelter</a:t>
+            </a:r>
+            <a:endParaRPr lang="en-GB" dirty="0"/>
+          </a:p>
+        </p:txBody>
+      </p:sp>
+    </p:spTree>
+    <p:extLst>
+      <p:ext uri="{BB962C8B-B14F-4D97-AF65-F5344CB8AC3E}">
+        <p14:creationId xmlns:p14="http://schemas.microsoft.com/office/powerpoint/2010/main" val="470524418"/>
+      </p:ext>
+    </p:extLst>
+  </p:cSld>
+  <p:clrMapOvr>
+    <a:masterClrMapping/>
+  </p:clrMapOvr>
+  <p:timing>
+    <p:tnLst>
+      <p:par>
+        <p:cTn id="1" dur="indefinite" restart="never" nodeType="tmRoot">
+          <p:childTnLst>
+            <p:seq concurrent="1" nextAc="seek">
+              <p:cTn id="2" dur="indefinite" nodeType="mainSeq">
+                <p:childTnLst>
+                  <p:par>
+                    <p:cTn id="3" fill="hold">
+                      <p:stCondLst>
+                        <p:cond delay="indefinite"/>
+                      </p:stCondLst>
+                      <p:childTnLst>
+                        <p:par>
+                          <p:cTn id="4" fill="hold">
+                            <p:stCondLst>
+                              <p:cond delay="0"/>
+                            </p:stCondLst>
+                            <p:childTnLst>
+                              <p:par>
+                                <p:cTn id="5" presetID="1" presetClass="entr" presetSubtype="0" fill="hold" nodeType="clickEffect">
+                                  <p:stCondLst>
+                                    <p:cond delay="0"/>
+                                  </p:stCondLst>
+                                  <p:childTnLst>
+                                    <p:set>
+                                      <p:cBhvr>
+                                        <p:cTn id="6" dur="1" fill="hold">
+                                          <p:stCondLst>
+                                            <p:cond delay="0"/>
+                                          </p:stCondLst>
+                                        </p:cTn>
+                                        <p:tgtEl>
+                                          <p:spTgt spid="20"/>
+                                        </p:tgtEl>
+                                        <p:attrNameLst>
+                                          <p:attrName>style.visibility</p:attrName>
+                                        </p:attrNameLst>
+                                      </p:cBhvr>
+                                      <p:to>
+                                        <p:strVal val="visible"/>
+                                      </p:to>
+                                    </p:set>
+                                  </p:childTnLst>
+                                </p:cTn>
+                              </p:par>
+                              <p:par>
+                                <p:cTn id="7" presetID="1" presetClass="entr" presetSubtype="0" fill="hold" grpId="0" nodeType="withEffect">
+                                  <p:stCondLst>
+                                    <p:cond delay="0"/>
+                                  </p:stCondLst>
+                                  <p:childTnLst>
+                                    <p:set>
+                                      <p:cBhvr>
+                                        <p:cTn id="8" dur="1" fill="hold">
+                                          <p:stCondLst>
+                                            <p:cond delay="0"/>
+                                          </p:stCondLst>
+                                        </p:cTn>
+                                        <p:tgtEl>
+                                          <p:spTgt spid="19"/>
+                                        </p:tgtEl>
+                                        <p:attrNameLst>
+                                          <p:attrName>style.visibility</p:attrName>
+                                        </p:attrNameLst>
+                                      </p:cBhvr>
+                                      <p:to>
+                                        <p:strVal val="visible"/>
+                                      </p:to>
+                                    </p:set>
+                                  </p:childTnLst>
+                                </p:cTn>
+                              </p:par>
+                              <p:par>
+                                <p:cTn id="9" presetID="1" presetClass="entr" presetSubtype="0" fill="hold" grpId="0" nodeType="withEffect">
+                                  <p:stCondLst>
+                                    <p:cond delay="0"/>
+                                  </p:stCondLst>
+                                  <p:childTnLst>
+                                    <p:set>
+                                      <p:cBhvr>
+                                        <p:cTn id="10" dur="1" fill="hold">
+                                          <p:stCondLst>
+                                            <p:cond delay="0"/>
+                                          </p:stCondLst>
+                                        </p:cTn>
+                                        <p:tgtEl>
+                                          <p:spTgt spid="18"/>
+                                        </p:tgtEl>
+                                        <p:attrNameLst>
+                                          <p:attrName>style.visibility</p:attrName>
+                                        </p:attrNameLst>
+                                      </p:cBhvr>
+                                      <p:to>
+                                        <p:strVal val="visible"/>
+                                      </p:to>
+                                    </p:set>
+                                  </p:childTnLst>
+                                </p:cTn>
+                              </p:par>
+                            </p:childTnLst>
+                          </p:cTn>
+                        </p:par>
+                      </p:childTnLst>
+                    </p:cTn>
+                  </p:par>
+                  <p:par>
+                    <p:cTn id="11" fill="hold">
+                      <p:stCondLst>
+                        <p:cond delay="indefinite"/>
+                      </p:stCondLst>
+                      <p:childTnLst>
+                        <p:par>
+                          <p:cTn id="12" fill="hold">
+                            <p:stCondLst>
+                              <p:cond delay="0"/>
+                            </p:stCondLst>
+                            <p:childTnLst>
+                              <p:par>
+                                <p:cTn id="13" presetID="1" presetClass="entr" presetSubtype="0" fill="hold" nodeType="clickEffect">
+                                  <p:stCondLst>
+                                    <p:cond delay="0"/>
+                                  </p:stCondLst>
+                                  <p:childTnLst>
+                                    <p:set>
+                                      <p:cBhvr>
+                                        <p:cTn id="14" dur="1" fill="hold">
+                                          <p:stCondLst>
+                                            <p:cond delay="0"/>
+                                          </p:stCondLst>
+                                        </p:cTn>
+                                        <p:tgtEl>
+                                          <p:spTgt spid="8"/>
+                                        </p:tgtEl>
+                                        <p:attrNameLst>
+                                          <p:attrName>style.visibility</p:attrName>
+                                        </p:attrNameLst>
+                                      </p:cBhvr>
+                                      <p:to>
+                                        <p:strVal val="visible"/>
+                                      </p:to>
+                                    </p:set>
+                                  </p:childTnLst>
+                                </p:cTn>
+                              </p:par>
+                              <p:par>
+                                <p:cTn id="15" presetID="1" presetClass="entr" presetSubtype="0" fill="hold" grpId="0" nodeType="withEffect">
+                                  <p:stCondLst>
+                                    <p:cond delay="0"/>
+                                  </p:stCondLst>
+                                  <p:childTnLst>
+                                    <p:set>
+                                      <p:cBhvr>
+                                        <p:cTn id="16" dur="1" fill="hold">
+                                          <p:stCondLst>
+                                            <p:cond delay="0"/>
+                                          </p:stCondLst>
+                                        </p:cTn>
+                                        <p:tgtEl>
+                                          <p:spTgt spid="6"/>
+                                        </p:tgtEl>
+                                        <p:attrNameLst>
+                                          <p:attrName>style.visibility</p:attrName>
+                                        </p:attrNameLst>
+                                      </p:cBhvr>
+                                      <p:to>
+                                        <p:strVal val="visible"/>
+                                      </p:to>
+                                    </p:set>
+                                  </p:childTnLst>
+                                </p:cTn>
+                              </p:par>
+                              <p:par>
+                                <p:cTn id="17" presetID="1" presetClass="entr" presetSubtype="0" fill="hold" grpId="0" nodeType="withEffect">
+                                  <p:stCondLst>
+                                    <p:cond delay="0"/>
+                                  </p:stCondLst>
+                                  <p:childTnLst>
+                                    <p:set>
+                                      <p:cBhvr>
+                                        <p:cTn id="18" dur="1" fill="hold">
+                                          <p:stCondLst>
+                                            <p:cond delay="0"/>
+                                          </p:stCondLst>
+                                        </p:cTn>
+                                        <p:tgtEl>
+                                          <p:spTgt spid="13"/>
+                                        </p:tgtEl>
+                                        <p:attrNameLst>
+                                          <p:attrName>style.visibility</p:attrName>
+                                        </p:attrNameLst>
+                                      </p:cBhvr>
+                                      <p:to>
+                                        <p:strVal val="visible"/>
+                                      </p:to>
+                                    </p:set>
+                                  </p:childTnLst>
+                                </p:cTn>
+                              </p:par>
+                            </p:childTnLst>
+                          </p:cTn>
+                        </p:par>
+                      </p:childTnLst>
+                    </p:cTn>
+                  </p:par>
+                </p:childTnLst>
+              </p:cTn>
+              <p:prevCondLst>
+                <p:cond evt="onPrev" delay="0">
+                  <p:tgtEl>
+                    <p:sldTgt/>
+                  </p:tgtEl>
+                </p:cond>
+              </p:prevCondLst>
+              <p:nextCondLst>
+                <p:cond evt="onNext" delay="0">
+                  <p:tgtEl>
+                    <p:sldTgt/>
+                  </p:tgtEl>
+                </p:cond>
+              </p:nextCondLst>
+            </p:seq>
+          </p:childTnLst>
+        </p:cTn>
+      </p:par>
+    </p:tnLst>
+    <p:bldLst>
+      <p:bldP spid="6" grpId="0"/>
+      <p:bldP spid="13" grpId="0"/>
+      <p:bldP spid="18" grpId="0"/>
+      <p:bldP spid="19" grpId="0"/>
+    </p:bldLst>
+  </p:timing>
+</p:sld>
+</file>
+
 <file path=ppt/slides/slide4.xml><?xml version="1.0" encoding="utf-8"?>
 <p:sld xmlns:a="http://schemas.openxmlformats.org/drawingml/2006/main" xmlns:r="http://schemas.openxmlformats.org/officeDocument/2006/relationships" xmlns:p="http://schemas.openxmlformats.org/presentationml/2006/main">
   <p:cSld>
@@ -20111,7 +17460,7 @@
         </p:nvSpPr>
         <p:spPr>
           <a:xfrm>
-            <a:off x="6759182" y="4024695"/>
+            <a:off x="6759182" y="4104705"/>
             <a:ext cx="4993995" cy="364264"/>
           </a:xfrm>
           <a:prstGeom prst="rect">
@@ -20358,7 +17707,7 @@
         </p:nvSpPr>
         <p:spPr>
           <a:xfrm>
-            <a:off x="6759182" y="4539515"/>
+            <a:off x="6759182" y="4619525"/>
             <a:ext cx="4993995" cy="364264"/>
           </a:xfrm>
           <a:prstGeom prst="rect">
@@ -20605,7 +17954,7 @@
         </p:nvSpPr>
         <p:spPr>
           <a:xfrm>
-            <a:off x="6759182" y="5063597"/>
+            <a:off x="6759182" y="5132177"/>
             <a:ext cx="5520448" cy="364264"/>
           </a:xfrm>
           <a:prstGeom prst="rect">
@@ -20898,8 +18247,8 @@
         </p:nvSpPr>
         <p:spPr>
           <a:xfrm rot="16200000">
-            <a:off x="-350351" y="2633300"/>
-            <a:ext cx="2185727" cy="369332"/>
+            <a:off x="-398600" y="2633300"/>
+            <a:ext cx="2282228" cy="369332"/>
           </a:xfrm>
           <a:prstGeom prst="rect">
             <a:avLst/>
@@ -20926,7 +18275,7 @@
                   </a:outerShdw>
                 </a:effectLst>
               </a:rPr>
-              <a:t>Lexicografisk</a:t>
+              <a:t>Leksikografisk</a:t>
             </a:r>
             <a:r>
               <a:rPr lang="en-GB" dirty="0">
@@ -21405,42 +18754,21 @@
               <a:buNone/>
             </a:pPr>
             <a:r>
+              <a:rPr lang="en-GB" sz="1600" dirty="0" err="1">
+                <a:latin typeface="DejaVu Sans Book" panose="020B0603030804020204" pitchFamily="34" charset="0"/>
+                <a:ea typeface="DejaVu Sans Book" panose="020B0603030804020204" pitchFamily="34" charset="0"/>
+                <a:cs typeface="DejaVu Sans Book" panose="020B0603030804020204" pitchFamily="34" charset="0"/>
+              </a:rPr>
+              <a:t>printfn</a:t>
+            </a:r>
+            <a:r>
               <a:rPr lang="en-GB" sz="1600" dirty="0">
                 <a:latin typeface="DejaVu Sans Book" panose="020B0603030804020204" pitchFamily="34" charset="0"/>
                 <a:ea typeface="DejaVu Sans Book" panose="020B0603030804020204" pitchFamily="34" charset="0"/>
                 <a:cs typeface="DejaVu Sans Book" panose="020B0603030804020204" pitchFamily="34" charset="0"/>
               </a:rPr>
-              <a:t>do </a:t>
-            </a:r>
-            <a:r>
-              <a:rPr lang="en-GB" sz="1600" dirty="0" err="1">
-                <a:latin typeface="DejaVu Sans Book" panose="020B0603030804020204" pitchFamily="34" charset="0"/>
-                <a:ea typeface="DejaVu Sans Book" panose="020B0603030804020204" pitchFamily="34" charset="0"/>
-                <a:cs typeface="DejaVu Sans Book" panose="020B0603030804020204" pitchFamily="34" charset="0"/>
-              </a:rPr>
-              <a:t>printfn</a:t>
-            </a:r>
-            <a:r>
-              <a:rPr lang="en-GB" sz="1600" dirty="0">
-                <a:latin typeface="DejaVu Sans Book" panose="020B0603030804020204" pitchFamily="34" charset="0"/>
-                <a:ea typeface="DejaVu Sans Book" panose="020B0603030804020204" pitchFamily="34" charset="0"/>
-                <a:cs typeface="DejaVu Sans Book" panose="020B0603030804020204" pitchFamily="34" charset="0"/>
-              </a:rPr>
-              <a:t> "%s" </a:t>
-            </a:r>
-            <a:r>
-              <a:rPr lang="en-GB" sz="1600" dirty="0" err="1">
-                <a:latin typeface="DejaVu Sans Book" panose="020B0603030804020204" pitchFamily="34" charset="0"/>
-                <a:ea typeface="DejaVu Sans Book" panose="020B0603030804020204" pitchFamily="34" charset="0"/>
-                <a:cs typeface="DejaVu Sans Book" panose="020B0603030804020204" pitchFamily="34" charset="0"/>
-              </a:rPr>
-              <a:t>str</a:t>
-            </a:r>
-            <a:endParaRPr lang="en-GB" sz="1600" dirty="0">
-              <a:latin typeface="DejaVu Sans Book" panose="020B0603030804020204" pitchFamily="34" charset="0"/>
-              <a:ea typeface="DejaVu Sans Book" panose="020B0603030804020204" pitchFamily="34" charset="0"/>
-              <a:cs typeface="DejaVu Sans Book" panose="020B0603030804020204" pitchFamily="34" charset="0"/>
-            </a:endParaRPr>
+              <a:t> "%s" str</a:t>
+            </a:r>
           </a:p>
           <a:p>
             <a:pPr marL="0" indent="0">
@@ -21449,14 +18777,6 @@
               </a:lnSpc>
               <a:buNone/>
             </a:pPr>
-            <a:r>
-              <a:rPr lang="en-GB" sz="1600" dirty="0">
-                <a:latin typeface="DejaVu Sans Book" panose="020B0603030804020204" pitchFamily="34" charset="0"/>
-                <a:ea typeface="DejaVu Sans Book" panose="020B0603030804020204" pitchFamily="34" charset="0"/>
-                <a:cs typeface="DejaVu Sans Book" panose="020B0603030804020204" pitchFamily="34" charset="0"/>
-              </a:rPr>
-              <a:t>do </a:t>
-            </a:r>
             <a:r>
               <a:rPr lang="en-GB" sz="1600" dirty="0" err="1">
                 <a:latin typeface="DejaVu Sans Book" panose="020B0603030804020204" pitchFamily="34" charset="0"/>
@@ -23555,7 +20875,23 @@
                 <a:ea typeface="DejaVu Sans Book" panose="020B0603030804020204" pitchFamily="34" charset="0"/>
                 <a:cs typeface="DejaVu Sans Book" panose="020B0603030804020204" pitchFamily="34" charset="0"/>
               </a:rPr>
-              <a:t> "0 = %.1fx^2 + %.1fx + %.1f =&gt; x_+ = %.1f" a b c </a:t>
+              <a:t> "0 = %fx^2 + %</a:t>
+            </a:r>
+            <a:r>
+              <a:rPr lang="en-GB" sz="1600" dirty="0" err="1">
+                <a:latin typeface="DejaVu Sans Book" panose="020B0603030804020204" pitchFamily="34" charset="0"/>
+                <a:ea typeface="DejaVu Sans Book" panose="020B0603030804020204" pitchFamily="34" charset="0"/>
+                <a:cs typeface="DejaVu Sans Book" panose="020B0603030804020204" pitchFamily="34" charset="0"/>
+              </a:rPr>
+              <a:t>fx</a:t>
+            </a:r>
+            <a:r>
+              <a:rPr lang="en-GB" sz="1600" dirty="0">
+                <a:latin typeface="DejaVu Sans Book" panose="020B0603030804020204" pitchFamily="34" charset="0"/>
+                <a:ea typeface="DejaVu Sans Book" panose="020B0603030804020204" pitchFamily="34" charset="0"/>
+                <a:cs typeface="DejaVu Sans Book" panose="020B0603030804020204" pitchFamily="34" charset="0"/>
+              </a:rPr>
+              <a:t> + %f =&gt; x_+ = %f" a b c </a:t>
             </a:r>
             <a:r>
               <a:rPr lang="en-GB" sz="1600" dirty="0" err="1">
@@ -26339,7 +23675,7 @@
 </file>
 
 <file path=ppt/slides/slide8.xml><?xml version="1.0" encoding="utf-8"?>
-<p:sld xmlns:a="http://schemas.openxmlformats.org/drawingml/2006/main" xmlns:r="http://schemas.openxmlformats.org/officeDocument/2006/relationships" xmlns:p="http://schemas.openxmlformats.org/presentationml/2006/main">
+<p:sld xmlns:a="http://schemas.openxmlformats.org/drawingml/2006/main" xmlns:r="http://schemas.openxmlformats.org/officeDocument/2006/relationships" xmlns:p="http://schemas.openxmlformats.org/presentationml/2006/main" show="0">
   <p:cSld>
     <p:spTree>
       <p:nvGrpSpPr>
@@ -27380,7 +24716,7 @@
           <p:cNvPr id="2" name="Title 1">
             <a:extLst>
               <a:ext uri="{FF2B5EF4-FFF2-40B4-BE49-F238E27FC236}">
-                <a16:creationId xmlns:a16="http://schemas.microsoft.com/office/drawing/2014/main" id="{D1114757-70E0-BC44-A0C3-5F5E20965113}"/>
+                <a16:creationId xmlns:a16="http://schemas.microsoft.com/office/drawing/2014/main" id="{FA8A84ED-08C9-EC4A-8078-BEFF32764DDE}"/>
               </a:ext>
             </a:extLst>
           </p:cNvPr>
@@ -27391,27 +24727,14 @@
             <p:ph type="title"/>
           </p:nvPr>
         </p:nvSpPr>
-        <p:spPr>
-          <a:xfrm>
-            <a:off x="249264" y="0"/>
-            <a:ext cx="10515600" cy="1325563"/>
-          </a:xfrm>
-        </p:spPr>
+        <p:spPr/>
         <p:txBody>
           <a:bodyPr/>
           <a:lstStyle/>
           <a:p>
             <a:r>
               <a:rPr lang="en-GB" dirty="0" err="1"/>
-              <a:t>printf</a:t>
-            </a:r>
-            <a:r>
-              <a:rPr lang="en-GB" dirty="0"/>
-              <a:t> </a:t>
-            </a:r>
-            <a:r>
-              <a:rPr lang="en-GB" dirty="0" err="1"/>
-              <a:t>familien</a:t>
+              <a:t>Betingelser</a:t>
             </a:r>
             <a:endParaRPr lang="en-GB" dirty="0"/>
           </a:p>
@@ -27419,10 +24742,10 @@
       </p:sp>
       <p:pic>
         <p:nvPicPr>
-          <p:cNvPr id="6" name="Content Placeholder 5">
+          <p:cNvPr id="5" name="Content Placeholder 4">
             <a:extLst>
               <a:ext uri="{FF2B5EF4-FFF2-40B4-BE49-F238E27FC236}">
-                <a16:creationId xmlns:a16="http://schemas.microsoft.com/office/drawing/2014/main" id="{CBACF5BC-0D9C-D548-883B-BFD12CD6F69F}"/>
+                <a16:creationId xmlns:a16="http://schemas.microsoft.com/office/drawing/2014/main" id="{87235312-F3A4-4E44-841D-CC127F128714}"/>
               </a:ext>
             </a:extLst>
           </p:cNvPr>
@@ -27441,52 +24764,17 @@
         </p:blipFill>
         <p:spPr>
           <a:xfrm>
-            <a:off x="445705" y="928768"/>
-            <a:ext cx="8331200" cy="1130300"/>
+            <a:off x="1311656" y="2372138"/>
+            <a:ext cx="1778000" cy="1905000"/>
           </a:xfrm>
-        </p:spPr>
-      </p:pic>
-      <p:pic>
-        <p:nvPicPr>
-          <p:cNvPr id="4" name="Content Placeholder 3">
-            <a:extLst>
-              <a:ext uri="{FF2B5EF4-FFF2-40B4-BE49-F238E27FC236}">
-                <a16:creationId xmlns:a16="http://schemas.microsoft.com/office/drawing/2014/main" id="{CF41127D-AF6B-F84E-BDA1-8C58820B71B5}"/>
-              </a:ext>
-            </a:extLst>
-          </p:cNvPr>
-          <p:cNvPicPr>
-            <a:picLocks noChangeAspect="1"/>
-          </p:cNvPicPr>
-          <p:nvPr/>
-        </p:nvPicPr>
-        <p:blipFill rotWithShape="1">
-          <a:blip r:embed="rId3">
-            <a:extLst>
-              <a:ext uri="{28A0092B-C50C-407E-A947-70E740481C1C}">
-                <a14:useLocalDpi xmlns:a14="http://schemas.microsoft.com/office/drawing/2010/main" val="0"/>
-              </a:ext>
-            </a:extLst>
-          </a:blip>
-          <a:srcRect b="6127"/>
-          <a:stretch/>
-        </p:blipFill>
-        <p:spPr>
-          <a:xfrm>
-            <a:off x="5240364" y="2465086"/>
-            <a:ext cx="6767445" cy="4137191"/>
-          </a:xfrm>
-          <a:prstGeom prst="rect">
-            <a:avLst/>
-          </a:prstGeom>
         </p:spPr>
       </p:pic>
       <p:sp>
         <p:nvSpPr>
-          <p:cNvPr id="7" name="Content Placeholder 2">
+          <p:cNvPr id="6" name="Content Placeholder 2">
             <a:extLst>
               <a:ext uri="{FF2B5EF4-FFF2-40B4-BE49-F238E27FC236}">
-                <a16:creationId xmlns:a16="http://schemas.microsoft.com/office/drawing/2014/main" id="{4259A302-C9C8-CD41-8A39-1E1A00A86DE2}"/>
+                <a16:creationId xmlns:a16="http://schemas.microsoft.com/office/drawing/2014/main" id="{5F758955-5CEB-A044-9283-15D7CEA92C60}"/>
               </a:ext>
             </a:extLst>
           </p:cNvPr>
@@ -27497,8 +24785,8 @@
         </p:nvSpPr>
         <p:spPr>
           <a:xfrm>
-            <a:off x="445705" y="2465086"/>
-            <a:ext cx="4432516" cy="1513668"/>
+            <a:off x="8812729" y="1965573"/>
+            <a:ext cx="2957866" cy="3392812"/>
           </a:xfrm>
           <a:prstGeom prst="rect">
             <a:avLst/>
@@ -27506,7 +24794,7 @@
         </p:spPr>
         <p:txBody>
           <a:bodyPr vert="horz" lIns="91440" tIns="45720" rIns="91440" bIns="45720" rtlCol="0">
-            <a:normAutofit/>
+            <a:noAutofit/>
           </a:bodyPr>
           <a:lstStyle>
             <a:lvl1pPr marL="228600" indent="-228600" algn="l" defTabSz="914400" rtl="0" eaLnBrk="1" latinLnBrk="0" hangingPunct="1">
@@ -27680,12 +24968,20 @@
               <a:buNone/>
             </a:pPr>
             <a:r>
+              <a:rPr lang="en-GB" sz="1600" dirty="0">
+                <a:latin typeface="DejaVu Sans Book" panose="020B0603030804020204" pitchFamily="34" charset="0"/>
+                <a:ea typeface="DejaVu Sans Book" panose="020B0603030804020204" pitchFamily="34" charset="0"/>
+                <a:cs typeface="DejaVu Sans Book" panose="020B0603030804020204" pitchFamily="34" charset="0"/>
+              </a:rPr>
+              <a:t>&gt; let </a:t>
+            </a:r>
+            <a:r>
               <a:rPr lang="en-GB" sz="1600" dirty="0" err="1">
                 <a:latin typeface="DejaVu Sans Book" panose="020B0603030804020204" pitchFamily="34" charset="0"/>
                 <a:ea typeface="DejaVu Sans Book" panose="020B0603030804020204" pitchFamily="34" charset="0"/>
                 <a:cs typeface="DejaVu Sans Book" panose="020B0603030804020204" pitchFamily="34" charset="0"/>
               </a:rPr>
-              <a:t>printf</a:t>
+              <a:t>str</a:t>
             </a:r>
             <a:r>
               <a:rPr lang="en-GB" sz="1600" dirty="0">
@@ -27693,39 +24989,7 @@
                 <a:ea typeface="DejaVu Sans Book" panose="020B0603030804020204" pitchFamily="34" charset="0"/>
                 <a:cs typeface="DejaVu Sans Book" panose="020B0603030804020204" pitchFamily="34" charset="0"/>
               </a:rPr>
-              <a:t> </a:t>
-            </a:r>
-            <a:r>
-              <a:rPr lang="da-DK" sz="1600" dirty="0">
-                <a:latin typeface="DejaVu Sans Book" panose="020B0603030804020204" pitchFamily="34" charset="0"/>
-                <a:ea typeface="DejaVu Sans Book" panose="020B0603030804020204" pitchFamily="34" charset="0"/>
-                <a:cs typeface="DejaVu Sans Book" panose="020B0603030804020204" pitchFamily="34" charset="0"/>
-              </a:rPr>
-              <a:t>"</a:t>
-            </a:r>
-            <a:r>
-              <a:rPr lang="en-GB" sz="1600" dirty="0">
-                <a:latin typeface="DejaVu Sans Book" panose="020B0603030804020204" pitchFamily="34" charset="0"/>
-                <a:ea typeface="DejaVu Sans Book" panose="020B0603030804020204" pitchFamily="34" charset="0"/>
-                <a:cs typeface="DejaVu Sans Book" panose="020B0603030804020204" pitchFamily="34" charset="0"/>
-              </a:rPr>
-              <a:t>The number is %d</a:t>
-            </a:r>
-            <a:r>
-              <a:rPr lang="da-DK" sz="1600" dirty="0">
-                <a:latin typeface="DejaVu Sans Book" panose="020B0603030804020204" pitchFamily="34" charset="0"/>
-                <a:ea typeface="DejaVu Sans Book" panose="020B0603030804020204" pitchFamily="34" charset="0"/>
-                <a:cs typeface="DejaVu Sans Book" panose="020B0603030804020204" pitchFamily="34" charset="0"/>
-              </a:rPr>
-              <a:t>"</a:t>
-            </a:r>
-            <a:r>
-              <a:rPr lang="en-GB" sz="1600" dirty="0">
-                <a:latin typeface="DejaVu Sans Book" panose="020B0603030804020204" pitchFamily="34" charset="0"/>
-                <a:ea typeface="DejaVu Sans Book" panose="020B0603030804020204" pitchFamily="34" charset="0"/>
-                <a:cs typeface="DejaVu Sans Book" panose="020B0603030804020204" pitchFamily="34" charset="0"/>
-              </a:rPr>
-              <a:t> 3</a:t>
+              <a:t> =</a:t>
             </a:r>
           </a:p>
           <a:p>
@@ -27736,52 +25000,12 @@
               <a:buNone/>
             </a:pPr>
             <a:r>
-              <a:rPr lang="en-GB" sz="1600" dirty="0" err="1">
-                <a:latin typeface="DejaVu Sans Book" panose="020B0603030804020204" pitchFamily="34" charset="0"/>
-                <a:ea typeface="DejaVu Sans Book" panose="020B0603030804020204" pitchFamily="34" charset="0"/>
-                <a:cs typeface="DejaVu Sans Book" panose="020B0603030804020204" pitchFamily="34" charset="0"/>
-              </a:rPr>
-              <a:t>printfn</a:t>
-            </a:r>
-            <a:r>
               <a:rPr lang="en-GB" sz="1600" dirty="0">
                 <a:latin typeface="DejaVu Sans Book" panose="020B0603030804020204" pitchFamily="34" charset="0"/>
                 <a:ea typeface="DejaVu Sans Book" panose="020B0603030804020204" pitchFamily="34" charset="0"/>
                 <a:cs typeface="DejaVu Sans Book" panose="020B0603030804020204" pitchFamily="34" charset="0"/>
               </a:rPr>
-              <a:t> </a:t>
-            </a:r>
-            <a:r>
-              <a:rPr lang="da-DK" sz="1600" dirty="0">
-                <a:latin typeface="DejaVu Sans Book" panose="020B0603030804020204" pitchFamily="34" charset="0"/>
-                <a:ea typeface="DejaVu Sans Book" panose="020B0603030804020204" pitchFamily="34" charset="0"/>
-                <a:cs typeface="DejaVu Sans Book" panose="020B0603030804020204" pitchFamily="34" charset="0"/>
-              </a:rPr>
-              <a:t>"</a:t>
-            </a:r>
-            <a:r>
-              <a:rPr lang="en-GB" sz="1600" dirty="0">
-                <a:latin typeface="DejaVu Sans Book" panose="020B0603030804020204" pitchFamily="34" charset="0"/>
-                <a:ea typeface="DejaVu Sans Book" panose="020B0603030804020204" pitchFamily="34" charset="0"/>
-                <a:cs typeface="DejaVu Sans Book" panose="020B0603030804020204" pitchFamily="34" charset="0"/>
-              </a:rPr>
-              <a:t>The number is %d</a:t>
-            </a:r>
-            <a:r>
-              <a:rPr lang="da-DK" sz="1600" dirty="0">
-                <a:latin typeface="DejaVu Sans Book" panose="020B0603030804020204" pitchFamily="34" charset="0"/>
-                <a:ea typeface="DejaVu Sans Book" panose="020B0603030804020204" pitchFamily="34" charset="0"/>
-                <a:cs typeface="DejaVu Sans Book" panose="020B0603030804020204" pitchFamily="34" charset="0"/>
-              </a:rPr>
-              <a:t>"</a:t>
-            </a:r>
-            <a:r>
-              <a:rPr lang="en-GB" sz="1600" dirty="0">
-                <a:latin typeface="DejaVu Sans Book" panose="020B0603030804020204" pitchFamily="34" charset="0"/>
-                <a:ea typeface="DejaVu Sans Book" panose="020B0603030804020204" pitchFamily="34" charset="0"/>
-                <a:cs typeface="DejaVu Sans Book" panose="020B0603030804020204" pitchFamily="34" charset="0"/>
-              </a:rPr>
-              <a:t> 3</a:t>
+              <a:t>-   if 3 &lt; 2 then</a:t>
             </a:r>
           </a:p>
           <a:p>
@@ -27792,52 +25016,12 @@
               <a:buNone/>
             </a:pPr>
             <a:r>
-              <a:rPr lang="en-GB" sz="1600" dirty="0" err="1">
-                <a:latin typeface="DejaVu Sans Book" panose="020B0603030804020204" pitchFamily="34" charset="0"/>
-                <a:ea typeface="DejaVu Sans Book" panose="020B0603030804020204" pitchFamily="34" charset="0"/>
-                <a:cs typeface="DejaVu Sans Book" panose="020B0603030804020204" pitchFamily="34" charset="0"/>
-              </a:rPr>
-              <a:t>sprintf</a:t>
-            </a:r>
-            <a:r>
               <a:rPr lang="en-GB" sz="1600" dirty="0">
                 <a:latin typeface="DejaVu Sans Book" panose="020B0603030804020204" pitchFamily="34" charset="0"/>
                 <a:ea typeface="DejaVu Sans Book" panose="020B0603030804020204" pitchFamily="34" charset="0"/>
                 <a:cs typeface="DejaVu Sans Book" panose="020B0603030804020204" pitchFamily="34" charset="0"/>
               </a:rPr>
-              <a:t> </a:t>
-            </a:r>
-            <a:r>
-              <a:rPr lang="da-DK" sz="1600" dirty="0">
-                <a:latin typeface="DejaVu Sans Book" panose="020B0603030804020204" pitchFamily="34" charset="0"/>
-                <a:ea typeface="DejaVu Sans Book" panose="020B0603030804020204" pitchFamily="34" charset="0"/>
-                <a:cs typeface="DejaVu Sans Book" panose="020B0603030804020204" pitchFamily="34" charset="0"/>
-              </a:rPr>
-              <a:t>"</a:t>
-            </a:r>
-            <a:r>
-              <a:rPr lang="en-GB" sz="1600" dirty="0">
-                <a:latin typeface="DejaVu Sans Book" panose="020B0603030804020204" pitchFamily="34" charset="0"/>
-                <a:ea typeface="DejaVu Sans Book" panose="020B0603030804020204" pitchFamily="34" charset="0"/>
-                <a:cs typeface="DejaVu Sans Book" panose="020B0603030804020204" pitchFamily="34" charset="0"/>
-              </a:rPr>
-              <a:t>The number is %d</a:t>
-            </a:r>
-            <a:r>
-              <a:rPr lang="da-DK" sz="1600" dirty="0">
-                <a:latin typeface="DejaVu Sans Book" panose="020B0603030804020204" pitchFamily="34" charset="0"/>
-                <a:ea typeface="DejaVu Sans Book" panose="020B0603030804020204" pitchFamily="34" charset="0"/>
-                <a:cs typeface="DejaVu Sans Book" panose="020B0603030804020204" pitchFamily="34" charset="0"/>
-              </a:rPr>
-              <a:t>"</a:t>
-            </a:r>
-            <a:r>
-              <a:rPr lang="en-GB" sz="1600" dirty="0">
-                <a:latin typeface="DejaVu Sans Book" panose="020B0603030804020204" pitchFamily="34" charset="0"/>
-                <a:ea typeface="DejaVu Sans Book" panose="020B0603030804020204" pitchFamily="34" charset="0"/>
-                <a:cs typeface="DejaVu Sans Book" panose="020B0603030804020204" pitchFamily="34" charset="0"/>
-              </a:rPr>
-              <a:t> 3</a:t>
+              <a:t>-     "3 &lt; 2"</a:t>
             </a:r>
           </a:p>
           <a:p>
@@ -27847,18 +25031,946 @@
               </a:lnSpc>
               <a:buNone/>
             </a:pPr>
-            <a:endParaRPr lang="en-GB" sz="1600" dirty="0">
-              <a:latin typeface="DejaVu Sans Book" panose="020B0603030804020204" pitchFamily="34" charset="0"/>
-              <a:ea typeface="DejaVu Sans Book" panose="020B0603030804020204" pitchFamily="34" charset="0"/>
-              <a:cs typeface="DejaVu Sans Book" panose="020B0603030804020204" pitchFamily="34" charset="0"/>
-            </a:endParaRPr>
+            <a:r>
+              <a:rPr lang="en-GB" sz="1600" dirty="0">
+                <a:latin typeface="DejaVu Sans Book" panose="020B0603030804020204" pitchFamily="34" charset="0"/>
+                <a:ea typeface="DejaVu Sans Book" panose="020B0603030804020204" pitchFamily="34" charset="0"/>
+                <a:cs typeface="DejaVu Sans Book" panose="020B0603030804020204" pitchFamily="34" charset="0"/>
+              </a:rPr>
+              <a:t>-   </a:t>
+            </a:r>
+            <a:r>
+              <a:rPr lang="en-GB" sz="1600" dirty="0" err="1">
+                <a:latin typeface="DejaVu Sans Book" panose="020B0603030804020204" pitchFamily="34" charset="0"/>
+                <a:ea typeface="DejaVu Sans Book" panose="020B0603030804020204" pitchFamily="34" charset="0"/>
+                <a:cs typeface="DejaVu Sans Book" panose="020B0603030804020204" pitchFamily="34" charset="0"/>
+              </a:rPr>
+              <a:t>elif</a:t>
+            </a:r>
+            <a:r>
+              <a:rPr lang="en-GB" sz="1600" dirty="0">
+                <a:latin typeface="DejaVu Sans Book" panose="020B0603030804020204" pitchFamily="34" charset="0"/>
+                <a:ea typeface="DejaVu Sans Book" panose="020B0603030804020204" pitchFamily="34" charset="0"/>
+                <a:cs typeface="DejaVu Sans Book" panose="020B0603030804020204" pitchFamily="34" charset="0"/>
+              </a:rPr>
+              <a:t> 3 = 2 then</a:t>
+            </a:r>
+          </a:p>
+          <a:p>
+            <a:pPr marL="0" indent="0">
+              <a:lnSpc>
+                <a:spcPct val="100000"/>
+              </a:lnSpc>
+              <a:buNone/>
+            </a:pPr>
+            <a:r>
+              <a:rPr lang="en-GB" sz="1600" dirty="0">
+                <a:latin typeface="DejaVu Sans Book" panose="020B0603030804020204" pitchFamily="34" charset="0"/>
+                <a:ea typeface="DejaVu Sans Book" panose="020B0603030804020204" pitchFamily="34" charset="0"/>
+                <a:cs typeface="DejaVu Sans Book" panose="020B0603030804020204" pitchFamily="34" charset="0"/>
+              </a:rPr>
+              <a:t>-     "3 = 2"</a:t>
+            </a:r>
+          </a:p>
+          <a:p>
+            <a:pPr marL="0" indent="0">
+              <a:lnSpc>
+                <a:spcPct val="100000"/>
+              </a:lnSpc>
+              <a:buNone/>
+            </a:pPr>
+            <a:r>
+              <a:rPr lang="en-GB" sz="1600" dirty="0">
+                <a:latin typeface="DejaVu Sans Book" panose="020B0603030804020204" pitchFamily="34" charset="0"/>
+                <a:ea typeface="DejaVu Sans Book" panose="020B0603030804020204" pitchFamily="34" charset="0"/>
+                <a:cs typeface="DejaVu Sans Book" panose="020B0603030804020204" pitchFamily="34" charset="0"/>
+              </a:rPr>
+              <a:t>-   else</a:t>
+            </a:r>
+          </a:p>
+          <a:p>
+            <a:pPr marL="0" indent="0">
+              <a:lnSpc>
+                <a:spcPct val="100000"/>
+              </a:lnSpc>
+              <a:buNone/>
+            </a:pPr>
+            <a:r>
+              <a:rPr lang="en-GB" sz="1600" dirty="0">
+                <a:latin typeface="DejaVu Sans Book" panose="020B0603030804020204" pitchFamily="34" charset="0"/>
+                <a:ea typeface="DejaVu Sans Book" panose="020B0603030804020204" pitchFamily="34" charset="0"/>
+                <a:cs typeface="DejaVu Sans Book" panose="020B0603030804020204" pitchFamily="34" charset="0"/>
+              </a:rPr>
+              <a:t>-     "3 &gt; 2";;</a:t>
+            </a:r>
+          </a:p>
+          <a:p>
+            <a:pPr marL="0" indent="0">
+              <a:lnSpc>
+                <a:spcPct val="100000"/>
+              </a:lnSpc>
+              <a:buNone/>
+            </a:pPr>
+            <a:r>
+              <a:rPr lang="en-GB" sz="1600" dirty="0" err="1">
+                <a:latin typeface="DejaVu Sans Book" panose="020B0603030804020204" pitchFamily="34" charset="0"/>
+                <a:ea typeface="DejaVu Sans Book" panose="020B0603030804020204" pitchFamily="34" charset="0"/>
+                <a:cs typeface="DejaVu Sans Book" panose="020B0603030804020204" pitchFamily="34" charset="0"/>
+              </a:rPr>
+              <a:t>val</a:t>
+            </a:r>
+            <a:r>
+              <a:rPr lang="en-GB" sz="1600" dirty="0">
+                <a:latin typeface="DejaVu Sans Book" panose="020B0603030804020204" pitchFamily="34" charset="0"/>
+                <a:ea typeface="DejaVu Sans Book" panose="020B0603030804020204" pitchFamily="34" charset="0"/>
+                <a:cs typeface="DejaVu Sans Book" panose="020B0603030804020204" pitchFamily="34" charset="0"/>
+              </a:rPr>
+              <a:t> </a:t>
+            </a:r>
+            <a:r>
+              <a:rPr lang="en-GB" sz="1600" dirty="0" err="1">
+                <a:latin typeface="DejaVu Sans Book" panose="020B0603030804020204" pitchFamily="34" charset="0"/>
+                <a:ea typeface="DejaVu Sans Book" panose="020B0603030804020204" pitchFamily="34" charset="0"/>
+                <a:cs typeface="DejaVu Sans Book" panose="020B0603030804020204" pitchFamily="34" charset="0"/>
+              </a:rPr>
+              <a:t>str</a:t>
+            </a:r>
+            <a:r>
+              <a:rPr lang="en-GB" sz="1600" dirty="0">
+                <a:latin typeface="DejaVu Sans Book" panose="020B0603030804020204" pitchFamily="34" charset="0"/>
+                <a:ea typeface="DejaVu Sans Book" panose="020B0603030804020204" pitchFamily="34" charset="0"/>
+                <a:cs typeface="DejaVu Sans Book" panose="020B0603030804020204" pitchFamily="34" charset="0"/>
+              </a:rPr>
+              <a:t> : string = "3 &gt; 2"</a:t>
+            </a:r>
+          </a:p>
+        </p:txBody>
+      </p:sp>
+      <p:cxnSp>
+        <p:nvCxnSpPr>
+          <p:cNvPr id="7" name="Straight Connector 6">
+            <a:extLst>
+              <a:ext uri="{FF2B5EF4-FFF2-40B4-BE49-F238E27FC236}">
+                <a16:creationId xmlns:a16="http://schemas.microsoft.com/office/drawing/2014/main" id="{1CAA9C42-779C-4D41-8F0B-22F3E683BF09}"/>
+              </a:ext>
+            </a:extLst>
+          </p:cNvPr>
+          <p:cNvCxnSpPr>
+            <a:cxnSpLocks/>
+          </p:cNvCxnSpPr>
+          <p:nvPr/>
+        </p:nvCxnSpPr>
+        <p:spPr>
+          <a:xfrm>
+            <a:off x="8208354" y="1215766"/>
+            <a:ext cx="0" cy="5260571"/>
+          </a:xfrm>
+          <a:prstGeom prst="line">
+            <a:avLst/>
+          </a:prstGeom>
+        </p:spPr>
+        <p:style>
+          <a:lnRef idx="1">
+            <a:schemeClr val="accent1"/>
+          </a:lnRef>
+          <a:fillRef idx="0">
+            <a:schemeClr val="accent1"/>
+          </a:fillRef>
+          <a:effectRef idx="0">
+            <a:schemeClr val="accent1"/>
+          </a:effectRef>
+          <a:fontRef idx="minor">
+            <a:schemeClr val="tx1"/>
+          </a:fontRef>
+        </p:style>
+      </p:cxnSp>
+      <p:sp>
+        <p:nvSpPr>
+          <p:cNvPr id="8" name="TextBox 7">
+            <a:extLst>
+              <a:ext uri="{FF2B5EF4-FFF2-40B4-BE49-F238E27FC236}">
+                <a16:creationId xmlns:a16="http://schemas.microsoft.com/office/drawing/2014/main" id="{008F05D8-1C88-724C-B55A-99C8462C11F4}"/>
+              </a:ext>
+            </a:extLst>
+          </p:cNvPr>
+          <p:cNvSpPr txBox="1"/>
+          <p:nvPr/>
+        </p:nvSpPr>
+        <p:spPr>
+          <a:xfrm>
+            <a:off x="8525869" y="1328232"/>
+            <a:ext cx="2667782" cy="461665"/>
+          </a:xfrm>
+          <a:prstGeom prst="rect">
+            <a:avLst/>
+          </a:prstGeom>
+          <a:noFill/>
+        </p:spPr>
+        <p:txBody>
+          <a:bodyPr wrap="none" rtlCol="0">
+            <a:spAutoFit/>
+          </a:bodyPr>
+          <a:lstStyle/>
+          <a:p>
+            <a:r>
+              <a:rPr lang="en-GB" sz="2400" dirty="0" err="1"/>
+              <a:t>Kæde</a:t>
+            </a:r>
+            <a:r>
+              <a:rPr lang="en-GB" sz="2400" dirty="0"/>
+              <a:t> </a:t>
+            </a:r>
+            <a:r>
+              <a:rPr lang="en-GB" sz="2400" dirty="0" err="1"/>
+              <a:t>af</a:t>
+            </a:r>
+            <a:r>
+              <a:rPr lang="en-GB" sz="2400" dirty="0"/>
+              <a:t> </a:t>
+            </a:r>
+            <a:r>
+              <a:rPr lang="en-GB" sz="2400" dirty="0" err="1"/>
+              <a:t>betingelser</a:t>
+            </a:r>
+            <a:endParaRPr lang="en-GB" sz="2400" dirty="0"/>
+          </a:p>
+        </p:txBody>
+      </p:sp>
+      <p:sp>
+        <p:nvSpPr>
+          <p:cNvPr id="9" name="Content Placeholder 2">
+            <a:extLst>
+              <a:ext uri="{FF2B5EF4-FFF2-40B4-BE49-F238E27FC236}">
+                <a16:creationId xmlns:a16="http://schemas.microsoft.com/office/drawing/2014/main" id="{445F9F68-01BF-6741-B548-46BBF40CF19E}"/>
+              </a:ext>
+            </a:extLst>
+          </p:cNvPr>
+          <p:cNvSpPr txBox="1">
+            <a:spLocks/>
+          </p:cNvSpPr>
+          <p:nvPr/>
+        </p:nvSpPr>
+        <p:spPr>
+          <a:xfrm>
+            <a:off x="4646113" y="1800981"/>
+            <a:ext cx="2541071" cy="2225250"/>
+          </a:xfrm>
+          <a:prstGeom prst="rect">
+            <a:avLst/>
+          </a:prstGeom>
+        </p:spPr>
+        <p:txBody>
+          <a:bodyPr vert="horz" lIns="91440" tIns="45720" rIns="91440" bIns="45720" rtlCol="0">
+            <a:noAutofit/>
+          </a:bodyPr>
+          <a:lstStyle>
+            <a:lvl1pPr marL="228600" indent="-228600" algn="l" defTabSz="914400" rtl="0" eaLnBrk="1" latinLnBrk="0" hangingPunct="1">
+              <a:lnSpc>
+                <a:spcPct val="90000"/>
+              </a:lnSpc>
+              <a:spcBef>
+                <a:spcPts val="1000"/>
+              </a:spcBef>
+              <a:buFont typeface="Arial" panose="020B0604020202020204" pitchFamily="34" charset="0"/>
+              <a:buChar char="•"/>
+              <a:defRPr sz="2800" kern="1200">
+                <a:solidFill>
+                  <a:schemeClr val="tx1"/>
+                </a:solidFill>
+                <a:latin typeface="+mn-lt"/>
+                <a:ea typeface="+mn-ea"/>
+                <a:cs typeface="+mn-cs"/>
+              </a:defRPr>
+            </a:lvl1pPr>
+            <a:lvl2pPr marL="685800" indent="-228600" algn="l" defTabSz="914400" rtl="0" eaLnBrk="1" latinLnBrk="0" hangingPunct="1">
+              <a:lnSpc>
+                <a:spcPct val="90000"/>
+              </a:lnSpc>
+              <a:spcBef>
+                <a:spcPts val="500"/>
+              </a:spcBef>
+              <a:buFont typeface="Arial" panose="020B0604020202020204" pitchFamily="34" charset="0"/>
+              <a:buChar char="•"/>
+              <a:defRPr sz="2400" kern="1200">
+                <a:solidFill>
+                  <a:schemeClr val="tx1"/>
+                </a:solidFill>
+                <a:latin typeface="+mn-lt"/>
+                <a:ea typeface="+mn-ea"/>
+                <a:cs typeface="+mn-cs"/>
+              </a:defRPr>
+            </a:lvl2pPr>
+            <a:lvl3pPr marL="1143000" indent="-228600" algn="l" defTabSz="914400" rtl="0" eaLnBrk="1" latinLnBrk="0" hangingPunct="1">
+              <a:lnSpc>
+                <a:spcPct val="90000"/>
+              </a:lnSpc>
+              <a:spcBef>
+                <a:spcPts val="500"/>
+              </a:spcBef>
+              <a:buFont typeface="Arial" panose="020B0604020202020204" pitchFamily="34" charset="0"/>
+              <a:buChar char="•"/>
+              <a:defRPr sz="2000" kern="1200">
+                <a:solidFill>
+                  <a:schemeClr val="tx1"/>
+                </a:solidFill>
+                <a:latin typeface="+mn-lt"/>
+                <a:ea typeface="+mn-ea"/>
+                <a:cs typeface="+mn-cs"/>
+              </a:defRPr>
+            </a:lvl3pPr>
+            <a:lvl4pPr marL="1600200" indent="-228600" algn="l" defTabSz="914400" rtl="0" eaLnBrk="1" latinLnBrk="0" hangingPunct="1">
+              <a:lnSpc>
+                <a:spcPct val="90000"/>
+              </a:lnSpc>
+              <a:spcBef>
+                <a:spcPts val="500"/>
+              </a:spcBef>
+              <a:buFont typeface="Arial" panose="020B0604020202020204" pitchFamily="34" charset="0"/>
+              <a:buChar char="•"/>
+              <a:defRPr sz="1800" kern="1200">
+                <a:solidFill>
+                  <a:schemeClr val="tx1"/>
+                </a:solidFill>
+                <a:latin typeface="+mn-lt"/>
+                <a:ea typeface="+mn-ea"/>
+                <a:cs typeface="+mn-cs"/>
+              </a:defRPr>
+            </a:lvl4pPr>
+            <a:lvl5pPr marL="2057400" indent="-228600" algn="l" defTabSz="914400" rtl="0" eaLnBrk="1" latinLnBrk="0" hangingPunct="1">
+              <a:lnSpc>
+                <a:spcPct val="90000"/>
+              </a:lnSpc>
+              <a:spcBef>
+                <a:spcPts val="500"/>
+              </a:spcBef>
+              <a:buFont typeface="Arial" panose="020B0604020202020204" pitchFamily="34" charset="0"/>
+              <a:buChar char="•"/>
+              <a:defRPr sz="1800" kern="1200">
+                <a:solidFill>
+                  <a:schemeClr val="tx1"/>
+                </a:solidFill>
+                <a:latin typeface="+mn-lt"/>
+                <a:ea typeface="+mn-ea"/>
+                <a:cs typeface="+mn-cs"/>
+              </a:defRPr>
+            </a:lvl5pPr>
+            <a:lvl6pPr marL="2514600" indent="-228600" algn="l" defTabSz="914400" rtl="0" eaLnBrk="1" latinLnBrk="0" hangingPunct="1">
+              <a:lnSpc>
+                <a:spcPct val="90000"/>
+              </a:lnSpc>
+              <a:spcBef>
+                <a:spcPts val="500"/>
+              </a:spcBef>
+              <a:buFont typeface="Arial" panose="020B0604020202020204" pitchFamily="34" charset="0"/>
+              <a:buChar char="•"/>
+              <a:defRPr sz="1800" kern="1200">
+                <a:solidFill>
+                  <a:schemeClr val="tx1"/>
+                </a:solidFill>
+                <a:latin typeface="+mn-lt"/>
+                <a:ea typeface="+mn-ea"/>
+                <a:cs typeface="+mn-cs"/>
+              </a:defRPr>
+            </a:lvl6pPr>
+            <a:lvl7pPr marL="2971800" indent="-228600" algn="l" defTabSz="914400" rtl="0" eaLnBrk="1" latinLnBrk="0" hangingPunct="1">
+              <a:lnSpc>
+                <a:spcPct val="90000"/>
+              </a:lnSpc>
+              <a:spcBef>
+                <a:spcPts val="500"/>
+              </a:spcBef>
+              <a:buFont typeface="Arial" panose="020B0604020202020204" pitchFamily="34" charset="0"/>
+              <a:buChar char="•"/>
+              <a:defRPr sz="1800" kern="1200">
+                <a:solidFill>
+                  <a:schemeClr val="tx1"/>
+                </a:solidFill>
+                <a:latin typeface="+mn-lt"/>
+                <a:ea typeface="+mn-ea"/>
+                <a:cs typeface="+mn-cs"/>
+              </a:defRPr>
+            </a:lvl7pPr>
+            <a:lvl8pPr marL="3429000" indent="-228600" algn="l" defTabSz="914400" rtl="0" eaLnBrk="1" latinLnBrk="0" hangingPunct="1">
+              <a:lnSpc>
+                <a:spcPct val="90000"/>
+              </a:lnSpc>
+              <a:spcBef>
+                <a:spcPts val="500"/>
+              </a:spcBef>
+              <a:buFont typeface="Arial" panose="020B0604020202020204" pitchFamily="34" charset="0"/>
+              <a:buChar char="•"/>
+              <a:defRPr sz="1800" kern="1200">
+                <a:solidFill>
+                  <a:schemeClr val="tx1"/>
+                </a:solidFill>
+                <a:latin typeface="+mn-lt"/>
+                <a:ea typeface="+mn-ea"/>
+                <a:cs typeface="+mn-cs"/>
+              </a:defRPr>
+            </a:lvl8pPr>
+            <a:lvl9pPr marL="3886200" indent="-228600" algn="l" defTabSz="914400" rtl="0" eaLnBrk="1" latinLnBrk="0" hangingPunct="1">
+              <a:lnSpc>
+                <a:spcPct val="90000"/>
+              </a:lnSpc>
+              <a:spcBef>
+                <a:spcPts val="500"/>
+              </a:spcBef>
+              <a:buFont typeface="Arial" panose="020B0604020202020204" pitchFamily="34" charset="0"/>
+              <a:buChar char="•"/>
+              <a:defRPr sz="1800" kern="1200">
+                <a:solidFill>
+                  <a:schemeClr val="tx1"/>
+                </a:solidFill>
+                <a:latin typeface="+mn-lt"/>
+                <a:ea typeface="+mn-ea"/>
+                <a:cs typeface="+mn-cs"/>
+              </a:defRPr>
+            </a:lvl9pPr>
+          </a:lstStyle>
+          <a:p>
+            <a:pPr marL="0" indent="0">
+              <a:lnSpc>
+                <a:spcPct val="100000"/>
+              </a:lnSpc>
+              <a:buNone/>
+            </a:pPr>
+            <a:r>
+              <a:rPr lang="en-GB" sz="1600" dirty="0">
+                <a:latin typeface="DejaVu Sans Book" panose="020B0603030804020204" pitchFamily="34" charset="0"/>
+                <a:ea typeface="DejaVu Sans Book" panose="020B0603030804020204" pitchFamily="34" charset="0"/>
+                <a:cs typeface="DejaVu Sans Book" panose="020B0603030804020204" pitchFamily="34" charset="0"/>
+              </a:rPr>
+              <a:t>&gt; if 3 &lt; 2 then       </a:t>
+            </a:r>
+          </a:p>
+          <a:p>
+            <a:pPr marL="0" indent="0">
+              <a:lnSpc>
+                <a:spcPct val="100000"/>
+              </a:lnSpc>
+              <a:buNone/>
+            </a:pPr>
+            <a:r>
+              <a:rPr lang="en-GB" sz="1600" dirty="0">
+                <a:latin typeface="DejaVu Sans Book" panose="020B0603030804020204" pitchFamily="34" charset="0"/>
+                <a:ea typeface="DejaVu Sans Book" panose="020B0603030804020204" pitchFamily="34" charset="0"/>
+                <a:cs typeface="DejaVu Sans Book" panose="020B0603030804020204" pitchFamily="34" charset="0"/>
+              </a:rPr>
+              <a:t>-   </a:t>
+            </a:r>
+            <a:r>
+              <a:rPr lang="en-GB" sz="1600" dirty="0" err="1">
+                <a:latin typeface="DejaVu Sans Book" panose="020B0603030804020204" pitchFamily="34" charset="0"/>
+                <a:ea typeface="DejaVu Sans Book" panose="020B0603030804020204" pitchFamily="34" charset="0"/>
+                <a:cs typeface="DejaVu Sans Book" panose="020B0603030804020204" pitchFamily="34" charset="0"/>
+              </a:rPr>
+              <a:t>printfn</a:t>
+            </a:r>
+            <a:r>
+              <a:rPr lang="en-GB" sz="1600" dirty="0">
+                <a:latin typeface="DejaVu Sans Book" panose="020B0603030804020204" pitchFamily="34" charset="0"/>
+                <a:ea typeface="DejaVu Sans Book" panose="020B0603030804020204" pitchFamily="34" charset="0"/>
+                <a:cs typeface="DejaVu Sans Book" panose="020B0603030804020204" pitchFamily="34" charset="0"/>
+              </a:rPr>
+              <a:t> "3 &lt; 2"   </a:t>
+            </a:r>
+          </a:p>
+          <a:p>
+            <a:pPr marL="0" indent="0">
+              <a:lnSpc>
+                <a:spcPct val="100000"/>
+              </a:lnSpc>
+              <a:buNone/>
+            </a:pPr>
+            <a:r>
+              <a:rPr lang="en-GB" sz="1600" dirty="0">
+                <a:latin typeface="DejaVu Sans Book" panose="020B0603030804020204" pitchFamily="34" charset="0"/>
+                <a:ea typeface="DejaVu Sans Book" panose="020B0603030804020204" pitchFamily="34" charset="0"/>
+                <a:cs typeface="DejaVu Sans Book" panose="020B0603030804020204" pitchFamily="34" charset="0"/>
+              </a:rPr>
+              <a:t>- else                </a:t>
+            </a:r>
+          </a:p>
+          <a:p>
+            <a:pPr marL="0" indent="0">
+              <a:lnSpc>
+                <a:spcPct val="100000"/>
+              </a:lnSpc>
+              <a:buNone/>
+            </a:pPr>
+            <a:r>
+              <a:rPr lang="en-GB" sz="1600" dirty="0">
+                <a:latin typeface="DejaVu Sans Book" panose="020B0603030804020204" pitchFamily="34" charset="0"/>
+                <a:ea typeface="DejaVu Sans Book" panose="020B0603030804020204" pitchFamily="34" charset="0"/>
+                <a:cs typeface="DejaVu Sans Book" panose="020B0603030804020204" pitchFamily="34" charset="0"/>
+              </a:rPr>
+              <a:t>-   </a:t>
+            </a:r>
+            <a:r>
+              <a:rPr lang="en-GB" sz="1600" dirty="0" err="1">
+                <a:latin typeface="DejaVu Sans Book" panose="020B0603030804020204" pitchFamily="34" charset="0"/>
+                <a:ea typeface="DejaVu Sans Book" panose="020B0603030804020204" pitchFamily="34" charset="0"/>
+                <a:cs typeface="DejaVu Sans Book" panose="020B0603030804020204" pitchFamily="34" charset="0"/>
+              </a:rPr>
+              <a:t>printfn</a:t>
+            </a:r>
+            <a:r>
+              <a:rPr lang="en-GB" sz="1600" dirty="0">
+                <a:latin typeface="DejaVu Sans Book" panose="020B0603030804020204" pitchFamily="34" charset="0"/>
+                <a:ea typeface="DejaVu Sans Book" panose="020B0603030804020204" pitchFamily="34" charset="0"/>
+                <a:cs typeface="DejaVu Sans Book" panose="020B0603030804020204" pitchFamily="34" charset="0"/>
+              </a:rPr>
+              <a:t> "3 &gt;= 2";;</a:t>
+            </a:r>
+          </a:p>
+          <a:p>
+            <a:pPr marL="0" indent="0">
+              <a:lnSpc>
+                <a:spcPct val="100000"/>
+              </a:lnSpc>
+              <a:buNone/>
+            </a:pPr>
+            <a:r>
+              <a:rPr lang="en-GB" sz="1600" dirty="0">
+                <a:latin typeface="DejaVu Sans Book" panose="020B0603030804020204" pitchFamily="34" charset="0"/>
+                <a:ea typeface="DejaVu Sans Book" panose="020B0603030804020204" pitchFamily="34" charset="0"/>
+                <a:cs typeface="DejaVu Sans Book" panose="020B0603030804020204" pitchFamily="34" charset="0"/>
+              </a:rPr>
+              <a:t>3 &gt;= 2</a:t>
+            </a:r>
+          </a:p>
+          <a:p>
+            <a:pPr marL="0" indent="0">
+              <a:lnSpc>
+                <a:spcPct val="100000"/>
+              </a:lnSpc>
+              <a:buNone/>
+            </a:pPr>
+            <a:r>
+              <a:rPr lang="en-GB" sz="1600" dirty="0" err="1">
+                <a:latin typeface="DejaVu Sans Book" panose="020B0603030804020204" pitchFamily="34" charset="0"/>
+                <a:ea typeface="DejaVu Sans Book" panose="020B0603030804020204" pitchFamily="34" charset="0"/>
+                <a:cs typeface="DejaVu Sans Book" panose="020B0603030804020204" pitchFamily="34" charset="0"/>
+              </a:rPr>
+              <a:t>val</a:t>
+            </a:r>
+            <a:r>
+              <a:rPr lang="en-GB" sz="1600" dirty="0">
+                <a:latin typeface="DejaVu Sans Book" panose="020B0603030804020204" pitchFamily="34" charset="0"/>
+                <a:ea typeface="DejaVu Sans Book" panose="020B0603030804020204" pitchFamily="34" charset="0"/>
+                <a:cs typeface="DejaVu Sans Book" panose="020B0603030804020204" pitchFamily="34" charset="0"/>
+              </a:rPr>
+              <a:t> it : unit = ()</a:t>
+            </a:r>
+          </a:p>
+        </p:txBody>
+      </p:sp>
+      <p:cxnSp>
+        <p:nvCxnSpPr>
+          <p:cNvPr id="10" name="Straight Connector 9">
+            <a:extLst>
+              <a:ext uri="{FF2B5EF4-FFF2-40B4-BE49-F238E27FC236}">
+                <a16:creationId xmlns:a16="http://schemas.microsoft.com/office/drawing/2014/main" id="{4BA22578-D4F6-CC4B-B003-673CC66F18B3}"/>
+              </a:ext>
+            </a:extLst>
+          </p:cNvPr>
+          <p:cNvCxnSpPr>
+            <a:cxnSpLocks/>
+          </p:cNvCxnSpPr>
+          <p:nvPr/>
+        </p:nvCxnSpPr>
+        <p:spPr>
+          <a:xfrm>
+            <a:off x="4041738" y="1179190"/>
+            <a:ext cx="0" cy="5260571"/>
+          </a:xfrm>
+          <a:prstGeom prst="line">
+            <a:avLst/>
+          </a:prstGeom>
+        </p:spPr>
+        <p:style>
+          <a:lnRef idx="1">
+            <a:schemeClr val="accent1"/>
+          </a:lnRef>
+          <a:fillRef idx="0">
+            <a:schemeClr val="accent1"/>
+          </a:fillRef>
+          <a:effectRef idx="0">
+            <a:schemeClr val="accent1"/>
+          </a:effectRef>
+          <a:fontRef idx="minor">
+            <a:schemeClr val="tx1"/>
+          </a:fontRef>
+        </p:style>
+      </p:cxnSp>
+      <p:sp>
+        <p:nvSpPr>
+          <p:cNvPr id="11" name="TextBox 10">
+            <a:extLst>
+              <a:ext uri="{FF2B5EF4-FFF2-40B4-BE49-F238E27FC236}">
+                <a16:creationId xmlns:a16="http://schemas.microsoft.com/office/drawing/2014/main" id="{9EE123FE-C00C-844E-81A0-A07818ED05A8}"/>
+              </a:ext>
+            </a:extLst>
+          </p:cNvPr>
+          <p:cNvSpPr txBox="1"/>
+          <p:nvPr/>
+        </p:nvSpPr>
+        <p:spPr>
+          <a:xfrm>
+            <a:off x="4359253" y="1291656"/>
+            <a:ext cx="1615892" cy="461665"/>
+          </a:xfrm>
+          <a:prstGeom prst="rect">
+            <a:avLst/>
+          </a:prstGeom>
+          <a:noFill/>
+        </p:spPr>
+        <p:txBody>
+          <a:bodyPr wrap="none" rtlCol="0">
+            <a:spAutoFit/>
+          </a:bodyPr>
+          <a:lstStyle/>
+          <a:p>
+            <a:r>
+              <a:rPr lang="en-GB" sz="2400" dirty="0"/>
+              <a:t>If-then-else</a:t>
+            </a:r>
+          </a:p>
+        </p:txBody>
+      </p:sp>
+      <p:sp>
+        <p:nvSpPr>
+          <p:cNvPr id="12" name="Content Placeholder 2">
+            <a:extLst>
+              <a:ext uri="{FF2B5EF4-FFF2-40B4-BE49-F238E27FC236}">
+                <a16:creationId xmlns:a16="http://schemas.microsoft.com/office/drawing/2014/main" id="{799C16BE-621B-7645-BD01-AA8BD5034D93}"/>
+              </a:ext>
+            </a:extLst>
+          </p:cNvPr>
+          <p:cNvSpPr txBox="1">
+            <a:spLocks/>
+          </p:cNvSpPr>
+          <p:nvPr/>
+        </p:nvSpPr>
+        <p:spPr>
+          <a:xfrm>
+            <a:off x="4646112" y="4340561"/>
+            <a:ext cx="2957868" cy="2206543"/>
+          </a:xfrm>
+          <a:prstGeom prst="rect">
+            <a:avLst/>
+          </a:prstGeom>
+        </p:spPr>
+        <p:txBody>
+          <a:bodyPr vert="horz" lIns="91440" tIns="45720" rIns="91440" bIns="45720" rtlCol="0">
+            <a:noAutofit/>
+          </a:bodyPr>
+          <a:lstStyle>
+            <a:lvl1pPr marL="228600" indent="-228600" algn="l" defTabSz="914400" rtl="0" eaLnBrk="1" latinLnBrk="0" hangingPunct="1">
+              <a:lnSpc>
+                <a:spcPct val="90000"/>
+              </a:lnSpc>
+              <a:spcBef>
+                <a:spcPts val="1000"/>
+              </a:spcBef>
+              <a:buFont typeface="Arial" panose="020B0604020202020204" pitchFamily="34" charset="0"/>
+              <a:buChar char="•"/>
+              <a:defRPr sz="2800" kern="1200">
+                <a:solidFill>
+                  <a:schemeClr val="tx1"/>
+                </a:solidFill>
+                <a:latin typeface="+mn-lt"/>
+                <a:ea typeface="+mn-ea"/>
+                <a:cs typeface="+mn-cs"/>
+              </a:defRPr>
+            </a:lvl1pPr>
+            <a:lvl2pPr marL="685800" indent="-228600" algn="l" defTabSz="914400" rtl="0" eaLnBrk="1" latinLnBrk="0" hangingPunct="1">
+              <a:lnSpc>
+                <a:spcPct val="90000"/>
+              </a:lnSpc>
+              <a:spcBef>
+                <a:spcPts val="500"/>
+              </a:spcBef>
+              <a:buFont typeface="Arial" panose="020B0604020202020204" pitchFamily="34" charset="0"/>
+              <a:buChar char="•"/>
+              <a:defRPr sz="2400" kern="1200">
+                <a:solidFill>
+                  <a:schemeClr val="tx1"/>
+                </a:solidFill>
+                <a:latin typeface="+mn-lt"/>
+                <a:ea typeface="+mn-ea"/>
+                <a:cs typeface="+mn-cs"/>
+              </a:defRPr>
+            </a:lvl2pPr>
+            <a:lvl3pPr marL="1143000" indent="-228600" algn="l" defTabSz="914400" rtl="0" eaLnBrk="1" latinLnBrk="0" hangingPunct="1">
+              <a:lnSpc>
+                <a:spcPct val="90000"/>
+              </a:lnSpc>
+              <a:spcBef>
+                <a:spcPts val="500"/>
+              </a:spcBef>
+              <a:buFont typeface="Arial" panose="020B0604020202020204" pitchFamily="34" charset="0"/>
+              <a:buChar char="•"/>
+              <a:defRPr sz="2000" kern="1200">
+                <a:solidFill>
+                  <a:schemeClr val="tx1"/>
+                </a:solidFill>
+                <a:latin typeface="+mn-lt"/>
+                <a:ea typeface="+mn-ea"/>
+                <a:cs typeface="+mn-cs"/>
+              </a:defRPr>
+            </a:lvl3pPr>
+            <a:lvl4pPr marL="1600200" indent="-228600" algn="l" defTabSz="914400" rtl="0" eaLnBrk="1" latinLnBrk="0" hangingPunct="1">
+              <a:lnSpc>
+                <a:spcPct val="90000"/>
+              </a:lnSpc>
+              <a:spcBef>
+                <a:spcPts val="500"/>
+              </a:spcBef>
+              <a:buFont typeface="Arial" panose="020B0604020202020204" pitchFamily="34" charset="0"/>
+              <a:buChar char="•"/>
+              <a:defRPr sz="1800" kern="1200">
+                <a:solidFill>
+                  <a:schemeClr val="tx1"/>
+                </a:solidFill>
+                <a:latin typeface="+mn-lt"/>
+                <a:ea typeface="+mn-ea"/>
+                <a:cs typeface="+mn-cs"/>
+              </a:defRPr>
+            </a:lvl4pPr>
+            <a:lvl5pPr marL="2057400" indent="-228600" algn="l" defTabSz="914400" rtl="0" eaLnBrk="1" latinLnBrk="0" hangingPunct="1">
+              <a:lnSpc>
+                <a:spcPct val="90000"/>
+              </a:lnSpc>
+              <a:spcBef>
+                <a:spcPts val="500"/>
+              </a:spcBef>
+              <a:buFont typeface="Arial" panose="020B0604020202020204" pitchFamily="34" charset="0"/>
+              <a:buChar char="•"/>
+              <a:defRPr sz="1800" kern="1200">
+                <a:solidFill>
+                  <a:schemeClr val="tx1"/>
+                </a:solidFill>
+                <a:latin typeface="+mn-lt"/>
+                <a:ea typeface="+mn-ea"/>
+                <a:cs typeface="+mn-cs"/>
+              </a:defRPr>
+            </a:lvl5pPr>
+            <a:lvl6pPr marL="2514600" indent="-228600" algn="l" defTabSz="914400" rtl="0" eaLnBrk="1" latinLnBrk="0" hangingPunct="1">
+              <a:lnSpc>
+                <a:spcPct val="90000"/>
+              </a:lnSpc>
+              <a:spcBef>
+                <a:spcPts val="500"/>
+              </a:spcBef>
+              <a:buFont typeface="Arial" panose="020B0604020202020204" pitchFamily="34" charset="0"/>
+              <a:buChar char="•"/>
+              <a:defRPr sz="1800" kern="1200">
+                <a:solidFill>
+                  <a:schemeClr val="tx1"/>
+                </a:solidFill>
+                <a:latin typeface="+mn-lt"/>
+                <a:ea typeface="+mn-ea"/>
+                <a:cs typeface="+mn-cs"/>
+              </a:defRPr>
+            </a:lvl6pPr>
+            <a:lvl7pPr marL="2971800" indent="-228600" algn="l" defTabSz="914400" rtl="0" eaLnBrk="1" latinLnBrk="0" hangingPunct="1">
+              <a:lnSpc>
+                <a:spcPct val="90000"/>
+              </a:lnSpc>
+              <a:spcBef>
+                <a:spcPts val="500"/>
+              </a:spcBef>
+              <a:buFont typeface="Arial" panose="020B0604020202020204" pitchFamily="34" charset="0"/>
+              <a:buChar char="•"/>
+              <a:defRPr sz="1800" kern="1200">
+                <a:solidFill>
+                  <a:schemeClr val="tx1"/>
+                </a:solidFill>
+                <a:latin typeface="+mn-lt"/>
+                <a:ea typeface="+mn-ea"/>
+                <a:cs typeface="+mn-cs"/>
+              </a:defRPr>
+            </a:lvl7pPr>
+            <a:lvl8pPr marL="3429000" indent="-228600" algn="l" defTabSz="914400" rtl="0" eaLnBrk="1" latinLnBrk="0" hangingPunct="1">
+              <a:lnSpc>
+                <a:spcPct val="90000"/>
+              </a:lnSpc>
+              <a:spcBef>
+                <a:spcPts val="500"/>
+              </a:spcBef>
+              <a:buFont typeface="Arial" panose="020B0604020202020204" pitchFamily="34" charset="0"/>
+              <a:buChar char="•"/>
+              <a:defRPr sz="1800" kern="1200">
+                <a:solidFill>
+                  <a:schemeClr val="tx1"/>
+                </a:solidFill>
+                <a:latin typeface="+mn-lt"/>
+                <a:ea typeface="+mn-ea"/>
+                <a:cs typeface="+mn-cs"/>
+              </a:defRPr>
+            </a:lvl8pPr>
+            <a:lvl9pPr marL="3886200" indent="-228600" algn="l" defTabSz="914400" rtl="0" eaLnBrk="1" latinLnBrk="0" hangingPunct="1">
+              <a:lnSpc>
+                <a:spcPct val="90000"/>
+              </a:lnSpc>
+              <a:spcBef>
+                <a:spcPts val="500"/>
+              </a:spcBef>
+              <a:buFont typeface="Arial" panose="020B0604020202020204" pitchFamily="34" charset="0"/>
+              <a:buChar char="•"/>
+              <a:defRPr sz="1800" kern="1200">
+                <a:solidFill>
+                  <a:schemeClr val="tx1"/>
+                </a:solidFill>
+                <a:latin typeface="+mn-lt"/>
+                <a:ea typeface="+mn-ea"/>
+                <a:cs typeface="+mn-cs"/>
+              </a:defRPr>
+            </a:lvl9pPr>
+          </a:lstStyle>
+          <a:p>
+            <a:pPr marL="0" indent="0">
+              <a:lnSpc>
+                <a:spcPct val="100000"/>
+              </a:lnSpc>
+              <a:buNone/>
+            </a:pPr>
+            <a:r>
+              <a:rPr lang="en-GB" sz="1600" dirty="0">
+                <a:latin typeface="DejaVu Sans Book" panose="020B0603030804020204" pitchFamily="34" charset="0"/>
+                <a:ea typeface="DejaVu Sans Book" panose="020B0603030804020204" pitchFamily="34" charset="0"/>
+                <a:cs typeface="DejaVu Sans Book" panose="020B0603030804020204" pitchFamily="34" charset="0"/>
+              </a:rPr>
+              <a:t>&gt; let </a:t>
+            </a:r>
+            <a:r>
+              <a:rPr lang="en-GB" sz="1600" dirty="0" err="1">
+                <a:latin typeface="DejaVu Sans Book" panose="020B0603030804020204" pitchFamily="34" charset="0"/>
+                <a:ea typeface="DejaVu Sans Book" panose="020B0603030804020204" pitchFamily="34" charset="0"/>
+                <a:cs typeface="DejaVu Sans Book" panose="020B0603030804020204" pitchFamily="34" charset="0"/>
+              </a:rPr>
+              <a:t>str</a:t>
+            </a:r>
+            <a:r>
+              <a:rPr lang="en-GB" sz="1600" dirty="0">
+                <a:latin typeface="DejaVu Sans Book" panose="020B0603030804020204" pitchFamily="34" charset="0"/>
+                <a:ea typeface="DejaVu Sans Book" panose="020B0603030804020204" pitchFamily="34" charset="0"/>
+                <a:cs typeface="DejaVu Sans Book" panose="020B0603030804020204" pitchFamily="34" charset="0"/>
+              </a:rPr>
+              <a:t> =</a:t>
+            </a:r>
+          </a:p>
+          <a:p>
+            <a:pPr marL="0" indent="0">
+              <a:lnSpc>
+                <a:spcPct val="100000"/>
+              </a:lnSpc>
+              <a:buNone/>
+            </a:pPr>
+            <a:r>
+              <a:rPr lang="en-GB" sz="1600" dirty="0">
+                <a:latin typeface="DejaVu Sans Book" panose="020B0603030804020204" pitchFamily="34" charset="0"/>
+                <a:ea typeface="DejaVu Sans Book" panose="020B0603030804020204" pitchFamily="34" charset="0"/>
+                <a:cs typeface="DejaVu Sans Book" panose="020B0603030804020204" pitchFamily="34" charset="0"/>
+              </a:rPr>
+              <a:t>-   if 3 &lt; 2 then</a:t>
+            </a:r>
+          </a:p>
+          <a:p>
+            <a:pPr marL="0" indent="0">
+              <a:lnSpc>
+                <a:spcPct val="100000"/>
+              </a:lnSpc>
+              <a:buNone/>
+            </a:pPr>
+            <a:r>
+              <a:rPr lang="en-GB" sz="1600" dirty="0">
+                <a:latin typeface="DejaVu Sans Book" panose="020B0603030804020204" pitchFamily="34" charset="0"/>
+                <a:ea typeface="DejaVu Sans Book" panose="020B0603030804020204" pitchFamily="34" charset="0"/>
+                <a:cs typeface="DejaVu Sans Book" panose="020B0603030804020204" pitchFamily="34" charset="0"/>
+              </a:rPr>
+              <a:t>-     "3 &lt; 2"</a:t>
+            </a:r>
+          </a:p>
+          <a:p>
+            <a:pPr marL="0" indent="0">
+              <a:lnSpc>
+                <a:spcPct val="100000"/>
+              </a:lnSpc>
+              <a:buNone/>
+            </a:pPr>
+            <a:r>
+              <a:rPr lang="en-GB" sz="1600" dirty="0">
+                <a:latin typeface="DejaVu Sans Book" panose="020B0603030804020204" pitchFamily="34" charset="0"/>
+                <a:ea typeface="DejaVu Sans Book" panose="020B0603030804020204" pitchFamily="34" charset="0"/>
+                <a:cs typeface="DejaVu Sans Book" panose="020B0603030804020204" pitchFamily="34" charset="0"/>
+              </a:rPr>
+              <a:t>-   else</a:t>
+            </a:r>
+          </a:p>
+          <a:p>
+            <a:pPr marL="0" indent="0">
+              <a:lnSpc>
+                <a:spcPct val="100000"/>
+              </a:lnSpc>
+              <a:buNone/>
+            </a:pPr>
+            <a:r>
+              <a:rPr lang="en-GB" sz="1600" dirty="0">
+                <a:latin typeface="DejaVu Sans Book" panose="020B0603030804020204" pitchFamily="34" charset="0"/>
+                <a:ea typeface="DejaVu Sans Book" panose="020B0603030804020204" pitchFamily="34" charset="0"/>
+                <a:cs typeface="DejaVu Sans Book" panose="020B0603030804020204" pitchFamily="34" charset="0"/>
+              </a:rPr>
+              <a:t>-     "3 &gt;= 2";;</a:t>
+            </a:r>
+          </a:p>
+          <a:p>
+            <a:pPr marL="0" indent="0">
+              <a:lnSpc>
+                <a:spcPct val="100000"/>
+              </a:lnSpc>
+              <a:buNone/>
+            </a:pPr>
+            <a:r>
+              <a:rPr lang="en-GB" sz="1600" dirty="0" err="1">
+                <a:latin typeface="DejaVu Sans Book" panose="020B0603030804020204" pitchFamily="34" charset="0"/>
+                <a:ea typeface="DejaVu Sans Book" panose="020B0603030804020204" pitchFamily="34" charset="0"/>
+                <a:cs typeface="DejaVu Sans Book" panose="020B0603030804020204" pitchFamily="34" charset="0"/>
+              </a:rPr>
+              <a:t>val</a:t>
+            </a:r>
+            <a:r>
+              <a:rPr lang="en-GB" sz="1600" dirty="0">
+                <a:latin typeface="DejaVu Sans Book" panose="020B0603030804020204" pitchFamily="34" charset="0"/>
+                <a:ea typeface="DejaVu Sans Book" panose="020B0603030804020204" pitchFamily="34" charset="0"/>
+                <a:cs typeface="DejaVu Sans Book" panose="020B0603030804020204" pitchFamily="34" charset="0"/>
+              </a:rPr>
+              <a:t> </a:t>
+            </a:r>
+            <a:r>
+              <a:rPr lang="en-GB" sz="1600" dirty="0" err="1">
+                <a:latin typeface="DejaVu Sans Book" panose="020B0603030804020204" pitchFamily="34" charset="0"/>
+                <a:ea typeface="DejaVu Sans Book" panose="020B0603030804020204" pitchFamily="34" charset="0"/>
+                <a:cs typeface="DejaVu Sans Book" panose="020B0603030804020204" pitchFamily="34" charset="0"/>
+              </a:rPr>
+              <a:t>str</a:t>
+            </a:r>
+            <a:r>
+              <a:rPr lang="en-GB" sz="1600" dirty="0">
+                <a:latin typeface="DejaVu Sans Book" panose="020B0603030804020204" pitchFamily="34" charset="0"/>
+                <a:ea typeface="DejaVu Sans Book" panose="020B0603030804020204" pitchFamily="34" charset="0"/>
+                <a:cs typeface="DejaVu Sans Book" panose="020B0603030804020204" pitchFamily="34" charset="0"/>
+              </a:rPr>
+              <a:t> : string = "3 &gt;= 2"</a:t>
+            </a:r>
           </a:p>
         </p:txBody>
       </p:sp>
     </p:spTree>
     <p:extLst>
       <p:ext uri="{BB962C8B-B14F-4D97-AF65-F5344CB8AC3E}">
-        <p14:creationId xmlns:p14="http://schemas.microsoft.com/office/powerpoint/2010/main" val="2207408751"/>
+        <p14:creationId xmlns:p14="http://schemas.microsoft.com/office/powerpoint/2010/main" val="2839907258"/>
       </p:ext>
     </p:extLst>
   </p:cSld>
@@ -27899,7 +26011,205 @@
                                           </p:stCondLst>
                                         </p:cTn>
                                         <p:tgtEl>
-                                          <p:spTgt spid="4"/>
+                                          <p:spTgt spid="10"/>
+                                        </p:tgtEl>
+                                        <p:attrNameLst>
+                                          <p:attrName>style.visibility</p:attrName>
+                                        </p:attrNameLst>
+                                      </p:cBhvr>
+                                      <p:to>
+                                        <p:strVal val="visible"/>
+                                      </p:to>
+                                    </p:set>
+                                  </p:childTnLst>
+                                </p:cTn>
+                              </p:par>
+                              <p:par>
+                                <p:cTn id="7" presetID="1" presetClass="entr" presetSubtype="0" fill="hold" grpId="0" nodeType="withEffect">
+                                  <p:stCondLst>
+                                    <p:cond delay="0"/>
+                                  </p:stCondLst>
+                                  <p:childTnLst>
+                                    <p:set>
+                                      <p:cBhvr>
+                                        <p:cTn id="8" dur="1" fill="hold">
+                                          <p:stCondLst>
+                                            <p:cond delay="0"/>
+                                          </p:stCondLst>
+                                        </p:cTn>
+                                        <p:tgtEl>
+                                          <p:spTgt spid="11"/>
+                                        </p:tgtEl>
+                                        <p:attrNameLst>
+                                          <p:attrName>style.visibility</p:attrName>
+                                        </p:attrNameLst>
+                                      </p:cBhvr>
+                                      <p:to>
+                                        <p:strVal val="visible"/>
+                                      </p:to>
+                                    </p:set>
+                                  </p:childTnLst>
+                                </p:cTn>
+                              </p:par>
+                              <p:par>
+                                <p:cTn id="9" presetID="1" presetClass="entr" presetSubtype="0" fill="hold" grpId="0" nodeType="withEffect">
+                                  <p:stCondLst>
+                                    <p:cond delay="0"/>
+                                  </p:stCondLst>
+                                  <p:childTnLst>
+                                    <p:set>
+                                      <p:cBhvr>
+                                        <p:cTn id="10" dur="1" fill="hold">
+                                          <p:stCondLst>
+                                            <p:cond delay="0"/>
+                                          </p:stCondLst>
+                                        </p:cTn>
+                                        <p:tgtEl>
+                                          <p:spTgt spid="9"/>
+                                        </p:tgtEl>
+                                        <p:attrNameLst>
+                                          <p:attrName>style.visibility</p:attrName>
+                                        </p:attrNameLst>
+                                      </p:cBhvr>
+                                      <p:to>
+                                        <p:strVal val="visible"/>
+                                      </p:to>
+                                    </p:set>
+                                  </p:childTnLst>
+                                </p:cTn>
+                              </p:par>
+                            </p:childTnLst>
+                          </p:cTn>
+                        </p:par>
+                      </p:childTnLst>
+                    </p:cTn>
+                  </p:par>
+                  <p:par>
+                    <p:cTn id="11" fill="hold">
+                      <p:stCondLst>
+                        <p:cond delay="indefinite"/>
+                      </p:stCondLst>
+                      <p:childTnLst>
+                        <p:par>
+                          <p:cTn id="12" fill="hold">
+                            <p:stCondLst>
+                              <p:cond delay="0"/>
+                            </p:stCondLst>
+                            <p:childTnLst>
+                              <p:par>
+                                <p:cTn id="13" presetID="1" presetClass="entr" presetSubtype="0" fill="hold" grpId="0" nodeType="clickEffect">
+                                  <p:stCondLst>
+                                    <p:cond delay="0"/>
+                                  </p:stCondLst>
+                                  <p:childTnLst>
+                                    <p:set>
+                                      <p:cBhvr>
+                                        <p:cTn id="14" dur="1" fill="hold">
+                                          <p:stCondLst>
+                                            <p:cond delay="0"/>
+                                          </p:stCondLst>
+                                        </p:cTn>
+                                        <p:tgtEl>
+                                          <p:spTgt spid="12"/>
+                                        </p:tgtEl>
+                                        <p:attrNameLst>
+                                          <p:attrName>style.visibility</p:attrName>
+                                        </p:attrNameLst>
+                                      </p:cBhvr>
+                                      <p:to>
+                                        <p:strVal val="visible"/>
+                                      </p:to>
+                                    </p:set>
+                                  </p:childTnLst>
+                                </p:cTn>
+                              </p:par>
+                            </p:childTnLst>
+                          </p:cTn>
+                        </p:par>
+                      </p:childTnLst>
+                    </p:cTn>
+                  </p:par>
+                  <p:par>
+                    <p:cTn id="15" fill="hold">
+                      <p:stCondLst>
+                        <p:cond delay="indefinite"/>
+                      </p:stCondLst>
+                      <p:childTnLst>
+                        <p:par>
+                          <p:cTn id="16" fill="hold">
+                            <p:stCondLst>
+                              <p:cond delay="0"/>
+                            </p:stCondLst>
+                            <p:childTnLst>
+                              <p:par>
+                                <p:cTn id="17" presetID="1" presetClass="entr" presetSubtype="0" fill="hold" nodeType="clickEffect">
+                                  <p:stCondLst>
+                                    <p:cond delay="0"/>
+                                  </p:stCondLst>
+                                  <p:childTnLst>
+                                    <p:set>
+                                      <p:cBhvr>
+                                        <p:cTn id="18" dur="1" fill="hold">
+                                          <p:stCondLst>
+                                            <p:cond delay="0"/>
+                                          </p:stCondLst>
+                                        </p:cTn>
+                                        <p:tgtEl>
+                                          <p:spTgt spid="7"/>
+                                        </p:tgtEl>
+                                        <p:attrNameLst>
+                                          <p:attrName>style.visibility</p:attrName>
+                                        </p:attrNameLst>
+                                      </p:cBhvr>
+                                      <p:to>
+                                        <p:strVal val="visible"/>
+                                      </p:to>
+                                    </p:set>
+                                  </p:childTnLst>
+                                </p:cTn>
+                              </p:par>
+                              <p:par>
+                                <p:cTn id="19" presetID="1" presetClass="entr" presetSubtype="0" fill="hold" grpId="0" nodeType="withEffect">
+                                  <p:stCondLst>
+                                    <p:cond delay="0"/>
+                                  </p:stCondLst>
+                                  <p:childTnLst>
+                                    <p:set>
+                                      <p:cBhvr>
+                                        <p:cTn id="20" dur="1" fill="hold">
+                                          <p:stCondLst>
+                                            <p:cond delay="0"/>
+                                          </p:stCondLst>
+                                        </p:cTn>
+                                        <p:tgtEl>
+                                          <p:spTgt spid="8"/>
+                                        </p:tgtEl>
+                                        <p:attrNameLst>
+                                          <p:attrName>style.visibility</p:attrName>
+                                        </p:attrNameLst>
+                                      </p:cBhvr>
+                                      <p:to>
+                                        <p:strVal val="visible"/>
+                                      </p:to>
+                                    </p:set>
+                                  </p:childTnLst>
+                                </p:cTn>
+                              </p:par>
+                              <p:par>
+                                <p:cTn id="21" presetID="1" presetClass="entr" presetSubtype="0" fill="hold" grpId="0" nodeType="withEffect">
+                                  <p:stCondLst>
+                                    <p:cond delay="0"/>
+                                  </p:stCondLst>
+                                  <p:childTnLst>
+                                    <p:set>
+                                      <p:cBhvr>
+                                        <p:cTn id="22" dur="1" fill="hold">
+                                          <p:stCondLst>
+                                            <p:cond delay="0"/>
+                                          </p:stCondLst>
+                                        </p:cTn>
+                                        <p:tgtEl>
+                                          <p:spTgt spid="6"/>
                                         </p:tgtEl>
                                         <p:attrNameLst>
                                           <p:attrName>style.visibility</p:attrName>
@@ -27939,6 +26249,13 @@
         </p:cTn>
       </p:par>
     </p:tnLst>
+    <p:bldLst>
+      <p:bldP spid="6" grpId="0"/>
+      <p:bldP spid="8" grpId="0"/>
+      <p:bldP spid="9" grpId="0"/>
+      <p:bldP spid="11" grpId="0"/>
+      <p:bldP spid="12" grpId="0"/>
+    </p:bldLst>
   </p:timing>
 </p:sld>
 </file>
